--- a/PPT Form/Day One - Practical Exercise.pptx
+++ b/PPT Form/Day One - Practical Exercise.pptx
@@ -12,7 +12,7 @@
     <p:sldId id="813" r:id="rId3"/>
     <p:sldId id="817" r:id="rId4"/>
     <p:sldId id="818" r:id="rId5"/>
-    <p:sldId id="812" r:id="rId6"/>
+    <p:sldId id="785" r:id="rId6"/>
     <p:sldId id="814" r:id="rId7"/>
     <p:sldId id="821" r:id="rId8"/>
     <p:sldId id="815" r:id="rId9"/>
@@ -613,6 +613,250 @@
         <p14:creationId xmlns:p14="http://schemas.microsoft.com/office/powerpoint/2010/main" val="3735517433"/>
       </p:ext>
     </p:extLst>
+  </p:cSld>
+  <p:clrMapOvr>
+    <a:masterClrMapping/>
+  </p:clrMapOvr>
+</p:notes>
+</file>
+
+<file path=ppt/notesSlides/notesSlide2.xml><?xml version="1.0" encoding="utf-8"?>
+<p:notes xmlns:a="http://schemas.openxmlformats.org/drawingml/2006/main" xmlns:r="http://schemas.openxmlformats.org/officeDocument/2006/relationships" xmlns:p="http://schemas.openxmlformats.org/presentationml/2006/main">
+  <p:cSld>
+    <p:spTree>
+      <p:nvGrpSpPr>
+        <p:cNvPr id="1" name=""/>
+        <p:cNvGrpSpPr/>
+        <p:nvPr/>
+      </p:nvGrpSpPr>
+      <p:grpSpPr>
+        <a:xfrm>
+          <a:off x="0" y="0"/>
+          <a:ext cx="0" cy="0"/>
+          <a:chOff x="0" y="0"/>
+          <a:chExt cx="0" cy="0"/>
+        </a:xfrm>
+      </p:grpSpPr>
+      <p:sp>
+        <p:nvSpPr>
+          <p:cNvPr id="79874" name="Rectangle 7"/>
+          <p:cNvSpPr>
+            <a:spLocks noGrp="1" noChangeArrowheads="1"/>
+          </p:cNvSpPr>
+          <p:nvPr>
+            <p:ph type="sldNum" sz="quarter" idx="5"/>
+          </p:nvPr>
+        </p:nvSpPr>
+        <p:spPr>
+          <a:noFill/>
+          <a:ln/>
+          <a:extLst>
+            <a:ext uri="{909E8E84-426E-40dd-AFC4-6F175D3DCCD1}">
+              <a14:hiddenFill xmlns:a14="http://schemas.microsoft.com/office/drawing/2010/main" xmlns="">
+                <a:solidFill>
+                  <a:srgbClr val="FFFFFF"/>
+                </a:solidFill>
+              </a14:hiddenFill>
+            </a:ext>
+            <a:ext uri="{91240B29-F687-4f45-9708-019B960494DF}">
+              <a14:hiddenLine xmlns:a14="http://schemas.microsoft.com/office/drawing/2010/main" xmlns="" w="9525">
+                <a:solidFill>
+                  <a:srgbClr val="000000"/>
+                </a:solidFill>
+                <a:miter lim="800000"/>
+                <a:headEnd/>
+                <a:tailEnd/>
+              </a14:hiddenLine>
+            </a:ext>
+          </a:extLst>
+        </p:spPr>
+        <p:txBody>
+          <a:bodyPr/>
+          <a:lstStyle>
+            <a:lvl1pPr>
+              <a:defRPr sz="2400">
+                <a:solidFill>
+                  <a:schemeClr val="tx1"/>
+                </a:solidFill>
+                <a:latin typeface="Arial" charset="0"/>
+                <a:ea typeface="ＭＳ Ｐゴシック" charset="0"/>
+                <a:cs typeface="ＭＳ Ｐゴシック" charset="0"/>
+              </a:defRPr>
+            </a:lvl1pPr>
+            <a:lvl2pPr marL="37931725" indent="-37474525">
+              <a:defRPr sz="2400">
+                <a:solidFill>
+                  <a:schemeClr val="tx1"/>
+                </a:solidFill>
+                <a:latin typeface="Arial" charset="0"/>
+                <a:ea typeface="ＭＳ Ｐゴシック" charset="0"/>
+              </a:defRPr>
+            </a:lvl2pPr>
+            <a:lvl3pPr>
+              <a:defRPr sz="2400">
+                <a:solidFill>
+                  <a:schemeClr val="tx1"/>
+                </a:solidFill>
+                <a:latin typeface="Arial" charset="0"/>
+                <a:ea typeface="ＭＳ Ｐゴシック" charset="0"/>
+              </a:defRPr>
+            </a:lvl3pPr>
+            <a:lvl4pPr>
+              <a:defRPr sz="2400">
+                <a:solidFill>
+                  <a:schemeClr val="tx1"/>
+                </a:solidFill>
+                <a:latin typeface="Arial" charset="0"/>
+                <a:ea typeface="ＭＳ Ｐゴシック" charset="0"/>
+              </a:defRPr>
+            </a:lvl4pPr>
+            <a:lvl5pPr>
+              <a:defRPr sz="2400">
+                <a:solidFill>
+                  <a:schemeClr val="tx1"/>
+                </a:solidFill>
+                <a:latin typeface="Arial" charset="0"/>
+                <a:ea typeface="ＭＳ Ｐゴシック" charset="0"/>
+              </a:defRPr>
+            </a:lvl5pPr>
+            <a:lvl6pPr marL="457200" eaLnBrk="0" fontAlgn="base" hangingPunct="0">
+              <a:spcBef>
+                <a:spcPct val="0"/>
+              </a:spcBef>
+              <a:spcAft>
+                <a:spcPct val="0"/>
+              </a:spcAft>
+              <a:defRPr sz="2400">
+                <a:solidFill>
+                  <a:schemeClr val="tx1"/>
+                </a:solidFill>
+                <a:latin typeface="Arial" charset="0"/>
+                <a:ea typeface="ＭＳ Ｐゴシック" charset="0"/>
+              </a:defRPr>
+            </a:lvl6pPr>
+            <a:lvl7pPr marL="914400" eaLnBrk="0" fontAlgn="base" hangingPunct="0">
+              <a:spcBef>
+                <a:spcPct val="0"/>
+              </a:spcBef>
+              <a:spcAft>
+                <a:spcPct val="0"/>
+              </a:spcAft>
+              <a:defRPr sz="2400">
+                <a:solidFill>
+                  <a:schemeClr val="tx1"/>
+                </a:solidFill>
+                <a:latin typeface="Arial" charset="0"/>
+                <a:ea typeface="ＭＳ Ｐゴシック" charset="0"/>
+              </a:defRPr>
+            </a:lvl7pPr>
+            <a:lvl8pPr marL="1371600" eaLnBrk="0" fontAlgn="base" hangingPunct="0">
+              <a:spcBef>
+                <a:spcPct val="0"/>
+              </a:spcBef>
+              <a:spcAft>
+                <a:spcPct val="0"/>
+              </a:spcAft>
+              <a:defRPr sz="2400">
+                <a:solidFill>
+                  <a:schemeClr val="tx1"/>
+                </a:solidFill>
+                <a:latin typeface="Arial" charset="0"/>
+                <a:ea typeface="ＭＳ Ｐゴシック" charset="0"/>
+              </a:defRPr>
+            </a:lvl8pPr>
+            <a:lvl9pPr marL="1828800" eaLnBrk="0" fontAlgn="base" hangingPunct="0">
+              <a:spcBef>
+                <a:spcPct val="0"/>
+              </a:spcBef>
+              <a:spcAft>
+                <a:spcPct val="0"/>
+              </a:spcAft>
+              <a:defRPr sz="2400">
+                <a:solidFill>
+                  <a:schemeClr val="tx1"/>
+                </a:solidFill>
+                <a:latin typeface="Arial" charset="0"/>
+                <a:ea typeface="ＭＳ Ｐゴシック" charset="0"/>
+              </a:defRPr>
+            </a:lvl9pPr>
+          </a:lstStyle>
+          <a:p>
+            <a:fld id="{DE8C110E-06DD-7A43-82B2-4721BE59C990}" type="slidenum">
+              <a:rPr lang="en-US" sz="1200"/>
+              <a:pPr/>
+              <a:t>5</a:t>
+            </a:fld>
+            <a:endParaRPr lang="en-US" sz="1200"/>
+          </a:p>
+        </p:txBody>
+      </p:sp>
+      <p:sp>
+        <p:nvSpPr>
+          <p:cNvPr id="79875" name="Rectangle 1026"/>
+          <p:cNvSpPr>
+            <a:spLocks noGrp="1" noRot="1" noChangeAspect="1" noChangeArrowheads="1" noTextEdit="1"/>
+          </p:cNvSpPr>
+          <p:nvPr>
+            <p:ph type="sldImg"/>
+          </p:nvPr>
+        </p:nvSpPr>
+        <p:spPr>
+          <a:xfrm>
+            <a:off x="381000" y="685800"/>
+            <a:ext cx="6096000" cy="3429000"/>
+          </a:xfrm>
+          <a:ln/>
+        </p:spPr>
+      </p:sp>
+      <p:sp>
+        <p:nvSpPr>
+          <p:cNvPr id="79876" name="Rectangle 1027"/>
+          <p:cNvSpPr>
+            <a:spLocks noGrp="1" noChangeArrowheads="1"/>
+          </p:cNvSpPr>
+          <p:nvPr>
+            <p:ph type="body" idx="1"/>
+          </p:nvPr>
+        </p:nvSpPr>
+        <p:spPr>
+          <a:noFill/>
+          <a:ln/>
+          <a:extLst>
+            <a:ext uri="{FAA26D3D-D897-4be2-8F04-BA451C77F1D7}">
+              <ma14:placeholderFlag xmlns:ma14="http://schemas.microsoft.com/office/mac/drawingml/2011/main" xmlns="" val="1"/>
+            </a:ext>
+            <a:ext uri="{909E8E84-426E-40dd-AFC4-6F175D3DCCD1}">
+              <a14:hiddenFill xmlns:a14="http://schemas.microsoft.com/office/drawing/2010/main" xmlns="">
+                <a:solidFill>
+                  <a:srgbClr val="FFFFFF"/>
+                </a:solidFill>
+              </a14:hiddenFill>
+            </a:ext>
+            <a:ext uri="{91240B29-F687-4f45-9708-019B960494DF}">
+              <a14:hiddenLine xmlns:a14="http://schemas.microsoft.com/office/drawing/2010/main" xmlns="" w="9525">
+                <a:solidFill>
+                  <a:srgbClr val="000000"/>
+                </a:solidFill>
+                <a:miter lim="800000"/>
+                <a:headEnd/>
+                <a:tailEnd/>
+              </a14:hiddenLine>
+            </a:ext>
+          </a:extLst>
+        </p:spPr>
+        <p:txBody>
+          <a:bodyPr/>
+          <a:lstStyle/>
+          <a:p>
+            <a:pPr eaLnBrk="1" hangingPunct="1"/>
+            <a:endParaRPr lang="en-US">
+              <a:ea typeface="ＭＳ Ｐゴシック" charset="0"/>
+              <a:cs typeface="ＭＳ Ｐゴシック" charset="0"/>
+            </a:endParaRPr>
+          </a:p>
+        </p:txBody>
+      </p:sp>
+    </p:spTree>
   </p:cSld>
   <p:clrMapOvr>
     <a:masterClrMapping/>
@@ -4604,11 +4848,13 @@
           </a:xfrm>
         </p:spPr>
         <p:txBody>
-          <a:bodyPr/>
+          <a:bodyPr>
+            <a:noAutofit/>
+          </a:bodyPr>
           <a:lstStyle/>
           <a:p>
             <a:r>
-              <a:rPr lang="en-US" dirty="0">
+              <a:rPr lang="en-US" sz="2200" dirty="0">
                 <a:latin typeface="Arial" panose="020B0604020202020204" pitchFamily="34" charset="0"/>
                 <a:cs typeface="Arial" panose="020B0604020202020204" pitchFamily="34" charset="0"/>
               </a:rPr>
@@ -4617,7 +4863,7 @@
           </a:p>
           <a:p>
             <a:r>
-              <a:rPr lang="en-US" dirty="0">
+              <a:rPr lang="en-US" sz="2200" dirty="0">
                 <a:latin typeface="Arial" panose="020B0604020202020204" pitchFamily="34" charset="0"/>
                 <a:cs typeface="Arial" panose="020B0604020202020204" pitchFamily="34" charset="0"/>
               </a:rPr>
@@ -4626,7 +4872,7 @@
           </a:p>
           <a:p>
             <a:r>
-              <a:rPr lang="en-US" dirty="0">
+              <a:rPr lang="en-US" sz="2200" dirty="0">
                 <a:latin typeface="Arial" panose="020B0604020202020204" pitchFamily="34" charset="0"/>
                 <a:cs typeface="Arial" panose="020B0604020202020204" pitchFamily="34" charset="0"/>
               </a:rPr>
@@ -4635,7 +4881,7 @@
           </a:p>
           <a:p>
             <a:r>
-              <a:rPr lang="en-US" dirty="0">
+              <a:rPr lang="en-US" sz="2200" dirty="0">
                 <a:latin typeface="Arial" panose="020B0604020202020204" pitchFamily="34" charset="0"/>
                 <a:cs typeface="Arial" panose="020B0604020202020204" pitchFamily="34" charset="0"/>
               </a:rPr>
@@ -4837,7 +5083,7 @@
                 <a:ea typeface="+mn-ea"/>
                 <a:cs typeface="Arial" panose="020B0604020202020204" pitchFamily="34" charset="0"/>
               </a:rPr>
-              <a:t>This exercise involves editing MATLAB code, running the code, and comparing the fit and forecasting performance of a standard SIR model against other </a:t>
+              <a:t>This exercise involves editing MATLAB code, running the code, and comparing the fit and forecasting performance of a standard SEIR model against other </a:t>
             </a:r>
             <a:r>
               <a:rPr kumimoji="0" lang="en-US" sz="2000" b="0" i="0" u="none" strike="noStrike" kern="1200" cap="none" spc="0" normalizeH="0" baseline="0" noProof="0" dirty="0">
@@ -4857,7 +5103,7 @@
                 <a:ea typeface="+mn-ea"/>
                 <a:cs typeface="Arial" panose="020B0604020202020204" pitchFamily="34" charset="0"/>
               </a:rPr>
-              <a:t>phenomenological growth models (i.e., exponential, generalized growth model, and Richards model) </a:t>
+              <a:t>phenomenological growth models (i.e., generalized growth model) </a:t>
             </a:r>
             <a:r>
               <a:rPr kumimoji="0" lang="en-US" sz="2000" b="0" i="0" u="none" strike="noStrike" kern="1200" cap="none" spc="0" normalizeH="0" baseline="0" noProof="0" dirty="0">
@@ -5122,7 +5368,7 @@
                 <a:ea typeface="+mn-ea"/>
                 <a:cs typeface="Arial" panose="020B0604020202020204" pitchFamily="34" charset="0"/>
               </a:rPr>
-              <a:t>To determine the best approach, using the provided SIR model, to fit and forecast the 2022-2023 epidemic in the United States employing the tools covered today. </a:t>
+              <a:t>To determine the best approach, using the provided SEIR model, to fit and forecast the 2022-2023 epidemic in the United States employing the tools covered today. </a:t>
             </a:r>
           </a:p>
         </p:txBody>
@@ -6341,347 +6587,379 @@
           <a:chExt cx="0" cy="0"/>
         </a:xfrm>
       </p:grpSpPr>
-      <p:pic>
-        <p:nvPicPr>
-          <p:cNvPr id="11" name="Picture 10" descr="A diagram of a square with arrows pointing to the center&#10;&#10;Description automatically generated">
-            <a:extLst>
-              <a:ext uri="{FF2B5EF4-FFF2-40B4-BE49-F238E27FC236}">
-                <a16:creationId xmlns:a16="http://schemas.microsoft.com/office/drawing/2014/main" id="{36E44956-96CE-B89D-21A5-7733C8632CE5}"/>
-              </a:ext>
-            </a:extLst>
-          </p:cNvPr>
-          <p:cNvPicPr>
-            <a:picLocks noChangeAspect="1"/>
-          </p:cNvPicPr>
-          <p:nvPr/>
-        </p:nvPicPr>
-        <p:blipFill rotWithShape="1">
-          <a:blip r:embed="rId2"/>
-          <a:srcRect t="15059"/>
-          <a:stretch/>
-        </p:blipFill>
+      <p:sp>
+        <p:nvSpPr>
+          <p:cNvPr id="78850" name="Rectangle 2"/>
+          <p:cNvSpPr>
+            <a:spLocks noGrp="1" noChangeArrowheads="1"/>
+          </p:cNvSpPr>
+          <p:nvPr>
+            <p:ph type="title"/>
+          </p:nvPr>
+        </p:nvSpPr>
         <p:spPr>
           <a:xfrm>
-            <a:off x="1544732" y="1838856"/>
-            <a:ext cx="9163496" cy="2184580"/>
+            <a:off x="1673704" y="516337"/>
+            <a:ext cx="8844592" cy="535531"/>
           </a:xfrm>
-          <a:prstGeom prst="rect">
-            <a:avLst/>
-          </a:prstGeom>
+          <a:noFill/>
         </p:spPr>
-      </p:pic>
-      <mc:AlternateContent xmlns:mc="http://schemas.openxmlformats.org/markup-compatibility/2006" xmlns:a14="http://schemas.microsoft.com/office/drawing/2010/main">
-        <mc:Choice Requires="a14">
+        <p:txBody>
+          <a:bodyPr vert="horz" wrap="square" lIns="91440" tIns="45720" rIns="91440" bIns="45720" rtlCol="0" anchor="ctr">
+            <a:spAutoFit/>
+          </a:bodyPr>
+          <a:lstStyle/>
+          <a:p>
+            <a:pPr algn="ctr" fontAlgn="base">
+              <a:spcAft>
+                <a:spcPct val="0"/>
+              </a:spcAft>
+            </a:pPr>
+            <a:r>
+              <a:rPr lang="en-US" sz="3200" b="1" dirty="0">
+                <a:solidFill>
+                  <a:srgbClr val="0000FF"/>
+                </a:solidFill>
+                <a:latin typeface="+mn-lt"/>
+                <a:ea typeface="+mn-ea"/>
+                <a:cs typeface="+mn-cs"/>
+              </a:rPr>
+              <a:t>Susceptible-Exposed-Infectious-Recovered model</a:t>
+            </a:r>
+          </a:p>
+        </p:txBody>
+      </p:sp>
+      <mc:AlternateContent xmlns:mc="http://schemas.openxmlformats.org/markup-compatibility/2006">
+        <mc:Choice xmlns:a14="http://schemas.microsoft.com/office/drawing/2010/main" Requires="a14">
           <p:sp>
             <p:nvSpPr>
-              <p:cNvPr id="2" name="TextBox 1">
-                <a:extLst>
-                  <a:ext uri="{FF2B5EF4-FFF2-40B4-BE49-F238E27FC236}">
-                    <a16:creationId xmlns:a16="http://schemas.microsoft.com/office/drawing/2014/main" id="{C8104281-C87C-9367-7289-BCC77D6D2503}"/>
-                  </a:ext>
-                </a:extLst>
-              </p:cNvPr>
-              <p:cNvSpPr txBox="1"/>
+              <p:cNvPr id="78851" name="Text Box 5"/>
+              <p:cNvSpPr txBox="1">
+                <a:spLocks noChangeArrowheads="1"/>
+              </p:cNvSpPr>
               <p:nvPr/>
             </p:nvSpPr>
-            <p:spPr>
+            <p:spPr bwMode="auto">
               <a:xfrm>
-                <a:off x="2128123" y="3853978"/>
-                <a:ext cx="2167128" cy="628057"/>
+                <a:off x="1345093" y="4343102"/>
+                <a:ext cx="9958316" cy="1938992"/>
               </a:xfrm>
               <a:prstGeom prst="rect">
                 <a:avLst/>
               </a:prstGeom>
               <a:noFill/>
               <a:ln>
-                <a:solidFill>
-                  <a:schemeClr val="tx1"/>
-                </a:solidFill>
+                <a:noFill/>
               </a:ln>
+              <a:extLst>
+                <a:ext uri="{909E8E84-426E-40dd-AFC4-6F175D3DCCD1}">
+                  <a14:hiddenFill xmlns="">
+                    <a:solidFill>
+                      <a:srgbClr val="FFFFFF"/>
+                    </a:solidFill>
+                  </a14:hiddenFill>
+                </a:ext>
+                <a:ext uri="{91240B29-F687-4f45-9708-019B960494DF}">
+                  <a14:hiddenLine xmlns="" w="9525">
+                    <a:solidFill>
+                      <a:srgbClr val="000000"/>
+                    </a:solidFill>
+                    <a:miter lim="800000"/>
+                    <a:headEnd/>
+                    <a:tailEnd/>
+                  </a14:hiddenLine>
+                </a:ext>
+              </a:extLst>
             </p:spPr>
             <p:txBody>
-              <a:bodyPr wrap="square" rtlCol="0">
+              <a:bodyPr wrap="square">
                 <a:spAutoFit/>
               </a:bodyPr>
-              <a:lstStyle/>
-              <a:p>
-                <a:pPr marL="0" marR="0" lvl="0" indent="0" algn="l" defTabSz="457200" rtl="0" eaLnBrk="1" fontAlgn="auto" latinLnBrk="0" hangingPunct="1">
-                  <a:lnSpc>
-                    <a:spcPct val="100000"/>
-                  </a:lnSpc>
+              <a:lstStyle>
+                <a:lvl1pPr>
+                  <a:defRPr sz="2400">
+                    <a:solidFill>
+                      <a:schemeClr val="tx1"/>
+                    </a:solidFill>
+                    <a:latin typeface="Arial" charset="0"/>
+                    <a:ea typeface="ＭＳ Ｐゴシック" charset="0"/>
+                    <a:cs typeface="ＭＳ Ｐゴシック" charset="0"/>
+                  </a:defRPr>
+                </a:lvl1pPr>
+                <a:lvl2pPr marL="37931725" indent="-37474525">
+                  <a:defRPr sz="2400">
+                    <a:solidFill>
+                      <a:schemeClr val="tx1"/>
+                    </a:solidFill>
+                    <a:latin typeface="Arial" charset="0"/>
+                    <a:ea typeface="ＭＳ Ｐゴシック" charset="0"/>
+                  </a:defRPr>
+                </a:lvl2pPr>
+                <a:lvl3pPr>
+                  <a:defRPr sz="2400">
+                    <a:solidFill>
+                      <a:schemeClr val="tx1"/>
+                    </a:solidFill>
+                    <a:latin typeface="Arial" charset="0"/>
+                    <a:ea typeface="ＭＳ Ｐゴシック" charset="0"/>
+                  </a:defRPr>
+                </a:lvl3pPr>
+                <a:lvl4pPr>
+                  <a:defRPr sz="2400">
+                    <a:solidFill>
+                      <a:schemeClr val="tx1"/>
+                    </a:solidFill>
+                    <a:latin typeface="Arial" charset="0"/>
+                    <a:ea typeface="ＭＳ Ｐゴシック" charset="0"/>
+                  </a:defRPr>
+                </a:lvl4pPr>
+                <a:lvl5pPr>
+                  <a:defRPr sz="2400">
+                    <a:solidFill>
+                      <a:schemeClr val="tx1"/>
+                    </a:solidFill>
+                    <a:latin typeface="Arial" charset="0"/>
+                    <a:ea typeface="ＭＳ Ｐゴシック" charset="0"/>
+                  </a:defRPr>
+                </a:lvl5pPr>
+                <a:lvl6pPr marL="457200" eaLnBrk="0" fontAlgn="base" hangingPunct="0">
                   <a:spcBef>
-                    <a:spcPts val="0"/>
+                    <a:spcPct val="0"/>
                   </a:spcBef>
                   <a:spcAft>
-                    <a:spcPts val="0"/>
+                    <a:spcPct val="0"/>
                   </a:spcAft>
-                  <a:buClrTx/>
-                  <a:buSzTx/>
-                  <a:buFontTx/>
-                  <a:buNone/>
-                  <a:tabLst/>
-                  <a:defRPr/>
+                  <a:defRPr sz="2400">
+                    <a:solidFill>
+                      <a:schemeClr val="tx1"/>
+                    </a:solidFill>
+                    <a:latin typeface="Arial" charset="0"/>
+                    <a:ea typeface="ＭＳ Ｐゴシック" charset="0"/>
+                  </a:defRPr>
+                </a:lvl6pPr>
+                <a:lvl7pPr marL="914400" eaLnBrk="0" fontAlgn="base" hangingPunct="0">
+                  <a:spcBef>
+                    <a:spcPct val="0"/>
+                  </a:spcBef>
+                  <a:spcAft>
+                    <a:spcPct val="0"/>
+                  </a:spcAft>
+                  <a:defRPr sz="2400">
+                    <a:solidFill>
+                      <a:schemeClr val="tx1"/>
+                    </a:solidFill>
+                    <a:latin typeface="Arial" charset="0"/>
+                    <a:ea typeface="ＭＳ Ｐゴシック" charset="0"/>
+                  </a:defRPr>
+                </a:lvl7pPr>
+                <a:lvl8pPr marL="1371600" eaLnBrk="0" fontAlgn="base" hangingPunct="0">
+                  <a:spcBef>
+                    <a:spcPct val="0"/>
+                  </a:spcBef>
+                  <a:spcAft>
+                    <a:spcPct val="0"/>
+                  </a:spcAft>
+                  <a:defRPr sz="2400">
+                    <a:solidFill>
+                      <a:schemeClr val="tx1"/>
+                    </a:solidFill>
+                    <a:latin typeface="Arial" charset="0"/>
+                    <a:ea typeface="ＭＳ Ｐゴシック" charset="0"/>
+                  </a:defRPr>
+                </a:lvl8pPr>
+                <a:lvl9pPr marL="1828800" eaLnBrk="0" fontAlgn="base" hangingPunct="0">
+                  <a:spcBef>
+                    <a:spcPct val="0"/>
+                  </a:spcBef>
+                  <a:spcAft>
+                    <a:spcPct val="0"/>
+                  </a:spcAft>
+                  <a:defRPr sz="2400">
+                    <a:solidFill>
+                      <a:schemeClr val="tx1"/>
+                    </a:solidFill>
+                    <a:latin typeface="Arial" charset="0"/>
+                    <a:ea typeface="ＭＳ Ｐゴシック" charset="0"/>
+                  </a:defRPr>
+                </a:lvl9pPr>
+              </a:lstStyle>
+              <a:p>
+                <a:pPr marL="285750" indent="-285750">
+                  <a:spcBef>
+                    <a:spcPct val="50000"/>
+                  </a:spcBef>
+                  <a:buFont typeface="Arial" panose="020B0604020202020204" pitchFamily="34" charset="0"/>
+                  <a:buChar char="•"/>
+                </a:pPr>
+                <a:r>
+                  <a:rPr lang="en-US" sz="2000" dirty="0"/>
+                  <a:t>Expands upon the SIR model with the inclusion of latency period via an exposed class. </a:t>
+                </a:r>
+              </a:p>
+              <a:p>
+                <a:pPr marL="285750" indent="-285750">
+                  <a:spcBef>
+                    <a:spcPct val="50000"/>
+                  </a:spcBef>
+                  <a:buFont typeface="Arial" panose="020B0604020202020204" pitchFamily="34" charset="0"/>
+                  <a:buChar char="•"/>
+                </a:pPr>
+                <a:r>
+                  <a:rPr lang="en-US" sz="2000" b="1" u="sng" dirty="0"/>
+                  <a:t>Latency Period (</a:t>
+                </a:r>
+                <a14:m>
+                  <m:oMath xmlns:m="http://schemas.openxmlformats.org/officeDocument/2006/math">
+                    <m:r>
+                      <a:rPr lang="en-US" sz="2000" b="1" i="1" u="sng" smtClean="0">
+                        <a:latin typeface="Cambria Math" panose="02040503050406030204" pitchFamily="18" charset="0"/>
+                      </a:rPr>
+                      <m:t>𝟏</m:t>
+                    </m:r>
+                    <m:r>
+                      <a:rPr lang="en-US" sz="2000" b="1" i="1" u="sng" smtClean="0">
+                        <a:latin typeface="Cambria Math" panose="02040503050406030204" pitchFamily="18" charset="0"/>
+                      </a:rPr>
+                      <m:t>/</m:t>
+                    </m:r>
+                    <m:r>
+                      <a:rPr lang="en-US" sz="2000" b="1" i="1" u="sng" smtClean="0">
+                        <a:latin typeface="Cambria Math" panose="02040503050406030204" pitchFamily="18" charset="0"/>
+                        <a:ea typeface="Cambria Math" panose="02040503050406030204" pitchFamily="18" charset="0"/>
+                      </a:rPr>
+                      <m:t>𝜿</m:t>
+                    </m:r>
+                  </m:oMath>
+                </a14:m>
+                <a:r>
+                  <a:rPr lang="en-US" sz="2000" b="1" u="sng" dirty="0"/>
+                  <a:t>):</a:t>
+                </a:r>
+                <a:r>
+                  <a:rPr lang="en-US" sz="2000" b="1" dirty="0"/>
+                  <a:t> </a:t>
+                </a:r>
+                <a:r>
+                  <a:rPr lang="en-US" sz="2000" dirty="0"/>
+                  <a:t>Time elapsed from effective exposure to the infectious agent to infectiousness. </a:t>
+                </a:r>
+              </a:p>
+              <a:p>
+                <a:pPr marL="285750" indent="-285750">
+                  <a:spcBef>
+                    <a:spcPct val="50000"/>
+                  </a:spcBef>
+                  <a:buFont typeface="Arial" panose="020B0604020202020204" pitchFamily="34" charset="0"/>
+                  <a:buChar char="•"/>
                 </a:pPr>
                 <a14:m>
-                  <m:oMathPara xmlns:m="http://schemas.openxmlformats.org/officeDocument/2006/math">
-                    <m:oMathParaPr>
-                      <m:jc m:val="center"/>
-                    </m:oMathParaPr>
-                    <m:oMath xmlns:m="http://schemas.openxmlformats.org/officeDocument/2006/math">
-                      <m:r>
-                        <a:rPr kumimoji="0" lang="en-US" sz="1800" b="0" i="1" u="none" strike="noStrike" kern="1200" cap="none" spc="0" normalizeH="0" baseline="0" noProof="0" smtClean="0">
-                          <a:ln>
-                            <a:noFill/>
-                          </a:ln>
-                          <a:solidFill>
-                            <a:prstClr val="black"/>
-                          </a:solidFill>
-                          <a:effectLst/>
-                          <a:uLnTx/>
-                          <a:uFillTx/>
-                          <a:latin typeface="Cambria Math" panose="02040503050406030204" pitchFamily="18" charset="0"/>
-                          <a:ea typeface="Cambria Math" panose="02040503050406030204" pitchFamily="18" charset="0"/>
-                          <a:cs typeface="+mn-cs"/>
-                        </a:rPr>
-                        <m:t>−</m:t>
-                      </m:r>
-                      <m:r>
-                        <a:rPr kumimoji="0" lang="en-US" sz="1800" b="0" i="1" u="none" strike="noStrike" kern="1200" cap="none" spc="0" normalizeH="0" baseline="0" noProof="0">
-                          <a:ln>
-                            <a:noFill/>
-                          </a:ln>
-                          <a:solidFill>
-                            <a:prstClr val="black"/>
-                          </a:solidFill>
-                          <a:effectLst/>
-                          <a:uLnTx/>
-                          <a:uFillTx/>
-                          <a:latin typeface="Cambria Math" panose="02040503050406030204" pitchFamily="18" charset="0"/>
-                          <a:ea typeface="Cambria Math" panose="02040503050406030204" pitchFamily="18" charset="0"/>
-                          <a:cs typeface="+mn-cs"/>
-                        </a:rPr>
-                        <m:t>𝛽</m:t>
-                      </m:r>
-                      <m:r>
-                        <a:rPr kumimoji="0" lang="en-US" sz="1800" b="0" i="1" u="none" strike="noStrike" kern="1200" cap="none" spc="0" normalizeH="0" baseline="0" noProof="0">
-                          <a:ln>
-                            <a:noFill/>
-                          </a:ln>
-                          <a:solidFill>
-                            <a:prstClr val="black"/>
-                          </a:solidFill>
-                          <a:effectLst/>
-                          <a:uLnTx/>
-                          <a:uFillTx/>
-                          <a:latin typeface="Cambria Math" panose="02040503050406030204" pitchFamily="18" charset="0"/>
-                          <a:ea typeface="Cambria Math" panose="02040503050406030204" pitchFamily="18" charset="0"/>
-                          <a:cs typeface="+mn-cs"/>
-                        </a:rPr>
-                        <m:t>𝑆</m:t>
-                      </m:r>
-                      <m:r>
-                        <a:rPr kumimoji="0" lang="en-US" sz="1800" b="0" i="1" u="none" strike="noStrike" kern="1200" cap="none" spc="0" normalizeH="0" baseline="0" noProof="0">
-                          <a:ln>
-                            <a:noFill/>
-                          </a:ln>
-                          <a:solidFill>
-                            <a:prstClr val="black"/>
-                          </a:solidFill>
-                          <a:effectLst/>
-                          <a:uLnTx/>
-                          <a:uFillTx/>
-                          <a:latin typeface="Cambria Math" panose="02040503050406030204" pitchFamily="18" charset="0"/>
-                          <a:ea typeface="Cambria Math" panose="02040503050406030204" pitchFamily="18" charset="0"/>
-                          <a:cs typeface="+mn-cs"/>
-                        </a:rPr>
-                        <m:t>(</m:t>
-                      </m:r>
-                      <m:r>
-                        <a:rPr kumimoji="0" lang="en-US" sz="1800" b="0" i="1" u="none" strike="noStrike" kern="1200" cap="none" spc="0" normalizeH="0" baseline="0" noProof="0">
-                          <a:ln>
-                            <a:noFill/>
-                          </a:ln>
-                          <a:solidFill>
-                            <a:prstClr val="black"/>
-                          </a:solidFill>
-                          <a:effectLst/>
-                          <a:uLnTx/>
-                          <a:uFillTx/>
-                          <a:latin typeface="Cambria Math" panose="02040503050406030204" pitchFamily="18" charset="0"/>
-                          <a:ea typeface="Cambria Math" panose="02040503050406030204" pitchFamily="18" charset="0"/>
-                          <a:cs typeface="+mn-cs"/>
-                        </a:rPr>
-                        <m:t>𝑡</m:t>
-                      </m:r>
-                      <m:r>
-                        <a:rPr kumimoji="0" lang="en-US" sz="1800" b="0" i="1" u="none" strike="noStrike" kern="1200" cap="none" spc="0" normalizeH="0" baseline="0" noProof="0">
-                          <a:ln>
-                            <a:noFill/>
-                          </a:ln>
-                          <a:solidFill>
-                            <a:prstClr val="black"/>
-                          </a:solidFill>
-                          <a:effectLst/>
-                          <a:uLnTx/>
-                          <a:uFillTx/>
-                          <a:latin typeface="Cambria Math" panose="02040503050406030204" pitchFamily="18" charset="0"/>
-                          <a:ea typeface="Cambria Math" panose="02040503050406030204" pitchFamily="18" charset="0"/>
-                          <a:cs typeface="+mn-cs"/>
-                        </a:rPr>
-                        <m:t>)</m:t>
-                      </m:r>
-                      <m:f>
-                        <m:fPr>
-                          <m:ctrlPr>
-                            <a:rPr kumimoji="0" lang="en-US" sz="1800" b="0" i="1" u="none" strike="noStrike" kern="1200" cap="none" spc="0" normalizeH="0" baseline="0" noProof="0" smtClean="0">
-                              <a:ln>
-                                <a:noFill/>
-                              </a:ln>
-                              <a:solidFill>
-                                <a:prstClr val="black"/>
-                              </a:solidFill>
-                              <a:effectLst/>
-                              <a:uLnTx/>
-                              <a:uFillTx/>
-                              <a:latin typeface="Cambria Math" panose="02040503050406030204" pitchFamily="18" charset="0"/>
-                              <a:ea typeface="Cambria Math" panose="02040503050406030204" pitchFamily="18" charset="0"/>
-                              <a:cs typeface="+mn-cs"/>
-                            </a:rPr>
-                          </m:ctrlPr>
-                        </m:fPr>
-                        <m:num>
-                          <m:r>
-                            <a:rPr kumimoji="0" lang="en-US" sz="1800" b="0" i="1" u="none" strike="noStrike" kern="1200" cap="none" spc="0" normalizeH="0" baseline="0" noProof="0" smtClean="0">
-                              <a:ln>
-                                <a:noFill/>
-                              </a:ln>
-                              <a:solidFill>
-                                <a:prstClr val="black"/>
-                              </a:solidFill>
-                              <a:effectLst/>
-                              <a:uLnTx/>
-                              <a:uFillTx/>
-                              <a:latin typeface="Cambria Math" panose="02040503050406030204" pitchFamily="18" charset="0"/>
-                              <a:ea typeface="Cambria Math" panose="02040503050406030204" pitchFamily="18" charset="0"/>
-                              <a:cs typeface="+mn-cs"/>
-                            </a:rPr>
-                            <m:t>𝐼</m:t>
-                          </m:r>
-                          <m:d>
-                            <m:dPr>
-                              <m:ctrlPr>
-                                <a:rPr kumimoji="0" lang="en-US" sz="1800" b="0" i="1" u="none" strike="noStrike" kern="1200" cap="none" spc="0" normalizeH="0" baseline="0" noProof="0" smtClean="0">
-                                  <a:ln>
-                                    <a:noFill/>
-                                  </a:ln>
-                                  <a:solidFill>
-                                    <a:prstClr val="black"/>
-                                  </a:solidFill>
-                                  <a:effectLst/>
-                                  <a:uLnTx/>
-                                  <a:uFillTx/>
-                                  <a:latin typeface="Cambria Math" panose="02040503050406030204" pitchFamily="18" charset="0"/>
-                                  <a:ea typeface="Cambria Math" panose="02040503050406030204" pitchFamily="18" charset="0"/>
-                                  <a:cs typeface="+mn-cs"/>
-                                </a:rPr>
-                              </m:ctrlPr>
-                            </m:dPr>
-                            <m:e>
-                              <m:r>
-                                <a:rPr kumimoji="0" lang="en-US" sz="1800" b="0" i="1" u="none" strike="noStrike" kern="1200" cap="none" spc="0" normalizeH="0" baseline="0" noProof="0" smtClean="0">
-                                  <a:ln>
-                                    <a:noFill/>
-                                  </a:ln>
-                                  <a:solidFill>
-                                    <a:prstClr val="black"/>
-                                  </a:solidFill>
-                                  <a:effectLst/>
-                                  <a:uLnTx/>
-                                  <a:uFillTx/>
-                                  <a:latin typeface="Cambria Math" panose="02040503050406030204" pitchFamily="18" charset="0"/>
-                                  <a:ea typeface="Cambria Math" panose="02040503050406030204" pitchFamily="18" charset="0"/>
-                                  <a:cs typeface="+mn-cs"/>
-                                </a:rPr>
-                                <m:t>𝑡</m:t>
-                              </m:r>
-                            </m:e>
-                          </m:d>
-                        </m:num>
-                        <m:den>
-                          <m:r>
-                            <a:rPr kumimoji="0" lang="en-US" sz="1800" b="0" i="1" u="none" strike="noStrike" kern="1200" cap="none" spc="0" normalizeH="0" baseline="0" noProof="0" smtClean="0">
-                              <a:ln>
-                                <a:noFill/>
-                              </a:ln>
-                              <a:solidFill>
-                                <a:prstClr val="black"/>
-                              </a:solidFill>
-                              <a:effectLst/>
-                              <a:uLnTx/>
-                              <a:uFillTx/>
-                              <a:latin typeface="Cambria Math" panose="02040503050406030204" pitchFamily="18" charset="0"/>
-                              <a:ea typeface="Cambria Math" panose="02040503050406030204" pitchFamily="18" charset="0"/>
-                              <a:cs typeface="+mn-cs"/>
-                            </a:rPr>
-                            <m:t>𝑁</m:t>
-                          </m:r>
-                        </m:den>
-                      </m:f>
-                    </m:oMath>
-                  </m:oMathPara>
+                  <m:oMath xmlns:m="http://schemas.openxmlformats.org/officeDocument/2006/math">
+                    <m:sSub>
+                      <m:sSubPr>
+                        <m:ctrlPr>
+                          <a:rPr lang="en-US" sz="2000" b="0" i="1" smtClean="0">
+                            <a:latin typeface="Cambria Math" panose="02040503050406030204" pitchFamily="18" charset="0"/>
+                          </a:rPr>
+                        </m:ctrlPr>
+                      </m:sSubPr>
+                      <m:e>
+                        <m:r>
+                          <a:rPr lang="en-US" sz="2000" b="0" i="1" smtClean="0">
+                            <a:latin typeface="Cambria Math" panose="02040503050406030204" pitchFamily="18" charset="0"/>
+                          </a:rPr>
+                          <m:t>𝑅</m:t>
+                        </m:r>
+                      </m:e>
+                      <m:sub>
+                        <m:r>
+                          <a:rPr lang="en-US" sz="2000" b="0" i="1" smtClean="0">
+                            <a:latin typeface="Cambria Math" panose="02040503050406030204" pitchFamily="18" charset="0"/>
+                          </a:rPr>
+                          <m:t>0</m:t>
+                        </m:r>
+                      </m:sub>
+                    </m:sSub>
+                  </m:oMath>
                 </a14:m>
-                <a:endParaRPr kumimoji="0" lang="en-US" sz="1800" b="0" i="0" u="none" strike="noStrike" kern="1200" cap="none" spc="0" normalizeH="0" baseline="0" noProof="0" dirty="0">
-                  <a:ln>
-                    <a:noFill/>
-                  </a:ln>
-                  <a:solidFill>
-                    <a:prstClr val="black"/>
-                  </a:solidFill>
-                  <a:effectLst/>
-                  <a:uLnTx/>
-                  <a:uFillTx/>
-                  <a:latin typeface="Calibri" panose="020F0502020204030204"/>
-                  <a:ea typeface="+mn-ea"/>
-                  <a:cs typeface="+mn-cs"/>
-                </a:endParaRPr>
+                <a:r>
+                  <a:rPr lang="en-US" sz="2000" dirty="0"/>
+                  <a:t> can still be calculated as </a:t>
+                </a:r>
+                <a14:m>
+                  <m:oMath xmlns:m="http://schemas.openxmlformats.org/officeDocument/2006/math">
+                    <m:r>
+                      <a:rPr lang="en-US" sz="2000" i="1" smtClean="0">
+                        <a:latin typeface="Cambria Math" panose="02040503050406030204" pitchFamily="18" charset="0"/>
+                        <a:ea typeface="Cambria Math" panose="02040503050406030204" pitchFamily="18" charset="0"/>
+                      </a:rPr>
+                      <m:t>𝛽</m:t>
+                    </m:r>
+                    <m:r>
+                      <a:rPr lang="en-US" sz="2000" b="0" i="1" smtClean="0">
+                        <a:latin typeface="Cambria Math" panose="02040503050406030204" pitchFamily="18" charset="0"/>
+                        <a:ea typeface="Cambria Math" panose="02040503050406030204" pitchFamily="18" charset="0"/>
+                      </a:rPr>
+                      <m:t>/</m:t>
+                    </m:r>
+                    <m:r>
+                      <a:rPr lang="en-US" sz="2000" b="0" i="1" smtClean="0">
+                        <a:latin typeface="Cambria Math" panose="02040503050406030204" pitchFamily="18" charset="0"/>
+                        <a:ea typeface="Cambria Math" panose="02040503050406030204" pitchFamily="18" charset="0"/>
+                      </a:rPr>
+                      <m:t>𝛾</m:t>
+                    </m:r>
+                  </m:oMath>
+                </a14:m>
+                <a:endParaRPr lang="en-US" sz="2000" dirty="0"/>
               </a:p>
             </p:txBody>
           </p:sp>
         </mc:Choice>
-        <mc:Fallback xmlns="">
+        <mc:Fallback>
           <p:sp>
             <p:nvSpPr>
-              <p:cNvPr id="2" name="TextBox 1">
-                <a:extLst>
-                  <a:ext uri="{FF2B5EF4-FFF2-40B4-BE49-F238E27FC236}">
-                    <a16:creationId xmlns:a16="http://schemas.microsoft.com/office/drawing/2014/main" id="{C8104281-C87C-9367-7289-BCC77D6D2503}"/>
-                  </a:ext>
-                </a:extLst>
-              </p:cNvPr>
+              <p:cNvPr id="78851" name="Text Box 5"/>
               <p:cNvSpPr txBox="1">
                 <a:spLocks noRot="1" noChangeAspect="1" noMove="1" noResize="1" noEditPoints="1" noAdjustHandles="1" noChangeArrowheads="1" noChangeShapeType="1" noTextEdit="1"/>
               </p:cNvSpPr>
               <p:nvPr/>
             </p:nvSpPr>
-            <p:spPr>
+            <p:spPr bwMode="auto">
               <a:xfrm>
-                <a:off x="2128123" y="3853978"/>
-                <a:ext cx="2167128" cy="628057"/>
+                <a:off x="1345093" y="4343102"/>
+                <a:ext cx="9958316" cy="1938992"/>
               </a:xfrm>
               <a:prstGeom prst="rect">
                 <a:avLst/>
               </a:prstGeom>
               <a:blipFill>
-                <a:blip r:embed="rId3"/>
+                <a:blip r:embed="rId4"/>
                 <a:stretch>
-                  <a:fillRect/>
+                  <a:fillRect l="-551" t="-1254" r="-612" b="-4702"/>
                 </a:stretch>
               </a:blipFill>
               <a:ln>
-                <a:solidFill>
-                  <a:schemeClr val="tx1"/>
-                </a:solidFill>
+                <a:noFill/>
               </a:ln>
+              <a:extLst>
+                <a:ext uri="{909E8E84-426E-40dd-AFC4-6F175D3DCCD1}">
+                  <a14:hiddenFill xmlns="" xmlns:a14="http://schemas.microsoft.com/office/drawing/2010/main">
+                    <a:solidFill>
+                      <a:srgbClr val="FFFFFF"/>
+                    </a:solidFill>
+                  </a14:hiddenFill>
+                </a:ext>
+                <a:ext uri="{91240B29-F687-4f45-9708-019B960494DF}">
+                  <a14:hiddenLine xmlns="" xmlns:a14="http://schemas.microsoft.com/office/drawing/2010/main" w="9525">
+                    <a:solidFill>
+                      <a:srgbClr val="000000"/>
+                    </a:solidFill>
+                    <a:miter lim="800000"/>
+                    <a:headEnd/>
+                    <a:tailEnd/>
+                  </a14:hiddenLine>
+                </a:ext>
+              </a:extLst>
             </p:spPr>
             <p:txBody>
               <a:bodyPr/>
@@ -6702,216 +6980,152 @@
         <mc:Choice Requires="a14">
           <p:sp>
             <p:nvSpPr>
-              <p:cNvPr id="3" name="TextBox 2">
+              <p:cNvPr id="4" name="Rectangle 3">
                 <a:extLst>
                   <a:ext uri="{FF2B5EF4-FFF2-40B4-BE49-F238E27FC236}">
-                    <a16:creationId xmlns:a16="http://schemas.microsoft.com/office/drawing/2014/main" id="{01E7817B-E768-6087-6F85-23EAF420C26B}"/>
+                    <a16:creationId xmlns:a16="http://schemas.microsoft.com/office/drawing/2014/main" id="{ADEBD98E-438C-870E-4C2D-6676339D1609}"/>
                   </a:ext>
                 </a:extLst>
               </p:cNvPr>
-              <p:cNvSpPr txBox="1"/>
+              <p:cNvSpPr/>
               <p:nvPr/>
             </p:nvSpPr>
             <p:spPr>
               <a:xfrm>
-                <a:off x="5062755" y="3853977"/>
-                <a:ext cx="2168525" cy="628057"/>
+                <a:off x="1063193" y="3429000"/>
+                <a:ext cx="2167128" cy="630936"/>
               </a:xfrm>
               <a:prstGeom prst="rect">
                 <a:avLst/>
               </a:prstGeom>
               <a:noFill/>
-              <a:ln>
-                <a:solidFill>
-                  <a:schemeClr val="tx1"/>
-                </a:solidFill>
-              </a:ln>
+              <a:ln w="9525"/>
             </p:spPr>
+            <p:style>
+              <a:lnRef idx="2">
+                <a:schemeClr val="accent1">
+                  <a:shade val="15000"/>
+                </a:schemeClr>
+              </a:lnRef>
+              <a:fillRef idx="1">
+                <a:schemeClr val="accent1"/>
+              </a:fillRef>
+              <a:effectRef idx="0">
+                <a:schemeClr val="accent1"/>
+              </a:effectRef>
+              <a:fontRef idx="minor">
+                <a:schemeClr val="lt1"/>
+              </a:fontRef>
+            </p:style>
             <p:txBody>
-              <a:bodyPr wrap="square" rtlCol="0">
-                <a:spAutoFit/>
-              </a:bodyPr>
+              <a:bodyPr rtlCol="0" anchor="ctr"/>
               <a:lstStyle/>
               <a:p>
-                <a:pPr marL="0" marR="0" lvl="0" indent="0" algn="l" defTabSz="457200" rtl="0" eaLnBrk="1" fontAlgn="auto" latinLnBrk="0" hangingPunct="1">
-                  <a:lnSpc>
-                    <a:spcPct val="100000"/>
-                  </a:lnSpc>
-                  <a:spcBef>
-                    <a:spcPts val="0"/>
-                  </a:spcBef>
-                  <a:spcAft>
-                    <a:spcPts val="0"/>
-                  </a:spcAft>
-                  <a:buClrTx/>
-                  <a:buSzTx/>
-                  <a:buFontTx/>
-                  <a:buNone/>
-                  <a:tabLst/>
-                  <a:defRPr/>
-                </a:pPr>
+                <a:pPr/>
                 <a14:m>
                   <m:oMathPara xmlns:m="http://schemas.openxmlformats.org/officeDocument/2006/math">
                     <m:oMathParaPr>
-                      <m:jc m:val="centerGroup"/>
+                      <m:jc m:val="center"/>
                     </m:oMathParaPr>
                     <m:oMath xmlns:m="http://schemas.openxmlformats.org/officeDocument/2006/math">
                       <m:r>
-                        <a:rPr kumimoji="0" lang="en-US" sz="1800" b="0" i="1" u="none" strike="noStrike" kern="1200" cap="none" spc="0" normalizeH="0" baseline="0" noProof="0">
-                          <a:ln>
-                            <a:noFill/>
-                          </a:ln>
+                        <a:rPr lang="en-US" b="0" i="1" smtClean="0">
                           <a:solidFill>
-                            <a:prstClr val="black"/>
+                            <a:sysClr val="windowText" lastClr="000000"/>
                           </a:solidFill>
-                          <a:effectLst/>
-                          <a:uLnTx/>
-                          <a:uFillTx/>
                           <a:latin typeface="Cambria Math" panose="02040503050406030204" pitchFamily="18" charset="0"/>
                           <a:ea typeface="Cambria Math" panose="02040503050406030204" pitchFamily="18" charset="0"/>
-                          <a:cs typeface="+mn-cs"/>
                         </a:rPr>
-                        <m:t>𝛽</m:t>
-                      </m:r>
-                      <m:r>
-                        <a:rPr kumimoji="0" lang="en-US" sz="1800" b="0" i="1" u="none" strike="noStrike" kern="1200" cap="none" spc="0" normalizeH="0" baseline="0" noProof="0">
-                          <a:ln>
-                            <a:noFill/>
-                          </a:ln>
-                          <a:solidFill>
-                            <a:prstClr val="black"/>
-                          </a:solidFill>
-                          <a:effectLst/>
-                          <a:uLnTx/>
-                          <a:uFillTx/>
-                          <a:latin typeface="Cambria Math" panose="02040503050406030204" pitchFamily="18" charset="0"/>
-                          <a:ea typeface="Cambria Math" panose="02040503050406030204" pitchFamily="18" charset="0"/>
-                          <a:cs typeface="+mn-cs"/>
-                        </a:rPr>
-                        <m:t>𝑆</m:t>
-                      </m:r>
-                      <m:r>
-                        <a:rPr kumimoji="0" lang="en-US" sz="1800" b="0" i="1" u="none" strike="noStrike" kern="1200" cap="none" spc="0" normalizeH="0" baseline="0" noProof="0">
-                          <a:ln>
-                            <a:noFill/>
-                          </a:ln>
-                          <a:solidFill>
-                            <a:prstClr val="black"/>
-                          </a:solidFill>
-                          <a:effectLst/>
-                          <a:uLnTx/>
-                          <a:uFillTx/>
-                          <a:latin typeface="Cambria Math" panose="02040503050406030204" pitchFamily="18" charset="0"/>
-                          <a:ea typeface="Cambria Math" panose="02040503050406030204" pitchFamily="18" charset="0"/>
-                          <a:cs typeface="+mn-cs"/>
-                        </a:rPr>
-                        <m:t>(</m:t>
-                      </m:r>
-                      <m:r>
-                        <a:rPr kumimoji="0" lang="en-US" sz="1800" b="0" i="1" u="none" strike="noStrike" kern="1200" cap="none" spc="0" normalizeH="0" baseline="0" noProof="0">
-                          <a:ln>
-                            <a:noFill/>
-                          </a:ln>
-                          <a:solidFill>
-                            <a:prstClr val="black"/>
-                          </a:solidFill>
-                          <a:effectLst/>
-                          <a:uLnTx/>
-                          <a:uFillTx/>
-                          <a:latin typeface="Cambria Math" panose="02040503050406030204" pitchFamily="18" charset="0"/>
-                          <a:ea typeface="Cambria Math" panose="02040503050406030204" pitchFamily="18" charset="0"/>
-                          <a:cs typeface="+mn-cs"/>
-                        </a:rPr>
-                        <m:t>𝑡</m:t>
-                      </m:r>
-                      <m:r>
-                        <a:rPr kumimoji="0" lang="en-US" sz="1800" b="0" i="1" u="none" strike="noStrike" kern="1200" cap="none" spc="0" normalizeH="0" baseline="0" noProof="0">
-                          <a:ln>
-                            <a:noFill/>
-                          </a:ln>
-                          <a:solidFill>
-                            <a:prstClr val="black"/>
-                          </a:solidFill>
-                          <a:effectLst/>
-                          <a:uLnTx/>
-                          <a:uFillTx/>
-                          <a:latin typeface="Cambria Math" panose="02040503050406030204" pitchFamily="18" charset="0"/>
-                          <a:ea typeface="Cambria Math" panose="02040503050406030204" pitchFamily="18" charset="0"/>
-                          <a:cs typeface="+mn-cs"/>
-                        </a:rPr>
-                        <m:t>)</m:t>
+                        <m:t>−</m:t>
                       </m:r>
                       <m:f>
                         <m:fPr>
                           <m:ctrlPr>
-                            <a:rPr kumimoji="0" lang="en-US" sz="1800" b="0" i="1" u="none" strike="noStrike" kern="1200" cap="none" spc="0" normalizeH="0" baseline="0" noProof="0">
-                              <a:ln>
-                                <a:noFill/>
-                              </a:ln>
+                            <a:rPr lang="en-US" b="0" i="1" smtClean="0">
                               <a:solidFill>
-                                <a:prstClr val="black"/>
+                                <a:sysClr val="windowText" lastClr="000000"/>
                               </a:solidFill>
-                              <a:effectLst/>
-                              <a:uLnTx/>
-                              <a:uFillTx/>
                               <a:latin typeface="Cambria Math" panose="02040503050406030204" pitchFamily="18" charset="0"/>
                               <a:ea typeface="Cambria Math" panose="02040503050406030204" pitchFamily="18" charset="0"/>
-                              <a:cs typeface="+mn-cs"/>
                             </a:rPr>
                           </m:ctrlPr>
                         </m:fPr>
                         <m:num>
                           <m:r>
-                            <a:rPr kumimoji="0" lang="en-US" sz="1800" b="0" i="1" u="none" strike="noStrike" kern="1200" cap="none" spc="0" normalizeH="0" baseline="0" noProof="0">
-                              <a:ln>
-                                <a:noFill/>
-                              </a:ln>
+                            <a:rPr lang="en-US" b="0" i="1" smtClean="0">
                               <a:solidFill>
-                                <a:prstClr val="black"/>
+                                <a:sysClr val="windowText" lastClr="000000"/>
                               </a:solidFill>
-                              <a:effectLst/>
-                              <a:uLnTx/>
-                              <a:uFillTx/>
                               <a:latin typeface="Cambria Math" panose="02040503050406030204" pitchFamily="18" charset="0"/>
                               <a:ea typeface="Cambria Math" panose="02040503050406030204" pitchFamily="18" charset="0"/>
-                              <a:cs typeface="+mn-cs"/>
+                            </a:rPr>
+                            <m:t>𝛽</m:t>
+                          </m:r>
+                          <m:r>
+                            <a:rPr lang="en-US" b="0" i="1" smtClean="0">
+                              <a:solidFill>
+                                <a:sysClr val="windowText" lastClr="000000"/>
+                              </a:solidFill>
+                              <a:latin typeface="Cambria Math" panose="02040503050406030204" pitchFamily="18" charset="0"/>
+                              <a:ea typeface="Cambria Math" panose="02040503050406030204" pitchFamily="18" charset="0"/>
+                            </a:rPr>
+                            <m:t>𝑆</m:t>
+                          </m:r>
+                          <m:d>
+                            <m:dPr>
+                              <m:ctrlPr>
+                                <a:rPr lang="en-US" b="0" i="1" smtClean="0">
+                                  <a:solidFill>
+                                    <a:sysClr val="windowText" lastClr="000000"/>
+                                  </a:solidFill>
+                                  <a:latin typeface="Cambria Math" panose="02040503050406030204" pitchFamily="18" charset="0"/>
+                                  <a:ea typeface="Cambria Math" panose="02040503050406030204" pitchFamily="18" charset="0"/>
+                                </a:rPr>
+                              </m:ctrlPr>
+                            </m:dPr>
+                            <m:e>
+                              <m:r>
+                                <a:rPr lang="en-US" b="0" i="1" smtClean="0">
+                                  <a:solidFill>
+                                    <a:sysClr val="windowText" lastClr="000000"/>
+                                  </a:solidFill>
+                                  <a:latin typeface="Cambria Math" panose="02040503050406030204" pitchFamily="18" charset="0"/>
+                                  <a:ea typeface="Cambria Math" panose="02040503050406030204" pitchFamily="18" charset="0"/>
+                                </a:rPr>
+                                <m:t>𝑡</m:t>
+                              </m:r>
+                            </m:e>
+                          </m:d>
+                          <m:r>
+                            <a:rPr lang="en-US" b="0" i="1" smtClean="0">
+                              <a:solidFill>
+                                <a:sysClr val="windowText" lastClr="000000"/>
+                              </a:solidFill>
+                              <a:latin typeface="Cambria Math" panose="02040503050406030204" pitchFamily="18" charset="0"/>
+                              <a:ea typeface="Cambria Math" panose="02040503050406030204" pitchFamily="18" charset="0"/>
                             </a:rPr>
                             <m:t>𝐼</m:t>
                           </m:r>
                           <m:d>
                             <m:dPr>
                               <m:ctrlPr>
-                                <a:rPr kumimoji="0" lang="en-US" sz="1800" b="0" i="1" u="none" strike="noStrike" kern="1200" cap="none" spc="0" normalizeH="0" baseline="0" noProof="0">
-                                  <a:ln>
-                                    <a:noFill/>
-                                  </a:ln>
+                                <a:rPr lang="en-US" b="0" i="1" smtClean="0">
                                   <a:solidFill>
-                                    <a:prstClr val="black"/>
+                                    <a:sysClr val="windowText" lastClr="000000"/>
                                   </a:solidFill>
-                                  <a:effectLst/>
-                                  <a:uLnTx/>
-                                  <a:uFillTx/>
                                   <a:latin typeface="Cambria Math" panose="02040503050406030204" pitchFamily="18" charset="0"/>
                                   <a:ea typeface="Cambria Math" panose="02040503050406030204" pitchFamily="18" charset="0"/>
-                                  <a:cs typeface="+mn-cs"/>
                                 </a:rPr>
                               </m:ctrlPr>
                             </m:dPr>
                             <m:e>
                               <m:r>
-                                <a:rPr kumimoji="0" lang="en-US" sz="1800" b="0" i="1" u="none" strike="noStrike" kern="1200" cap="none" spc="0" normalizeH="0" baseline="0" noProof="0">
-                                  <a:ln>
-                                    <a:noFill/>
-                                  </a:ln>
+                                <a:rPr lang="en-US" b="0" i="1" smtClean="0">
                                   <a:solidFill>
-                                    <a:prstClr val="black"/>
+                                    <a:sysClr val="windowText" lastClr="000000"/>
                                   </a:solidFill>
-                                  <a:effectLst/>
-                                  <a:uLnTx/>
-                                  <a:uFillTx/>
                                   <a:latin typeface="Cambria Math" panose="02040503050406030204" pitchFamily="18" charset="0"/>
                                   <a:ea typeface="Cambria Math" panose="02040503050406030204" pitchFamily="18" charset="0"/>
-                                  <a:cs typeface="+mn-cs"/>
                                 </a:rPr>
                                 <m:t>𝑡</m:t>
                               </m:r>
@@ -6920,131 +7134,21 @@
                         </m:num>
                         <m:den>
                           <m:r>
-                            <a:rPr kumimoji="0" lang="en-US" sz="1800" b="0" i="1" u="none" strike="noStrike" kern="1200" cap="none" spc="0" normalizeH="0" baseline="0" noProof="0">
-                              <a:ln>
-                                <a:noFill/>
-                              </a:ln>
+                            <a:rPr lang="en-US" b="0" i="1" smtClean="0">
                               <a:solidFill>
-                                <a:prstClr val="black"/>
+                                <a:sysClr val="windowText" lastClr="000000"/>
                               </a:solidFill>
-                              <a:effectLst/>
-                              <a:uLnTx/>
-                              <a:uFillTx/>
                               <a:latin typeface="Cambria Math" panose="02040503050406030204" pitchFamily="18" charset="0"/>
                               <a:ea typeface="Cambria Math" panose="02040503050406030204" pitchFamily="18" charset="0"/>
-                              <a:cs typeface="+mn-cs"/>
                             </a:rPr>
                             <m:t>𝑁</m:t>
                           </m:r>
                         </m:den>
                       </m:f>
-                      <m:r>
-                        <a:rPr kumimoji="0" lang="en-US" sz="1800" b="0" i="1" u="none" strike="noStrike" kern="1200" cap="none" spc="0" normalizeH="0" baseline="0" noProof="0" smtClean="0">
-                          <a:ln>
-                            <a:noFill/>
-                          </a:ln>
-                          <a:solidFill>
-                            <a:prstClr val="black"/>
-                          </a:solidFill>
-                          <a:effectLst/>
-                          <a:uLnTx/>
-                          <a:uFillTx/>
-                          <a:latin typeface="Cambria Math" panose="02040503050406030204" pitchFamily="18" charset="0"/>
-                          <a:ea typeface="Cambria Math" panose="02040503050406030204" pitchFamily="18" charset="0"/>
-                          <a:cs typeface="+mn-cs"/>
-                        </a:rPr>
-                        <m:t>−</m:t>
-                      </m:r>
-                      <m:r>
-                        <a:rPr kumimoji="0" lang="en-US" sz="1800" b="0" i="1" u="none" strike="noStrike" kern="1200" cap="none" spc="0" normalizeH="0" baseline="0" noProof="0">
-                          <a:ln>
-                            <a:noFill/>
-                          </a:ln>
-                          <a:solidFill>
-                            <a:prstClr val="black"/>
-                          </a:solidFill>
-                          <a:effectLst/>
-                          <a:uLnTx/>
-                          <a:uFillTx/>
-                          <a:latin typeface="Cambria Math" panose="02040503050406030204" pitchFamily="18" charset="0"/>
-                          <a:ea typeface="Cambria Math" panose="02040503050406030204" pitchFamily="18" charset="0"/>
-                          <a:cs typeface="+mn-cs"/>
-                        </a:rPr>
-                        <m:t>𝛾</m:t>
-                      </m:r>
-                      <m:r>
-                        <a:rPr kumimoji="0" lang="en-US" sz="1800" b="0" i="1" u="none" strike="noStrike" kern="1200" cap="none" spc="0" normalizeH="0" baseline="0" noProof="0">
-                          <a:ln>
-                            <a:noFill/>
-                          </a:ln>
-                          <a:solidFill>
-                            <a:prstClr val="black"/>
-                          </a:solidFill>
-                          <a:effectLst/>
-                          <a:uLnTx/>
-                          <a:uFillTx/>
-                          <a:latin typeface="Cambria Math" panose="02040503050406030204" pitchFamily="18" charset="0"/>
-                          <a:ea typeface="Cambria Math" panose="02040503050406030204" pitchFamily="18" charset="0"/>
-                          <a:cs typeface="+mn-cs"/>
-                        </a:rPr>
-                        <m:t>𝐼</m:t>
-                      </m:r>
-                      <m:d>
-                        <m:dPr>
-                          <m:ctrlPr>
-                            <a:rPr kumimoji="0" lang="en-US" sz="1800" b="0" i="1" u="none" strike="noStrike" kern="1200" cap="none" spc="0" normalizeH="0" baseline="0" noProof="0">
-                              <a:ln>
-                                <a:noFill/>
-                              </a:ln>
-                              <a:solidFill>
-                                <a:prstClr val="black"/>
-                              </a:solidFill>
-                              <a:effectLst/>
-                              <a:uLnTx/>
-                              <a:uFillTx/>
-                              <a:latin typeface="Cambria Math" panose="02040503050406030204" pitchFamily="18" charset="0"/>
-                              <a:ea typeface="Cambria Math" panose="02040503050406030204" pitchFamily="18" charset="0"/>
-                              <a:cs typeface="+mn-cs"/>
-                            </a:rPr>
-                          </m:ctrlPr>
-                        </m:dPr>
-                        <m:e>
-                          <m:r>
-                            <a:rPr kumimoji="0" lang="en-US" sz="1800" b="0" i="1" u="none" strike="noStrike" kern="1200" cap="none" spc="0" normalizeH="0" baseline="0" noProof="0">
-                              <a:ln>
-                                <a:noFill/>
-                              </a:ln>
-                              <a:solidFill>
-                                <a:prstClr val="black"/>
-                              </a:solidFill>
-                              <a:effectLst/>
-                              <a:uLnTx/>
-                              <a:uFillTx/>
-                              <a:latin typeface="Cambria Math" panose="02040503050406030204" pitchFamily="18" charset="0"/>
-                              <a:ea typeface="Cambria Math" panose="02040503050406030204" pitchFamily="18" charset="0"/>
-                              <a:cs typeface="+mn-cs"/>
-                            </a:rPr>
-                            <m:t>𝑡</m:t>
-                          </m:r>
-                        </m:e>
-                      </m:d>
                     </m:oMath>
                   </m:oMathPara>
                 </a14:m>
-                <a:endParaRPr kumimoji="0" lang="en-US" sz="1800" b="0" i="0" u="none" strike="noStrike" kern="1200" cap="none" spc="0" normalizeH="0" baseline="0" noProof="0" dirty="0">
-                  <a:ln>
-                    <a:noFill/>
-                  </a:ln>
-                  <a:solidFill>
-                    <a:prstClr val="black"/>
-                  </a:solidFill>
-                  <a:effectLst/>
-                  <a:uLnTx/>
-                  <a:uFillTx/>
-                  <a:latin typeface="Calibri" panose="020F0502020204030204"/>
-                  <a:ea typeface="+mn-ea"/>
-                  <a:cs typeface="+mn-cs"/>
-                </a:endParaRPr>
+                <a:endParaRPr lang="en-US" dirty="0"/>
               </a:p>
             </p:txBody>
           </p:sp>
@@ -7052,219 +7156,22 @@
         <mc:Fallback xmlns="">
           <p:sp>
             <p:nvSpPr>
-              <p:cNvPr id="3" name="TextBox 2">
+              <p:cNvPr id="4" name="Rectangle 3">
                 <a:extLst>
                   <a:ext uri="{FF2B5EF4-FFF2-40B4-BE49-F238E27FC236}">
-                    <a16:creationId xmlns:a16="http://schemas.microsoft.com/office/drawing/2014/main" id="{01E7817B-E768-6087-6F85-23EAF420C26B}"/>
+                    <a16:creationId xmlns:a16="http://schemas.microsoft.com/office/drawing/2014/main" id="{ADEBD98E-438C-870E-4C2D-6676339D1609}"/>
                   </a:ext>
                 </a:extLst>
               </p:cNvPr>
-              <p:cNvSpPr txBox="1">
+              <p:cNvSpPr>
                 <a:spLocks noRot="1" noChangeAspect="1" noMove="1" noResize="1" noEditPoints="1" noAdjustHandles="1" noChangeArrowheads="1" noChangeShapeType="1" noTextEdit="1"/>
               </p:cNvSpPr>
               <p:nvPr/>
             </p:nvSpPr>
             <p:spPr>
               <a:xfrm>
-                <a:off x="5062755" y="3853977"/>
-                <a:ext cx="2168525" cy="628057"/>
-              </a:xfrm>
-              <a:prstGeom prst="rect">
-                <a:avLst/>
-              </a:prstGeom>
-              <a:blipFill>
-                <a:blip r:embed="rId4"/>
-                <a:stretch>
-                  <a:fillRect/>
-                </a:stretch>
-              </a:blipFill>
-              <a:ln>
-                <a:solidFill>
-                  <a:schemeClr val="tx1"/>
-                </a:solidFill>
-              </a:ln>
-            </p:spPr>
-            <p:txBody>
-              <a:bodyPr/>
-              <a:lstStyle/>
-              <a:p>
-                <a:r>
-                  <a:rPr lang="en-US">
-                    <a:noFill/>
-                  </a:rPr>
-                  <a:t> </a:t>
-                </a:r>
-              </a:p>
-            </p:txBody>
-          </p:sp>
-        </mc:Fallback>
-      </mc:AlternateContent>
-      <mc:AlternateContent xmlns:mc="http://schemas.openxmlformats.org/markup-compatibility/2006" xmlns:a14="http://schemas.microsoft.com/office/drawing/2010/main">
-        <mc:Choice Requires="a14">
-          <p:sp>
-            <p:nvSpPr>
-              <p:cNvPr id="5" name="TextBox 4">
-                <a:extLst>
-                  <a:ext uri="{FF2B5EF4-FFF2-40B4-BE49-F238E27FC236}">
-                    <a16:creationId xmlns:a16="http://schemas.microsoft.com/office/drawing/2014/main" id="{AC0E4EA5-2B8C-BFF5-6208-D9EBE317D0A6}"/>
-                  </a:ext>
-                </a:extLst>
-              </p:cNvPr>
-              <p:cNvSpPr txBox="1"/>
-              <p:nvPr/>
-            </p:nvSpPr>
-            <p:spPr>
-              <a:xfrm>
-                <a:off x="7989347" y="3997481"/>
-                <a:ext cx="2167128" cy="369332"/>
-              </a:xfrm>
-              <a:prstGeom prst="rect">
-                <a:avLst/>
-              </a:prstGeom>
-              <a:noFill/>
-            </p:spPr>
-            <p:txBody>
-              <a:bodyPr wrap="square" rtlCol="0">
-                <a:spAutoFit/>
-              </a:bodyPr>
-              <a:lstStyle/>
-              <a:p>
-                <a:pPr marL="0" marR="0" lvl="0" indent="0" algn="l" defTabSz="457200" rtl="0" eaLnBrk="1" fontAlgn="auto" latinLnBrk="0" hangingPunct="1">
-                  <a:lnSpc>
-                    <a:spcPct val="100000"/>
-                  </a:lnSpc>
-                  <a:spcBef>
-                    <a:spcPts val="3600"/>
-                  </a:spcBef>
-                  <a:spcAft>
-                    <a:spcPts val="0"/>
-                  </a:spcAft>
-                  <a:buClrTx/>
-                  <a:buSzTx/>
-                  <a:buFontTx/>
-                  <a:buNone/>
-                  <a:tabLst/>
-                  <a:defRPr/>
-                </a:pPr>
-                <a14:m>
-                  <m:oMathPara xmlns:m="http://schemas.openxmlformats.org/officeDocument/2006/math">
-                    <m:oMathParaPr>
-                      <m:jc m:val="center"/>
-                    </m:oMathParaPr>
-                    <m:oMath xmlns:m="http://schemas.openxmlformats.org/officeDocument/2006/math">
-                      <m:r>
-                        <a:rPr kumimoji="0" lang="en-US" sz="1800" b="0" i="1" u="none" strike="noStrike" kern="1200" cap="none" spc="0" normalizeH="0" baseline="0" noProof="0">
-                          <a:ln>
-                            <a:noFill/>
-                          </a:ln>
-                          <a:solidFill>
-                            <a:prstClr val="black"/>
-                          </a:solidFill>
-                          <a:effectLst/>
-                          <a:uLnTx/>
-                          <a:uFillTx/>
-                          <a:latin typeface="Cambria Math" panose="02040503050406030204" pitchFamily="18" charset="0"/>
-                          <a:ea typeface="Cambria Math" panose="02040503050406030204" pitchFamily="18" charset="0"/>
-                          <a:cs typeface="+mn-cs"/>
-                        </a:rPr>
-                        <m:t>𝛾</m:t>
-                      </m:r>
-                      <m:r>
-                        <a:rPr kumimoji="0" lang="en-US" sz="1800" b="0" i="1" u="none" strike="noStrike" kern="1200" cap="none" spc="0" normalizeH="0" baseline="0" noProof="0">
-                          <a:ln>
-                            <a:noFill/>
-                          </a:ln>
-                          <a:solidFill>
-                            <a:prstClr val="black"/>
-                          </a:solidFill>
-                          <a:effectLst/>
-                          <a:uLnTx/>
-                          <a:uFillTx/>
-                          <a:latin typeface="Cambria Math" panose="02040503050406030204" pitchFamily="18" charset="0"/>
-                          <a:ea typeface="Cambria Math" panose="02040503050406030204" pitchFamily="18" charset="0"/>
-                          <a:cs typeface="+mn-cs"/>
-                        </a:rPr>
-                        <m:t>𝐼</m:t>
-                      </m:r>
-                      <m:d>
-                        <m:dPr>
-                          <m:ctrlPr>
-                            <a:rPr kumimoji="0" lang="en-US" sz="1800" b="0" i="1" u="none" strike="noStrike" kern="1200" cap="none" spc="0" normalizeH="0" baseline="0" noProof="0">
-                              <a:ln>
-                                <a:noFill/>
-                              </a:ln>
-                              <a:solidFill>
-                                <a:prstClr val="black"/>
-                              </a:solidFill>
-                              <a:effectLst/>
-                              <a:uLnTx/>
-                              <a:uFillTx/>
-                              <a:latin typeface="Cambria Math" panose="02040503050406030204" pitchFamily="18" charset="0"/>
-                              <a:ea typeface="Cambria Math" panose="02040503050406030204" pitchFamily="18" charset="0"/>
-                              <a:cs typeface="+mn-cs"/>
-                            </a:rPr>
-                          </m:ctrlPr>
-                        </m:dPr>
-                        <m:e>
-                          <m:r>
-                            <a:rPr kumimoji="0" lang="en-US" sz="1800" b="0" i="1" u="none" strike="noStrike" kern="1200" cap="none" spc="0" normalizeH="0" baseline="0" noProof="0">
-                              <a:ln>
-                                <a:noFill/>
-                              </a:ln>
-                              <a:solidFill>
-                                <a:prstClr val="black"/>
-                              </a:solidFill>
-                              <a:effectLst/>
-                              <a:uLnTx/>
-                              <a:uFillTx/>
-                              <a:latin typeface="Cambria Math" panose="02040503050406030204" pitchFamily="18" charset="0"/>
-                              <a:ea typeface="Cambria Math" panose="02040503050406030204" pitchFamily="18" charset="0"/>
-                              <a:cs typeface="+mn-cs"/>
-                            </a:rPr>
-                            <m:t>𝑡</m:t>
-                          </m:r>
-                        </m:e>
-                      </m:d>
-                    </m:oMath>
-                  </m:oMathPara>
-                </a14:m>
-                <a:endParaRPr kumimoji="0" lang="en-US" sz="1800" b="0" i="0" u="none" strike="noStrike" kern="1200" cap="none" spc="0" normalizeH="0" baseline="0" noProof="0" dirty="0">
-                  <a:ln>
-                    <a:noFill/>
-                  </a:ln>
-                  <a:solidFill>
-                    <a:prstClr val="black"/>
-                  </a:solidFill>
-                  <a:effectLst/>
-                  <a:uLnTx/>
-                  <a:uFillTx/>
-                  <a:latin typeface="Calibri" panose="020F0502020204030204"/>
-                  <a:ea typeface="+mn-ea"/>
-                  <a:cs typeface="+mn-cs"/>
-                </a:endParaRPr>
-              </a:p>
-            </p:txBody>
-          </p:sp>
-        </mc:Choice>
-        <mc:Fallback xmlns="">
-          <p:sp>
-            <p:nvSpPr>
-              <p:cNvPr id="5" name="TextBox 4">
-                <a:extLst>
-                  <a:ext uri="{FF2B5EF4-FFF2-40B4-BE49-F238E27FC236}">
-                    <a16:creationId xmlns:a16="http://schemas.microsoft.com/office/drawing/2014/main" id="{AC0E4EA5-2B8C-BFF5-6208-D9EBE317D0A6}"/>
-                  </a:ext>
-                </a:extLst>
-              </p:cNvPr>
-              <p:cNvSpPr txBox="1">
-                <a:spLocks noRot="1" noChangeAspect="1" noMove="1" noResize="1" noEditPoints="1" noAdjustHandles="1" noChangeArrowheads="1" noChangeShapeType="1" noTextEdit="1"/>
-              </p:cNvSpPr>
-              <p:nvPr/>
-            </p:nvSpPr>
-            <p:spPr>
-              <a:xfrm>
-                <a:off x="7989347" y="3997481"/>
-                <a:ext cx="2167128" cy="369332"/>
+                <a:off x="1063193" y="3429000"/>
+                <a:ext cx="2167128" cy="630936"/>
               </a:xfrm>
               <a:prstGeom prst="rect">
                 <a:avLst/>
@@ -7272,1092 +7179,10 @@
               <a:blipFill>
                 <a:blip r:embed="rId5"/>
                 <a:stretch>
-                  <a:fillRect b="-10000"/>
+                  <a:fillRect/>
                 </a:stretch>
               </a:blipFill>
-            </p:spPr>
-            <p:txBody>
-              <a:bodyPr/>
-              <a:lstStyle/>
-              <a:p>
-                <a:r>
-                  <a:rPr lang="en-US">
-                    <a:noFill/>
-                  </a:rPr>
-                  <a:t> </a:t>
-                </a:r>
-              </a:p>
-            </p:txBody>
-          </p:sp>
-        </mc:Fallback>
-      </mc:AlternateContent>
-      <mc:AlternateContent xmlns:mc="http://schemas.openxmlformats.org/markup-compatibility/2006" xmlns:a14="http://schemas.microsoft.com/office/drawing/2010/main">
-        <mc:Choice Requires="a14">
-          <p:sp>
-            <p:nvSpPr>
-              <p:cNvPr id="8" name="TextBox 7">
-                <a:extLst>
-                  <a:ext uri="{FF2B5EF4-FFF2-40B4-BE49-F238E27FC236}">
-                    <a16:creationId xmlns:a16="http://schemas.microsoft.com/office/drawing/2014/main" id="{88606994-2A86-3E15-4C21-7AD900C6FFC9}"/>
-                  </a:ext>
-                </a:extLst>
-              </p:cNvPr>
-              <p:cNvSpPr txBox="1"/>
-              <p:nvPr/>
-            </p:nvSpPr>
-            <p:spPr>
-              <a:xfrm>
-                <a:off x="1078802" y="4625616"/>
-                <a:ext cx="10034395" cy="1727909"/>
-              </a:xfrm>
-              <a:prstGeom prst="rect">
-                <a:avLst/>
-              </a:prstGeom>
-              <a:noFill/>
-            </p:spPr>
-            <p:txBody>
-              <a:bodyPr wrap="square" rtlCol="0">
-                <a:spAutoFit/>
-              </a:bodyPr>
-              <a:lstStyle/>
-              <a:p>
-                <a:pPr marL="0" marR="0" lvl="0" indent="0" algn="l" defTabSz="457200" rtl="0" eaLnBrk="1" fontAlgn="auto" latinLnBrk="0" hangingPunct="1">
-                  <a:lnSpc>
-                    <a:spcPct val="100000"/>
-                  </a:lnSpc>
-                  <a:spcBef>
-                    <a:spcPts val="0"/>
-                  </a:spcBef>
-                  <a:spcAft>
-                    <a:spcPts val="300"/>
-                  </a:spcAft>
-                  <a:buClrTx/>
-                  <a:buSzTx/>
-                  <a:buFontTx/>
-                  <a:buNone/>
-                  <a:tabLst/>
-                  <a:defRPr/>
-                </a:pPr>
-                <a:r>
-                  <a:rPr kumimoji="0" lang="en-US" sz="2000" b="0" i="0" u="none" strike="noStrike" kern="1200" cap="none" spc="0" normalizeH="0" baseline="0" noProof="0" dirty="0">
-                    <a:ln>
-                      <a:noFill/>
-                    </a:ln>
-                    <a:solidFill>
-                      <a:prstClr val="black"/>
-                    </a:solidFill>
-                    <a:effectLst/>
-                    <a:uLnTx/>
-                    <a:uFillTx/>
-                    <a:latin typeface="Arial" panose="020B0604020202020204" pitchFamily="34" charset="0"/>
-                    <a:ea typeface="+mn-ea"/>
-                    <a:cs typeface="Arial" panose="020B0604020202020204" pitchFamily="34" charset="0"/>
-                  </a:rPr>
-                  <a:t>Parameters </a:t>
-                </a:r>
-                <a14:m>
-                  <m:oMath xmlns:m="http://schemas.openxmlformats.org/officeDocument/2006/math">
-                    <m:r>
-                      <a:rPr kumimoji="0" lang="en-US" sz="2000" b="0" i="0" u="none" strike="noStrike" kern="0" cap="none" spc="0" normalizeH="0" baseline="0" noProof="0" smtClean="0">
-                        <a:ln>
-                          <a:noFill/>
-                        </a:ln>
-                        <a:solidFill>
-                          <a:prstClr val="black"/>
-                        </a:solidFill>
-                        <a:effectLst/>
-                        <a:uLnTx/>
-                        <a:uFillTx/>
-                        <a:latin typeface="Cambria Math" panose="02040503050406030204" pitchFamily="18" charset="0"/>
-                        <a:ea typeface="Times New Roman" panose="02020603050405020304" pitchFamily="18" charset="0"/>
-                        <a:cs typeface="Times New Roman" panose="02020603050405020304" pitchFamily="18" charset="0"/>
-                      </a:rPr>
-                      <m:t>(</m:t>
-                    </m:r>
-                    <m:r>
-                      <m:rPr>
-                        <m:sty m:val="p"/>
-                      </m:rPr>
-                      <a:rPr kumimoji="0" lang="en-US" sz="2000" b="0" i="0" u="none" strike="noStrike" kern="0" cap="none" spc="0" normalizeH="0" baseline="0" noProof="0" smtClean="0">
-                        <a:ln>
-                          <a:noFill/>
-                        </a:ln>
-                        <a:solidFill>
-                          <a:prstClr val="black"/>
-                        </a:solidFill>
-                        <a:effectLst/>
-                        <a:uLnTx/>
-                        <a:uFillTx/>
-                        <a:latin typeface="Cambria Math" panose="02040503050406030204" pitchFamily="18" charset="0"/>
-                        <a:ea typeface="Times New Roman" panose="02020603050405020304" pitchFamily="18" charset="0"/>
-                        <a:cs typeface="Times New Roman" panose="02020603050405020304" pitchFamily="18" charset="0"/>
-                      </a:rPr>
-                      <m:t>Θ</m:t>
-                    </m:r>
-                    <m:r>
-                      <a:rPr kumimoji="0" lang="en-US" sz="2000" b="0" i="1" u="none" strike="noStrike" kern="0" cap="none" spc="0" normalizeH="0" baseline="0" noProof="0" smtClean="0">
-                        <a:ln>
-                          <a:noFill/>
-                        </a:ln>
-                        <a:solidFill>
-                          <a:prstClr val="black"/>
-                        </a:solidFill>
-                        <a:effectLst/>
-                        <a:uLnTx/>
-                        <a:uFillTx/>
-                        <a:latin typeface="Cambria Math" panose="02040503050406030204" pitchFamily="18" charset="0"/>
-                        <a:ea typeface="Times New Roman" panose="02020603050405020304" pitchFamily="18" charset="0"/>
-                        <a:cs typeface="Times New Roman" panose="02020603050405020304" pitchFamily="18" charset="0"/>
-                      </a:rPr>
-                      <m:t>)</m:t>
-                    </m:r>
-                  </m:oMath>
-                </a14:m>
-                <a:r>
-                  <a:rPr kumimoji="0" lang="en-US" sz="2000" b="0" i="0" u="none" strike="noStrike" kern="1200" cap="none" spc="0" normalizeH="0" baseline="0" noProof="0" dirty="0">
-                    <a:ln>
-                      <a:noFill/>
-                    </a:ln>
-                    <a:solidFill>
-                      <a:prstClr val="black"/>
-                    </a:solidFill>
-                    <a:effectLst/>
-                    <a:uLnTx/>
-                    <a:uFillTx/>
-                    <a:latin typeface="Arial" panose="020B0604020202020204" pitchFamily="34" charset="0"/>
-                    <a:ea typeface="+mn-ea"/>
-                    <a:cs typeface="Arial" panose="020B0604020202020204" pitchFamily="34" charset="0"/>
-                  </a:rPr>
-                  <a:t>: </a:t>
-                </a:r>
-                <a14:m>
-                  <m:oMath xmlns:m="http://schemas.openxmlformats.org/officeDocument/2006/math">
-                    <m:r>
-                      <a:rPr kumimoji="0" lang="en-US" sz="2000" b="0" i="0" u="none" strike="noStrike" kern="1200" cap="none" spc="0" normalizeH="0" baseline="0" noProof="0" dirty="0" smtClean="0">
-                        <a:ln>
-                          <a:noFill/>
-                        </a:ln>
-                        <a:solidFill>
-                          <a:prstClr val="black"/>
-                        </a:solidFill>
-                        <a:effectLst/>
-                        <a:uLnTx/>
-                        <a:uFillTx/>
-                        <a:latin typeface="Cambria Math" panose="02040503050406030204" pitchFamily="18" charset="0"/>
-                        <a:ea typeface="Cambria Math" panose="02040503050406030204" pitchFamily="18" charset="0"/>
-                        <a:cs typeface="+mn-cs"/>
-                      </a:rPr>
-                      <m:t> </m:t>
-                    </m:r>
-                    <m:r>
-                      <a:rPr kumimoji="0" lang="en-US" sz="2000" b="0" i="1" u="none" strike="noStrike" kern="1200" cap="none" spc="0" normalizeH="0" baseline="0" noProof="0" dirty="0" smtClean="0">
-                        <a:ln>
-                          <a:noFill/>
-                        </a:ln>
-                        <a:solidFill>
-                          <a:prstClr val="black"/>
-                        </a:solidFill>
-                        <a:effectLst/>
-                        <a:uLnTx/>
-                        <a:uFillTx/>
-                        <a:latin typeface="Cambria Math" panose="02040503050406030204" pitchFamily="18" charset="0"/>
-                        <a:ea typeface="Cambria Math" panose="02040503050406030204" pitchFamily="18" charset="0"/>
-                        <a:cs typeface="+mn-cs"/>
-                      </a:rPr>
-                      <m:t>𝛽</m:t>
-                    </m:r>
-                    <m:r>
-                      <a:rPr kumimoji="0" lang="en-US" sz="2000" b="0" i="1" u="none" strike="noStrike" kern="1200" cap="none" spc="0" normalizeH="0" baseline="0" noProof="0" dirty="0" smtClean="0">
-                        <a:ln>
-                          <a:noFill/>
-                        </a:ln>
-                        <a:solidFill>
-                          <a:prstClr val="black"/>
-                        </a:solidFill>
-                        <a:effectLst/>
-                        <a:uLnTx/>
-                        <a:uFillTx/>
-                        <a:latin typeface="Cambria Math" panose="02040503050406030204" pitchFamily="18" charset="0"/>
-                        <a:ea typeface="Cambria Math" panose="02040503050406030204" pitchFamily="18" charset="0"/>
-                        <a:cs typeface="+mn-cs"/>
-                      </a:rPr>
-                      <m:t> </m:t>
-                    </m:r>
-                    <m:d>
-                      <m:dPr>
-                        <m:ctrlPr>
-                          <a:rPr kumimoji="0" lang="en-US" sz="2000" b="0" i="1" u="none" strike="noStrike" kern="1200" cap="none" spc="0" normalizeH="0" baseline="0" noProof="0" dirty="0" smtClean="0">
-                            <a:ln>
-                              <a:noFill/>
-                            </a:ln>
-                            <a:solidFill>
-                              <a:prstClr val="black"/>
-                            </a:solidFill>
-                            <a:effectLst/>
-                            <a:uLnTx/>
-                            <a:uFillTx/>
-                            <a:latin typeface="Cambria Math" panose="02040503050406030204" pitchFamily="18" charset="0"/>
-                            <a:ea typeface="Cambria Math" panose="02040503050406030204" pitchFamily="18" charset="0"/>
-                            <a:cs typeface="+mn-cs"/>
-                          </a:rPr>
-                        </m:ctrlPr>
-                      </m:dPr>
-                      <m:e>
-                        <m:r>
-                          <m:rPr>
-                            <m:sty m:val="p"/>
-                          </m:rPr>
-                          <a:rPr kumimoji="0" lang="en-US" sz="2000" b="0" i="0" u="none" strike="noStrike" kern="1200" cap="none" spc="0" normalizeH="0" baseline="0" noProof="0" dirty="0" smtClean="0">
-                            <a:ln>
-                              <a:noFill/>
-                            </a:ln>
-                            <a:solidFill>
-                              <a:prstClr val="black"/>
-                            </a:solidFill>
-                            <a:effectLst/>
-                            <a:uLnTx/>
-                            <a:uFillTx/>
-                            <a:latin typeface="Cambria Math" panose="02040503050406030204" pitchFamily="18" charset="0"/>
-                            <a:ea typeface="Cambria Math" panose="02040503050406030204" pitchFamily="18" charset="0"/>
-                            <a:cs typeface="+mn-cs"/>
-                          </a:rPr>
-                          <m:t>transmission</m:t>
-                        </m:r>
-                        <m:r>
-                          <a:rPr kumimoji="0" lang="en-US" sz="2000" b="0" i="0" u="none" strike="noStrike" kern="1200" cap="none" spc="0" normalizeH="0" baseline="0" noProof="0" dirty="0" smtClean="0">
-                            <a:ln>
-                              <a:noFill/>
-                            </a:ln>
-                            <a:solidFill>
-                              <a:prstClr val="black"/>
-                            </a:solidFill>
-                            <a:effectLst/>
-                            <a:uLnTx/>
-                            <a:uFillTx/>
-                            <a:latin typeface="Cambria Math" panose="02040503050406030204" pitchFamily="18" charset="0"/>
-                            <a:ea typeface="Cambria Math" panose="02040503050406030204" pitchFamily="18" charset="0"/>
-                            <a:cs typeface="+mn-cs"/>
-                          </a:rPr>
-                          <m:t> </m:t>
-                        </m:r>
-                        <m:r>
-                          <m:rPr>
-                            <m:sty m:val="p"/>
-                          </m:rPr>
-                          <a:rPr kumimoji="0" lang="en-US" sz="2000" b="0" i="0" u="none" strike="noStrike" kern="1200" cap="none" spc="0" normalizeH="0" baseline="0" noProof="0" dirty="0" smtClean="0">
-                            <a:ln>
-                              <a:noFill/>
-                            </a:ln>
-                            <a:solidFill>
-                              <a:prstClr val="black"/>
-                            </a:solidFill>
-                            <a:effectLst/>
-                            <a:uLnTx/>
-                            <a:uFillTx/>
-                            <a:latin typeface="Cambria Math" panose="02040503050406030204" pitchFamily="18" charset="0"/>
-                            <a:ea typeface="Cambria Math" panose="02040503050406030204" pitchFamily="18" charset="0"/>
-                            <a:cs typeface="+mn-cs"/>
-                          </a:rPr>
-                          <m:t>rate</m:t>
-                        </m:r>
-                      </m:e>
-                    </m:d>
-                    <m:r>
-                      <a:rPr kumimoji="0" lang="en-US" sz="2000" b="0" i="1" u="none" strike="noStrike" kern="1200" cap="none" spc="0" normalizeH="0" baseline="0" noProof="0" dirty="0" smtClean="0">
-                        <a:ln>
-                          <a:noFill/>
-                        </a:ln>
-                        <a:solidFill>
-                          <a:prstClr val="black"/>
-                        </a:solidFill>
-                        <a:effectLst/>
-                        <a:uLnTx/>
-                        <a:uFillTx/>
-                        <a:latin typeface="Cambria Math" panose="02040503050406030204" pitchFamily="18" charset="0"/>
-                        <a:ea typeface="Cambria Math" panose="02040503050406030204" pitchFamily="18" charset="0"/>
-                        <a:cs typeface="+mn-cs"/>
-                      </a:rPr>
-                      <m:t>, </m:t>
-                    </m:r>
-                    <m:r>
-                      <a:rPr kumimoji="0" lang="en-US" sz="2000" b="0" i="1" u="none" strike="noStrike" kern="1200" cap="none" spc="0" normalizeH="0" baseline="0" noProof="0" dirty="0" smtClean="0">
-                        <a:ln>
-                          <a:noFill/>
-                        </a:ln>
-                        <a:solidFill>
-                          <a:prstClr val="black"/>
-                        </a:solidFill>
-                        <a:effectLst/>
-                        <a:uLnTx/>
-                        <a:uFillTx/>
-                        <a:latin typeface="Cambria Math" panose="02040503050406030204" pitchFamily="18" charset="0"/>
-                        <a:ea typeface="Cambria Math" panose="02040503050406030204" pitchFamily="18" charset="0"/>
-                        <a:cs typeface="+mn-cs"/>
-                      </a:rPr>
-                      <m:t>𝑁</m:t>
-                    </m:r>
-                    <m:r>
-                      <a:rPr kumimoji="0" lang="en-US" sz="2000" b="0" i="1" u="none" strike="noStrike" kern="1200" cap="none" spc="0" normalizeH="0" baseline="0" noProof="0" dirty="0" smtClean="0">
-                        <a:ln>
-                          <a:noFill/>
-                        </a:ln>
-                        <a:solidFill>
-                          <a:prstClr val="black"/>
-                        </a:solidFill>
-                        <a:effectLst/>
-                        <a:uLnTx/>
-                        <a:uFillTx/>
-                        <a:latin typeface="Cambria Math" panose="02040503050406030204" pitchFamily="18" charset="0"/>
-                        <a:ea typeface="Cambria Math" panose="02040503050406030204" pitchFamily="18" charset="0"/>
-                        <a:cs typeface="+mn-cs"/>
-                      </a:rPr>
-                      <m:t> </m:t>
-                    </m:r>
-                    <m:d>
-                      <m:dPr>
-                        <m:ctrlPr>
-                          <a:rPr kumimoji="0" lang="en-US" sz="2000" b="0" i="1" u="none" strike="noStrike" kern="1200" cap="none" spc="0" normalizeH="0" baseline="0" noProof="0" dirty="0" smtClean="0">
-                            <a:ln>
-                              <a:noFill/>
-                            </a:ln>
-                            <a:solidFill>
-                              <a:prstClr val="black"/>
-                            </a:solidFill>
-                            <a:effectLst/>
-                            <a:uLnTx/>
-                            <a:uFillTx/>
-                            <a:latin typeface="Cambria Math" panose="02040503050406030204" pitchFamily="18" charset="0"/>
-                            <a:ea typeface="Cambria Math" panose="02040503050406030204" pitchFamily="18" charset="0"/>
-                            <a:cs typeface="+mn-cs"/>
-                          </a:rPr>
-                        </m:ctrlPr>
-                      </m:dPr>
-                      <m:e>
-                        <m:r>
-                          <m:rPr>
-                            <m:sty m:val="p"/>
-                          </m:rPr>
-                          <a:rPr kumimoji="0" lang="en-US" sz="2000" b="0" i="0" u="none" strike="noStrike" kern="1200" cap="none" spc="0" normalizeH="0" baseline="0" noProof="0" dirty="0" smtClean="0">
-                            <a:ln>
-                              <a:noFill/>
-                            </a:ln>
-                            <a:solidFill>
-                              <a:prstClr val="black"/>
-                            </a:solidFill>
-                            <a:effectLst/>
-                            <a:uLnTx/>
-                            <a:uFillTx/>
-                            <a:latin typeface="Cambria Math" panose="02040503050406030204" pitchFamily="18" charset="0"/>
-                            <a:ea typeface="Cambria Math" panose="02040503050406030204" pitchFamily="18" charset="0"/>
-                            <a:cs typeface="+mn-cs"/>
-                          </a:rPr>
-                          <m:t>population</m:t>
-                        </m:r>
-                        <m:r>
-                          <a:rPr kumimoji="0" lang="en-US" sz="2000" b="0" i="0" u="none" strike="noStrike" kern="1200" cap="none" spc="0" normalizeH="0" baseline="0" noProof="0" dirty="0" smtClean="0">
-                            <a:ln>
-                              <a:noFill/>
-                            </a:ln>
-                            <a:solidFill>
-                              <a:prstClr val="black"/>
-                            </a:solidFill>
-                            <a:effectLst/>
-                            <a:uLnTx/>
-                            <a:uFillTx/>
-                            <a:latin typeface="Cambria Math" panose="02040503050406030204" pitchFamily="18" charset="0"/>
-                            <a:ea typeface="Cambria Math" panose="02040503050406030204" pitchFamily="18" charset="0"/>
-                            <a:cs typeface="+mn-cs"/>
-                          </a:rPr>
-                          <m:t> </m:t>
-                        </m:r>
-                        <m:r>
-                          <m:rPr>
-                            <m:sty m:val="p"/>
-                          </m:rPr>
-                          <a:rPr kumimoji="0" lang="en-US" sz="2000" b="0" i="0" u="none" strike="noStrike" kern="1200" cap="none" spc="0" normalizeH="0" baseline="0" noProof="0" dirty="0" smtClean="0">
-                            <a:ln>
-                              <a:noFill/>
-                            </a:ln>
-                            <a:solidFill>
-                              <a:prstClr val="black"/>
-                            </a:solidFill>
-                            <a:effectLst/>
-                            <a:uLnTx/>
-                            <a:uFillTx/>
-                            <a:latin typeface="Cambria Math" panose="02040503050406030204" pitchFamily="18" charset="0"/>
-                            <a:ea typeface="Cambria Math" panose="02040503050406030204" pitchFamily="18" charset="0"/>
-                            <a:cs typeface="+mn-cs"/>
-                          </a:rPr>
-                          <m:t>size</m:t>
-                        </m:r>
-                      </m:e>
-                    </m:d>
-                    <m:r>
-                      <a:rPr kumimoji="0" lang="en-US" sz="2000" b="0" i="1" u="none" strike="noStrike" kern="1200" cap="none" spc="0" normalizeH="0" baseline="0" noProof="0" dirty="0" smtClean="0">
-                        <a:ln>
-                          <a:noFill/>
-                        </a:ln>
-                        <a:solidFill>
-                          <a:prstClr val="black"/>
-                        </a:solidFill>
-                        <a:effectLst/>
-                        <a:uLnTx/>
-                        <a:uFillTx/>
-                        <a:latin typeface="Cambria Math" panose="02040503050406030204" pitchFamily="18" charset="0"/>
-                        <a:ea typeface="Cambria Math" panose="02040503050406030204" pitchFamily="18" charset="0"/>
-                        <a:cs typeface="+mn-cs"/>
-                      </a:rPr>
-                      <m:t>, </m:t>
-                    </m:r>
-                    <m:r>
-                      <a:rPr kumimoji="0" lang="en-US" sz="2000" b="0" i="1" u="none" strike="noStrike" kern="1200" cap="none" spc="0" normalizeH="0" baseline="0" noProof="0" dirty="0" smtClean="0">
-                        <a:ln>
-                          <a:noFill/>
-                        </a:ln>
-                        <a:solidFill>
-                          <a:prstClr val="black"/>
-                        </a:solidFill>
-                        <a:effectLst/>
-                        <a:uLnTx/>
-                        <a:uFillTx/>
-                        <a:latin typeface="Cambria Math" panose="02040503050406030204" pitchFamily="18" charset="0"/>
-                        <a:ea typeface="Cambria Math" panose="02040503050406030204" pitchFamily="18" charset="0"/>
-                        <a:cs typeface="+mn-cs"/>
-                      </a:rPr>
-                      <m:t>𝛾</m:t>
-                    </m:r>
-                    <m:r>
-                      <a:rPr kumimoji="0" lang="en-US" sz="2000" b="0" i="1" u="none" strike="noStrike" kern="1200" cap="none" spc="0" normalizeH="0" baseline="0" noProof="0" dirty="0" smtClean="0">
-                        <a:ln>
-                          <a:noFill/>
-                        </a:ln>
-                        <a:solidFill>
-                          <a:prstClr val="black"/>
-                        </a:solidFill>
-                        <a:effectLst/>
-                        <a:uLnTx/>
-                        <a:uFillTx/>
-                        <a:latin typeface="Cambria Math" panose="02040503050406030204" pitchFamily="18" charset="0"/>
-                        <a:ea typeface="Cambria Math" panose="02040503050406030204" pitchFamily="18" charset="0"/>
-                        <a:cs typeface="+mn-cs"/>
-                      </a:rPr>
-                      <m:t> (</m:t>
-                    </m:r>
-                    <m:r>
-                      <m:rPr>
-                        <m:sty m:val="p"/>
-                      </m:rPr>
-                      <a:rPr kumimoji="0" lang="en-US" sz="2000" b="0" i="0" u="none" strike="noStrike" kern="1200" cap="none" spc="0" normalizeH="0" baseline="0" noProof="0" dirty="0" smtClean="0">
-                        <a:ln>
-                          <a:noFill/>
-                        </a:ln>
-                        <a:solidFill>
-                          <a:prstClr val="black"/>
-                        </a:solidFill>
-                        <a:effectLst/>
-                        <a:uLnTx/>
-                        <a:uFillTx/>
-                        <a:latin typeface="Cambria Math" panose="02040503050406030204" pitchFamily="18" charset="0"/>
-                        <a:ea typeface="Cambria Math" panose="02040503050406030204" pitchFamily="18" charset="0"/>
-                        <a:cs typeface="+mn-cs"/>
-                      </a:rPr>
-                      <m:t>removal</m:t>
-                    </m:r>
-                    <m:r>
-                      <a:rPr kumimoji="0" lang="en-US" sz="2000" b="0" i="0" u="none" strike="noStrike" kern="1200" cap="none" spc="0" normalizeH="0" baseline="0" noProof="0" dirty="0" smtClean="0">
-                        <a:ln>
-                          <a:noFill/>
-                        </a:ln>
-                        <a:solidFill>
-                          <a:prstClr val="black"/>
-                        </a:solidFill>
-                        <a:effectLst/>
-                        <a:uLnTx/>
-                        <a:uFillTx/>
-                        <a:latin typeface="Cambria Math" panose="02040503050406030204" pitchFamily="18" charset="0"/>
-                        <a:ea typeface="Cambria Math" panose="02040503050406030204" pitchFamily="18" charset="0"/>
-                        <a:cs typeface="+mn-cs"/>
-                      </a:rPr>
-                      <m:t> </m:t>
-                    </m:r>
-                    <m:r>
-                      <m:rPr>
-                        <m:sty m:val="p"/>
-                      </m:rPr>
-                      <a:rPr kumimoji="0" lang="en-US" sz="2000" b="0" i="0" u="none" strike="noStrike" kern="1200" cap="none" spc="0" normalizeH="0" baseline="0" noProof="0" dirty="0" smtClean="0">
-                        <a:ln>
-                          <a:noFill/>
-                        </a:ln>
-                        <a:solidFill>
-                          <a:prstClr val="black"/>
-                        </a:solidFill>
-                        <a:effectLst/>
-                        <a:uLnTx/>
-                        <a:uFillTx/>
-                        <a:latin typeface="Cambria Math" panose="02040503050406030204" pitchFamily="18" charset="0"/>
-                        <a:ea typeface="Cambria Math" panose="02040503050406030204" pitchFamily="18" charset="0"/>
-                        <a:cs typeface="+mn-cs"/>
-                      </a:rPr>
-                      <m:t>rate</m:t>
-                    </m:r>
-                    <m:r>
-                      <a:rPr kumimoji="0" lang="en-US" sz="2000" b="0" i="1" u="none" strike="noStrike" kern="1200" cap="none" spc="0" normalizeH="0" baseline="0" noProof="0" dirty="0" smtClean="0">
-                        <a:ln>
-                          <a:noFill/>
-                        </a:ln>
-                        <a:solidFill>
-                          <a:prstClr val="black"/>
-                        </a:solidFill>
-                        <a:effectLst/>
-                        <a:uLnTx/>
-                        <a:uFillTx/>
-                        <a:latin typeface="Cambria Math" panose="02040503050406030204" pitchFamily="18" charset="0"/>
-                        <a:ea typeface="Cambria Math" panose="02040503050406030204" pitchFamily="18" charset="0"/>
-                        <a:cs typeface="+mn-cs"/>
-                      </a:rPr>
-                      <m:t>)</m:t>
-                    </m:r>
-                  </m:oMath>
-                </a14:m>
-                <a:r>
-                  <a:rPr kumimoji="0" lang="en-US" sz="2000" b="0" i="0" u="none" strike="noStrike" kern="1200" cap="none" spc="0" normalizeH="0" baseline="0" noProof="0" dirty="0">
-                    <a:ln>
-                      <a:noFill/>
-                    </a:ln>
-                    <a:solidFill>
-                      <a:prstClr val="black"/>
-                    </a:solidFill>
-                    <a:effectLst/>
-                    <a:uLnTx/>
-                    <a:uFillTx/>
-                    <a:latin typeface="Arial" panose="020B0604020202020204" pitchFamily="34" charset="0"/>
-                    <a:ea typeface="+mn-ea"/>
-                    <a:cs typeface="Arial" panose="020B0604020202020204" pitchFamily="34" charset="0"/>
-                  </a:rPr>
-                  <a:t> </a:t>
-                </a:r>
-              </a:p>
-              <a:p>
-                <a:pPr marL="0" marR="0" lvl="0" indent="0" algn="l" defTabSz="457200" rtl="0" eaLnBrk="1" fontAlgn="auto" latinLnBrk="0" hangingPunct="1">
-                  <a:lnSpc>
-                    <a:spcPct val="100000"/>
-                  </a:lnSpc>
-                  <a:spcBef>
-                    <a:spcPts val="300"/>
-                  </a:spcBef>
-                  <a:spcAft>
-                    <a:spcPts val="0"/>
-                  </a:spcAft>
-                  <a:buClrTx/>
-                  <a:buSzTx/>
-                  <a:buFontTx/>
-                  <a:buNone/>
-                  <a:tabLst/>
-                  <a:defRPr/>
-                </a:pPr>
-                <a:r>
-                  <a:rPr kumimoji="0" lang="en-US" sz="2000" b="0" i="0" u="none" strike="noStrike" kern="1200" cap="none" spc="0" normalizeH="0" baseline="0" noProof="0" dirty="0">
-                    <a:ln>
-                      <a:noFill/>
-                    </a:ln>
-                    <a:solidFill>
-                      <a:prstClr val="black"/>
-                    </a:solidFill>
-                    <a:effectLst/>
-                    <a:uLnTx/>
-                    <a:uFillTx/>
-                    <a:latin typeface="Arial" panose="020B0604020202020204" pitchFamily="34" charset="0"/>
-                    <a:ea typeface="+mn-ea"/>
-                    <a:cs typeface="Arial" panose="020B0604020202020204" pitchFamily="34" charset="0"/>
-                  </a:rPr>
-                  <a:t>State Variables </a:t>
-                </a:r>
-                <a14:m>
-                  <m:oMath xmlns:m="http://schemas.openxmlformats.org/officeDocument/2006/math">
-                    <m:acc>
-                      <m:accPr>
-                        <m:chr m:val="̇"/>
-                        <m:ctrlPr>
-                          <a:rPr kumimoji="0" lang="en-US" sz="2000" b="0" i="1" u="none" strike="noStrike" kern="1200" cap="none" spc="0" normalizeH="0" baseline="0" noProof="0" smtClean="0">
-                            <a:ln>
-                              <a:noFill/>
-                            </a:ln>
-                            <a:solidFill>
-                              <a:prstClr val="black"/>
-                            </a:solidFill>
-                            <a:effectLst/>
-                            <a:uLnTx/>
-                            <a:uFillTx/>
-                            <a:latin typeface="Cambria Math" panose="02040503050406030204" pitchFamily="18" charset="0"/>
-                            <a:ea typeface="+mn-ea"/>
-                            <a:cs typeface="+mn-cs"/>
-                          </a:rPr>
-                        </m:ctrlPr>
-                      </m:accPr>
-                      <m:e>
-                        <m:sSub>
-                          <m:sSubPr>
-                            <m:ctrlPr>
-                              <a:rPr kumimoji="0" lang="en-US" sz="2000" b="0" i="1" u="none" strike="noStrike" kern="1200" cap="none" spc="0" normalizeH="0" baseline="0" noProof="0" smtClean="0">
-                                <a:ln>
-                                  <a:noFill/>
-                                </a:ln>
-                                <a:solidFill>
-                                  <a:prstClr val="black"/>
-                                </a:solidFill>
-                                <a:effectLst/>
-                                <a:uLnTx/>
-                                <a:uFillTx/>
-                                <a:latin typeface="Cambria Math" panose="02040503050406030204" pitchFamily="18" charset="0"/>
-                                <a:ea typeface="+mn-ea"/>
-                                <a:cs typeface="+mn-cs"/>
-                              </a:rPr>
-                            </m:ctrlPr>
-                          </m:sSubPr>
-                          <m:e>
-                            <m:r>
-                              <a:rPr kumimoji="0" lang="en-US" sz="2000" b="0" i="1" u="none" strike="noStrike" kern="1200" cap="none" spc="0" normalizeH="0" baseline="0" noProof="0" smtClean="0">
-                                <a:ln>
-                                  <a:noFill/>
-                                </a:ln>
-                                <a:solidFill>
-                                  <a:prstClr val="black"/>
-                                </a:solidFill>
-                                <a:effectLst/>
-                                <a:uLnTx/>
-                                <a:uFillTx/>
-                                <a:latin typeface="Cambria Math" panose="02040503050406030204" pitchFamily="18" charset="0"/>
-                                <a:ea typeface="+mn-ea"/>
-                                <a:cs typeface="+mn-cs"/>
-                              </a:rPr>
-                              <m:t>(</m:t>
-                            </m:r>
-                            <m:r>
-                              <a:rPr kumimoji="0" lang="en-US" sz="2000" b="0" i="1" u="none" strike="noStrike" kern="1200" cap="none" spc="0" normalizeH="0" baseline="0" noProof="0" smtClean="0">
-                                <a:ln>
-                                  <a:noFill/>
-                                </a:ln>
-                                <a:solidFill>
-                                  <a:prstClr val="black"/>
-                                </a:solidFill>
-                                <a:effectLst/>
-                                <a:uLnTx/>
-                                <a:uFillTx/>
-                                <a:latin typeface="Cambria Math" panose="02040503050406030204" pitchFamily="18" charset="0"/>
-                                <a:ea typeface="+mn-ea"/>
-                                <a:cs typeface="+mn-cs"/>
-                              </a:rPr>
-                              <m:t>𝑥</m:t>
-                            </m:r>
-                          </m:e>
-                          <m:sub>
-                            <m:r>
-                              <a:rPr kumimoji="0" lang="en-US" sz="2000" b="0" i="1" u="none" strike="noStrike" kern="1200" cap="none" spc="0" normalizeH="0" baseline="0" noProof="0" smtClean="0">
-                                <a:ln>
-                                  <a:noFill/>
-                                </a:ln>
-                                <a:solidFill>
-                                  <a:prstClr val="black"/>
-                                </a:solidFill>
-                                <a:effectLst/>
-                                <a:uLnTx/>
-                                <a:uFillTx/>
-                                <a:latin typeface="Cambria Math" panose="02040503050406030204" pitchFamily="18" charset="0"/>
-                                <a:ea typeface="+mn-ea"/>
-                                <a:cs typeface="+mn-cs"/>
-                              </a:rPr>
-                              <m:t>𝑖</m:t>
-                            </m:r>
-                          </m:sub>
-                        </m:sSub>
-                      </m:e>
-                    </m:acc>
-                    <m:r>
-                      <a:rPr kumimoji="0" lang="en-US" sz="2000" b="0" i="1" u="none" strike="noStrike" kern="1200" cap="none" spc="0" normalizeH="0" baseline="0" noProof="0" smtClean="0">
-                        <a:ln>
-                          <a:noFill/>
-                        </a:ln>
-                        <a:solidFill>
-                          <a:prstClr val="black"/>
-                        </a:solidFill>
-                        <a:effectLst/>
-                        <a:uLnTx/>
-                        <a:uFillTx/>
-                        <a:latin typeface="Cambria Math" panose="02040503050406030204" pitchFamily="18" charset="0"/>
-                        <a:ea typeface="+mn-ea"/>
-                        <a:cs typeface="+mn-cs"/>
-                      </a:rPr>
-                      <m:t>)</m:t>
-                    </m:r>
-                  </m:oMath>
-                </a14:m>
-                <a:r>
-                  <a:rPr kumimoji="0" lang="en-US" sz="2000" b="0" i="0" u="none" strike="noStrike" kern="1200" cap="none" spc="0" normalizeH="0" baseline="0" noProof="0" dirty="0">
-                    <a:ln>
-                      <a:noFill/>
-                    </a:ln>
-                    <a:solidFill>
-                      <a:prstClr val="black"/>
-                    </a:solidFill>
-                    <a:effectLst/>
-                    <a:uLnTx/>
-                    <a:uFillTx/>
-                    <a:latin typeface="Arial" panose="020B0604020202020204" pitchFamily="34" charset="0"/>
-                    <a:ea typeface="+mn-ea"/>
-                    <a:cs typeface="Arial" panose="020B0604020202020204" pitchFamily="34" charset="0"/>
-                  </a:rPr>
-                  <a:t>: </a:t>
-                </a:r>
-                <a14:m>
-                  <m:oMath xmlns:m="http://schemas.openxmlformats.org/officeDocument/2006/math">
-                    <m:r>
-                      <a:rPr kumimoji="0" lang="en-US" sz="2000" b="1" i="1" u="none" strike="noStrike" kern="1200" cap="none" spc="0" normalizeH="0" baseline="0" noProof="0" dirty="0" smtClean="0">
-                        <a:ln>
-                          <a:noFill/>
-                        </a:ln>
-                        <a:solidFill>
-                          <a:prstClr val="black"/>
-                        </a:solidFill>
-                        <a:effectLst/>
-                        <a:uLnTx/>
-                        <a:uFillTx/>
-                        <a:latin typeface="Cambria Math" panose="02040503050406030204" pitchFamily="18" charset="0"/>
-                        <a:ea typeface="+mn-ea"/>
-                        <a:cs typeface="+mn-cs"/>
-                      </a:rPr>
-                      <m:t>𝑺</m:t>
-                    </m:r>
-                    <m:r>
-                      <m:rPr>
-                        <m:sty m:val="p"/>
-                      </m:rPr>
-                      <a:rPr kumimoji="0" lang="en-US" sz="2000" b="0" i="0" u="none" strike="noStrike" kern="1200" cap="none" spc="0" normalizeH="0" baseline="0" noProof="0" dirty="0">
-                        <a:ln>
-                          <a:noFill/>
-                        </a:ln>
-                        <a:solidFill>
-                          <a:prstClr val="black"/>
-                        </a:solidFill>
-                        <a:effectLst/>
-                        <a:uLnTx/>
-                        <a:uFillTx/>
-                        <a:latin typeface="Cambria Math" panose="02040503050406030204" pitchFamily="18" charset="0"/>
-                        <a:ea typeface="+mn-ea"/>
-                        <a:cs typeface="+mn-cs"/>
-                      </a:rPr>
-                      <m:t>usceptible</m:t>
-                    </m:r>
-                    <m:r>
-                      <a:rPr kumimoji="0" lang="en-US" sz="2000" b="0" i="1" u="none" strike="noStrike" kern="1200" cap="none" spc="0" normalizeH="0" baseline="0" noProof="0" dirty="0" smtClean="0">
-                        <a:ln>
-                          <a:noFill/>
-                        </a:ln>
-                        <a:solidFill>
-                          <a:prstClr val="black"/>
-                        </a:solidFill>
-                        <a:effectLst/>
-                        <a:uLnTx/>
-                        <a:uFillTx/>
-                        <a:latin typeface="Cambria Math" panose="02040503050406030204" pitchFamily="18" charset="0"/>
-                        <a:ea typeface="+mn-ea"/>
-                        <a:cs typeface="+mn-cs"/>
-                      </a:rPr>
-                      <m:t>, </m:t>
-                    </m:r>
-                    <m:r>
-                      <a:rPr kumimoji="0" lang="en-US" sz="2000" b="1" i="1" u="none" strike="noStrike" kern="1200" cap="none" spc="0" normalizeH="0" baseline="0" noProof="0" dirty="0" smtClean="0">
-                        <a:ln>
-                          <a:noFill/>
-                        </a:ln>
-                        <a:solidFill>
-                          <a:prstClr val="black"/>
-                        </a:solidFill>
-                        <a:effectLst/>
-                        <a:uLnTx/>
-                        <a:uFillTx/>
-                        <a:latin typeface="Cambria Math" panose="02040503050406030204" pitchFamily="18" charset="0"/>
-                        <a:ea typeface="+mn-ea"/>
-                        <a:cs typeface="+mn-cs"/>
-                      </a:rPr>
-                      <m:t>𝑰</m:t>
-                    </m:r>
-                    <m:r>
-                      <m:rPr>
-                        <m:sty m:val="p"/>
-                      </m:rPr>
-                      <a:rPr kumimoji="0" lang="en-US" sz="2000" b="0" i="0" u="none" strike="noStrike" kern="1200" cap="none" spc="0" normalizeH="0" baseline="0" noProof="0" dirty="0">
-                        <a:ln>
-                          <a:noFill/>
-                        </a:ln>
-                        <a:solidFill>
-                          <a:prstClr val="black"/>
-                        </a:solidFill>
-                        <a:effectLst/>
-                        <a:uLnTx/>
-                        <a:uFillTx/>
-                        <a:latin typeface="Cambria Math" panose="02040503050406030204" pitchFamily="18" charset="0"/>
-                        <a:ea typeface="+mn-ea"/>
-                        <a:cs typeface="+mn-cs"/>
-                      </a:rPr>
-                      <m:t>nfectious</m:t>
-                    </m:r>
-                    <m:r>
-                      <a:rPr kumimoji="0" lang="en-US" sz="2000" b="0" i="1" u="none" strike="noStrike" kern="1200" cap="none" spc="0" normalizeH="0" baseline="0" noProof="0" dirty="0" smtClean="0">
-                        <a:ln>
-                          <a:noFill/>
-                        </a:ln>
-                        <a:solidFill>
-                          <a:prstClr val="black"/>
-                        </a:solidFill>
-                        <a:effectLst/>
-                        <a:uLnTx/>
-                        <a:uFillTx/>
-                        <a:latin typeface="Cambria Math" panose="02040503050406030204" pitchFamily="18" charset="0"/>
-                        <a:ea typeface="+mn-ea"/>
-                        <a:cs typeface="+mn-cs"/>
-                      </a:rPr>
-                      <m:t>,</m:t>
-                    </m:r>
-                    <m:r>
-                      <a:rPr kumimoji="0" lang="en-US" sz="2000" b="1" i="1" u="none" strike="noStrike" kern="1200" cap="none" spc="0" normalizeH="0" baseline="0" noProof="0" dirty="0" smtClean="0">
-                        <a:ln>
-                          <a:noFill/>
-                        </a:ln>
-                        <a:solidFill>
-                          <a:prstClr val="black"/>
-                        </a:solidFill>
-                        <a:effectLst/>
-                        <a:uLnTx/>
-                        <a:uFillTx/>
-                        <a:latin typeface="Cambria Math" panose="02040503050406030204" pitchFamily="18" charset="0"/>
-                        <a:ea typeface="+mn-ea"/>
-                        <a:cs typeface="+mn-cs"/>
-                      </a:rPr>
-                      <m:t>𝑹</m:t>
-                    </m:r>
-                    <m:r>
-                      <m:rPr>
-                        <m:sty m:val="p"/>
-                      </m:rPr>
-                      <a:rPr kumimoji="0" lang="en-US" sz="2000" b="0" i="0" u="none" strike="noStrike" kern="1200" cap="none" spc="0" normalizeH="0" baseline="0" noProof="0" dirty="0">
-                        <a:ln>
-                          <a:noFill/>
-                        </a:ln>
-                        <a:solidFill>
-                          <a:prstClr val="black"/>
-                        </a:solidFill>
-                        <a:effectLst/>
-                        <a:uLnTx/>
-                        <a:uFillTx/>
-                        <a:latin typeface="Cambria Math" panose="02040503050406030204" pitchFamily="18" charset="0"/>
-                        <a:ea typeface="+mn-ea"/>
-                        <a:cs typeface="+mn-cs"/>
-                      </a:rPr>
-                      <m:t>ecovered</m:t>
-                    </m:r>
-                  </m:oMath>
-                </a14:m>
-                <a:endParaRPr kumimoji="0" lang="en-US" sz="2000" b="0" i="0" u="none" strike="noStrike" kern="1200" cap="none" spc="0" normalizeH="0" baseline="0" noProof="0" dirty="0">
-                  <a:ln>
-                    <a:noFill/>
-                  </a:ln>
-                  <a:solidFill>
-                    <a:prstClr val="black"/>
-                  </a:solidFill>
-                  <a:effectLst/>
-                  <a:uLnTx/>
-                  <a:uFillTx/>
-                  <a:latin typeface="Arial" panose="020B0604020202020204" pitchFamily="34" charset="0"/>
-                  <a:ea typeface="+mn-ea"/>
-                  <a:cs typeface="Arial" panose="020B0604020202020204" pitchFamily="34" charset="0"/>
-                </a:endParaRPr>
-              </a:p>
-              <a:p>
-                <a:pPr marL="0" marR="0" lvl="0" indent="0" algn="l" defTabSz="457200" rtl="0" eaLnBrk="1" fontAlgn="auto" latinLnBrk="0" hangingPunct="1">
-                  <a:lnSpc>
-                    <a:spcPct val="100000"/>
-                  </a:lnSpc>
-                  <a:spcBef>
-                    <a:spcPts val="0"/>
-                  </a:spcBef>
-                  <a:spcAft>
-                    <a:spcPts val="0"/>
-                  </a:spcAft>
-                  <a:buClrTx/>
-                  <a:buSzTx/>
-                  <a:buFontTx/>
-                  <a:buNone/>
-                  <a:tabLst/>
-                  <a:defRPr/>
-                </a:pPr>
-                <a:endParaRPr kumimoji="0" lang="en-US" sz="2000" b="0" i="0" u="none" strike="noStrike" kern="1200" cap="none" spc="0" normalizeH="0" baseline="0" noProof="0" dirty="0">
-                  <a:ln>
-                    <a:noFill/>
-                  </a:ln>
-                  <a:solidFill>
-                    <a:prstClr val="black"/>
-                  </a:solidFill>
-                  <a:effectLst/>
-                  <a:uLnTx/>
-                  <a:uFillTx/>
-                  <a:latin typeface="Arial" panose="020B0604020202020204" pitchFamily="34" charset="0"/>
-                  <a:ea typeface="+mn-ea"/>
-                  <a:cs typeface="Arial" panose="020B0604020202020204" pitchFamily="34" charset="0"/>
-                </a:endParaRPr>
-              </a:p>
-              <a:p>
-                <a:pPr marL="0" marR="0" lvl="0" indent="0" algn="l" defTabSz="457200" rtl="0" eaLnBrk="1" fontAlgn="auto" latinLnBrk="0" hangingPunct="1">
-                  <a:lnSpc>
-                    <a:spcPct val="100000"/>
-                  </a:lnSpc>
-                  <a:spcBef>
-                    <a:spcPts val="0"/>
-                  </a:spcBef>
-                  <a:spcAft>
-                    <a:spcPts val="0"/>
-                  </a:spcAft>
-                  <a:buClrTx/>
-                  <a:buSzTx/>
-                  <a:buFontTx/>
-                  <a:buNone/>
-                  <a:tabLst/>
-                  <a:defRPr/>
-                </a:pPr>
-                <a:r>
-                  <a:rPr kumimoji="0" lang="en-US" sz="2000" b="1" i="0" u="none" strike="noStrike" kern="1200" cap="none" spc="0" normalizeH="0" baseline="0" noProof="0" dirty="0">
-                    <a:ln>
-                      <a:noFill/>
-                    </a:ln>
-                    <a:solidFill>
-                      <a:prstClr val="black"/>
-                    </a:solidFill>
-                    <a:effectLst/>
-                    <a:uLnTx/>
-                    <a:uFillTx/>
-                    <a:latin typeface="Arial" panose="020B0604020202020204" pitchFamily="34" charset="0"/>
-                    <a:ea typeface="+mn-ea"/>
-                    <a:cs typeface="Arial" panose="020B0604020202020204" pitchFamily="34" charset="0"/>
-                  </a:rPr>
-                  <a:t>Note:</a:t>
-                </a:r>
-                <a:r>
-                  <a:rPr kumimoji="0" lang="en-US" sz="2000" b="0" i="0" u="none" strike="noStrike" kern="1200" cap="none" spc="0" normalizeH="0" baseline="0" noProof="0" dirty="0">
-                    <a:ln>
-                      <a:noFill/>
-                    </a:ln>
-                    <a:solidFill>
-                      <a:prstClr val="black"/>
-                    </a:solidFill>
-                    <a:effectLst/>
-                    <a:uLnTx/>
-                    <a:uFillTx/>
-                    <a:latin typeface="Arial" panose="020B0604020202020204" pitchFamily="34" charset="0"/>
-                    <a:ea typeface="+mn-ea"/>
-                    <a:cs typeface="Arial" panose="020B0604020202020204" pitchFamily="34" charset="0"/>
-                  </a:rPr>
-                  <a:t> </a:t>
-                </a:r>
-                <a:r>
-                  <a:rPr kumimoji="0" lang="en-US" sz="2000" b="0" i="0" u="sng" strike="noStrike" kern="1200" cap="none" spc="0" normalizeH="0" baseline="0" noProof="0" dirty="0">
-                    <a:ln>
-                      <a:noFill/>
-                    </a:ln>
-                    <a:solidFill>
-                      <a:srgbClr val="FF0000"/>
-                    </a:solidFill>
-                    <a:effectLst/>
-                    <a:uLnTx/>
-                    <a:uFillTx/>
-                    <a:latin typeface="Arial" panose="020B0604020202020204" pitchFamily="34" charset="0"/>
-                    <a:ea typeface="+mn-ea"/>
-                    <a:cs typeface="Arial" panose="020B0604020202020204" pitchFamily="34" charset="0"/>
-                  </a:rPr>
-                  <a:t>Negative</a:t>
-                </a:r>
-                <a:r>
-                  <a:rPr kumimoji="0" lang="en-US" sz="2000" b="0" i="0" u="none" strike="noStrike" kern="1200" cap="none" spc="0" normalizeH="0" baseline="0" noProof="0" dirty="0">
-                    <a:ln>
-                      <a:noFill/>
-                    </a:ln>
-                    <a:solidFill>
-                      <a:prstClr val="black"/>
-                    </a:solidFill>
-                    <a:effectLst/>
-                    <a:uLnTx/>
-                    <a:uFillTx/>
-                    <a:latin typeface="Arial" panose="020B0604020202020204" pitchFamily="34" charset="0"/>
-                    <a:ea typeface="+mn-ea"/>
-                    <a:cs typeface="Arial" panose="020B0604020202020204" pitchFamily="34" charset="0"/>
-                  </a:rPr>
-                  <a:t> values indicate moving out of a compartment and </a:t>
-                </a:r>
-                <a:r>
-                  <a:rPr kumimoji="0" lang="en-US" sz="2000" b="0" i="0" u="sng" strike="noStrike" kern="1200" cap="none" spc="0" normalizeH="0" baseline="0" noProof="0" dirty="0">
-                    <a:ln>
-                      <a:noFill/>
-                    </a:ln>
-                    <a:solidFill>
-                      <a:srgbClr val="1CADE4"/>
-                    </a:solidFill>
-                    <a:effectLst/>
-                    <a:uLnTx/>
-                    <a:uFillTx/>
-                    <a:latin typeface="Arial" panose="020B0604020202020204" pitchFamily="34" charset="0"/>
-                    <a:ea typeface="+mn-ea"/>
-                    <a:cs typeface="Arial" panose="020B0604020202020204" pitchFamily="34" charset="0"/>
-                  </a:rPr>
-                  <a:t>positive</a:t>
-                </a:r>
-                <a:r>
-                  <a:rPr kumimoji="0" lang="en-US" sz="2000" b="0" i="0" u="none" strike="noStrike" kern="1200" cap="none" spc="0" normalizeH="0" baseline="0" noProof="0" dirty="0">
-                    <a:ln>
-                      <a:noFill/>
-                    </a:ln>
-                    <a:solidFill>
-                      <a:prstClr val="black"/>
-                    </a:solidFill>
-                    <a:effectLst/>
-                    <a:uLnTx/>
-                    <a:uFillTx/>
-                    <a:latin typeface="Arial" panose="020B0604020202020204" pitchFamily="34" charset="0"/>
-                    <a:ea typeface="+mn-ea"/>
-                    <a:cs typeface="Arial" panose="020B0604020202020204" pitchFamily="34" charset="0"/>
-                  </a:rPr>
-                  <a:t> values indicate inward movement </a:t>
-                </a:r>
-              </a:p>
-            </p:txBody>
-          </p:sp>
-        </mc:Choice>
-        <mc:Fallback xmlns="">
-          <p:sp>
-            <p:nvSpPr>
-              <p:cNvPr id="8" name="TextBox 7">
-                <a:extLst>
-                  <a:ext uri="{FF2B5EF4-FFF2-40B4-BE49-F238E27FC236}">
-                    <a16:creationId xmlns:a16="http://schemas.microsoft.com/office/drawing/2014/main" id="{88606994-2A86-3E15-4C21-7AD900C6FFC9}"/>
-                  </a:ext>
-                </a:extLst>
-              </p:cNvPr>
-              <p:cNvSpPr txBox="1">
-                <a:spLocks noRot="1" noChangeAspect="1" noMove="1" noResize="1" noEditPoints="1" noAdjustHandles="1" noChangeArrowheads="1" noChangeShapeType="1" noTextEdit="1"/>
-              </p:cNvSpPr>
-              <p:nvPr/>
-            </p:nvSpPr>
-            <p:spPr>
-              <a:xfrm>
-                <a:off x="1078802" y="4625616"/>
-                <a:ext cx="10034395" cy="1727909"/>
-              </a:xfrm>
-              <a:prstGeom prst="rect">
-                <a:avLst/>
-              </a:prstGeom>
-              <a:blipFill>
-                <a:blip r:embed="rId6"/>
-                <a:stretch>
-                  <a:fillRect l="-668" t="-1767" b="-5654"/>
-                </a:stretch>
-              </a:blipFill>
+              <a:ln w="9525"/>
             </p:spPr>
             <p:txBody>
               <a:bodyPr/>
@@ -8376,10 +7201,10 @@
       </mc:AlternateContent>
       <p:sp>
         <p:nvSpPr>
-          <p:cNvPr id="16" name="Rectangle 15">
+          <p:cNvPr id="5" name="Rectangle 4">
             <a:extLst>
               <a:ext uri="{FF2B5EF4-FFF2-40B4-BE49-F238E27FC236}">
-                <a16:creationId xmlns:a16="http://schemas.microsoft.com/office/drawing/2014/main" id="{DF0562CB-73DE-3A0F-1A8D-483B20669285}"/>
+                <a16:creationId xmlns:a16="http://schemas.microsoft.com/office/drawing/2014/main" id="{8F218982-4719-B654-B38B-2BCAEB4635F7}"/>
               </a:ext>
             </a:extLst>
           </p:cNvPr>
@@ -8388,7 +7213,7 @@
         </p:nvSpPr>
         <p:spPr>
           <a:xfrm>
-            <a:off x="7989347" y="3853977"/>
+            <a:off x="3710079" y="3429000"/>
             <a:ext cx="2167128" cy="630936"/>
           </a:xfrm>
           <a:prstGeom prst="rect">
@@ -8417,75 +7242,1027 @@
           <a:bodyPr rtlCol="0" anchor="ctr"/>
           <a:lstStyle/>
           <a:p>
-            <a:pPr marL="0" marR="0" lvl="0" indent="0" algn="ctr" defTabSz="457200" rtl="0" eaLnBrk="1" fontAlgn="auto" latinLnBrk="0" hangingPunct="1">
-              <a:lnSpc>
-                <a:spcPct val="100000"/>
-              </a:lnSpc>
-              <a:spcBef>
-                <a:spcPts val="0"/>
-              </a:spcBef>
-              <a:spcAft>
-                <a:spcPts val="0"/>
-              </a:spcAft>
-              <a:buClrTx/>
-              <a:buSzTx/>
-              <a:buFontTx/>
-              <a:buNone/>
-              <a:tabLst/>
-              <a:defRPr/>
-            </a:pPr>
-            <a:endParaRPr kumimoji="0" lang="en-US" sz="1800" b="0" i="0" u="none" strike="noStrike" kern="1200" cap="none" spc="0" normalizeH="0" baseline="0" noProof="0" dirty="0">
-              <a:ln>
-                <a:noFill/>
-              </a:ln>
-              <a:solidFill>
-                <a:prstClr val="white"/>
-              </a:solidFill>
-              <a:effectLst/>
-              <a:uLnTx/>
-              <a:uFillTx/>
-              <a:latin typeface="Calibri" panose="020F0502020204030204"/>
-              <a:ea typeface="+mn-ea"/>
-              <a:cs typeface="+mn-cs"/>
-            </a:endParaRPr>
+            <a:pPr algn="ctr"/>
+            <a:endParaRPr lang="en-US" dirty="0"/>
           </a:p>
         </p:txBody>
       </p:sp>
+      <p:sp>
+        <p:nvSpPr>
+          <p:cNvPr id="6" name="Rectangle 5">
+            <a:extLst>
+              <a:ext uri="{FF2B5EF4-FFF2-40B4-BE49-F238E27FC236}">
+                <a16:creationId xmlns:a16="http://schemas.microsoft.com/office/drawing/2014/main" id="{966D2FB1-09F1-C143-BA3A-8EA784044628}"/>
+              </a:ext>
+            </a:extLst>
+          </p:cNvPr>
+          <p:cNvSpPr/>
+          <p:nvPr/>
+        </p:nvSpPr>
+        <p:spPr>
+          <a:xfrm>
+            <a:off x="6324251" y="3429000"/>
+            <a:ext cx="2167128" cy="630936"/>
+          </a:xfrm>
+          <a:prstGeom prst="rect">
+            <a:avLst/>
+          </a:prstGeom>
+          <a:noFill/>
+          <a:ln w="9525"/>
+        </p:spPr>
+        <p:style>
+          <a:lnRef idx="2">
+            <a:schemeClr val="accent1">
+              <a:shade val="15000"/>
+            </a:schemeClr>
+          </a:lnRef>
+          <a:fillRef idx="1">
+            <a:schemeClr val="accent1"/>
+          </a:fillRef>
+          <a:effectRef idx="0">
+            <a:schemeClr val="accent1"/>
+          </a:effectRef>
+          <a:fontRef idx="minor">
+            <a:schemeClr val="lt1"/>
+          </a:fontRef>
+        </p:style>
+        <p:txBody>
+          <a:bodyPr rtlCol="0" anchor="ctr"/>
+          <a:lstStyle/>
+          <a:p>
+            <a:pPr algn="ctr"/>
+            <a:endParaRPr lang="en-US" dirty="0"/>
+          </a:p>
+        </p:txBody>
+      </p:sp>
+      <p:sp>
+        <p:nvSpPr>
+          <p:cNvPr id="7" name="Rectangle 6">
+            <a:extLst>
+              <a:ext uri="{FF2B5EF4-FFF2-40B4-BE49-F238E27FC236}">
+                <a16:creationId xmlns:a16="http://schemas.microsoft.com/office/drawing/2014/main" id="{99F893E2-AEB7-16C8-0481-BF3CF6E8D3AC}"/>
+              </a:ext>
+            </a:extLst>
+          </p:cNvPr>
+          <p:cNvSpPr/>
+          <p:nvPr/>
+        </p:nvSpPr>
+        <p:spPr>
+          <a:xfrm>
+            <a:off x="8948579" y="3429000"/>
+            <a:ext cx="2167128" cy="630936"/>
+          </a:xfrm>
+          <a:prstGeom prst="rect">
+            <a:avLst/>
+          </a:prstGeom>
+          <a:noFill/>
+          <a:ln w="9525"/>
+        </p:spPr>
+        <p:style>
+          <a:lnRef idx="2">
+            <a:schemeClr val="accent1">
+              <a:shade val="15000"/>
+            </a:schemeClr>
+          </a:lnRef>
+          <a:fillRef idx="1">
+            <a:schemeClr val="accent1"/>
+          </a:fillRef>
+          <a:effectRef idx="0">
+            <a:schemeClr val="accent1"/>
+          </a:effectRef>
+          <a:fontRef idx="minor">
+            <a:schemeClr val="lt1"/>
+          </a:fontRef>
+        </p:style>
+        <p:txBody>
+          <a:bodyPr rtlCol="0" anchor="ctr"/>
+          <a:lstStyle/>
+          <a:p>
+            <a:pPr algn="ctr"/>
+            <a:endParaRPr lang="en-US" dirty="0"/>
+          </a:p>
+        </p:txBody>
+      </p:sp>
+      <mc:AlternateContent xmlns:mc="http://schemas.openxmlformats.org/markup-compatibility/2006" xmlns:a14="http://schemas.microsoft.com/office/drawing/2010/main">
+        <mc:Choice Requires="a14">
+          <p:sp>
+            <p:nvSpPr>
+              <p:cNvPr id="8" name="TextBox 7">
+                <a:extLst>
+                  <a:ext uri="{FF2B5EF4-FFF2-40B4-BE49-F238E27FC236}">
+                    <a16:creationId xmlns:a16="http://schemas.microsoft.com/office/drawing/2014/main" id="{5F365605-C52F-0002-3D4A-8B1235CFDE3E}"/>
+                  </a:ext>
+                </a:extLst>
+              </p:cNvPr>
+              <p:cNvSpPr txBox="1"/>
+              <p:nvPr/>
+            </p:nvSpPr>
+            <p:spPr>
+              <a:xfrm>
+                <a:off x="3808820" y="3429000"/>
+                <a:ext cx="2068387" cy="628057"/>
+              </a:xfrm>
+              <a:prstGeom prst="rect">
+                <a:avLst/>
+              </a:prstGeom>
+              <a:noFill/>
+            </p:spPr>
+            <p:txBody>
+              <a:bodyPr wrap="none" rtlCol="0">
+                <a:spAutoFit/>
+              </a:bodyPr>
+              <a:lstStyle/>
+              <a:p>
+                <a:pPr/>
+                <a14:m>
+                  <m:oMathPara xmlns:m="http://schemas.openxmlformats.org/officeDocument/2006/math">
+                    <m:oMathParaPr>
+                      <m:jc m:val="centerGroup"/>
+                    </m:oMathParaPr>
+                    <m:oMath xmlns:m="http://schemas.openxmlformats.org/officeDocument/2006/math">
+                      <m:r>
+                        <a:rPr lang="en-US" i="1">
+                          <a:latin typeface="Cambria Math" panose="02040503050406030204" pitchFamily="18" charset="0"/>
+                          <a:ea typeface="Cambria Math" panose="02040503050406030204" pitchFamily="18" charset="0"/>
+                        </a:rPr>
+                        <m:t>𝛽</m:t>
+                      </m:r>
+                      <m:r>
+                        <a:rPr lang="en-US" i="1">
+                          <a:latin typeface="Cambria Math" panose="02040503050406030204" pitchFamily="18" charset="0"/>
+                          <a:ea typeface="Cambria Math" panose="02040503050406030204" pitchFamily="18" charset="0"/>
+                        </a:rPr>
+                        <m:t>𝑆</m:t>
+                      </m:r>
+                      <m:d>
+                        <m:dPr>
+                          <m:ctrlPr>
+                            <a:rPr lang="en-US" i="1">
+                              <a:latin typeface="Cambria Math" panose="02040503050406030204" pitchFamily="18" charset="0"/>
+                              <a:ea typeface="Cambria Math" panose="02040503050406030204" pitchFamily="18" charset="0"/>
+                            </a:rPr>
+                          </m:ctrlPr>
+                        </m:dPr>
+                        <m:e>
+                          <m:r>
+                            <a:rPr lang="en-US" i="1">
+                              <a:latin typeface="Cambria Math" panose="02040503050406030204" pitchFamily="18" charset="0"/>
+                              <a:ea typeface="Cambria Math" panose="02040503050406030204" pitchFamily="18" charset="0"/>
+                            </a:rPr>
+                            <m:t>𝑡</m:t>
+                          </m:r>
+                        </m:e>
+                      </m:d>
+                      <m:f>
+                        <m:fPr>
+                          <m:ctrlPr>
+                            <a:rPr lang="en-US" i="1">
+                              <a:latin typeface="Cambria Math" panose="02040503050406030204" pitchFamily="18" charset="0"/>
+                              <a:ea typeface="Cambria Math" panose="02040503050406030204" pitchFamily="18" charset="0"/>
+                            </a:rPr>
+                          </m:ctrlPr>
+                        </m:fPr>
+                        <m:num>
+                          <m:r>
+                            <a:rPr lang="en-US" i="1">
+                              <a:latin typeface="Cambria Math" panose="02040503050406030204" pitchFamily="18" charset="0"/>
+                              <a:ea typeface="Cambria Math" panose="02040503050406030204" pitchFamily="18" charset="0"/>
+                            </a:rPr>
+                            <m:t>𝐼</m:t>
+                          </m:r>
+                          <m:d>
+                            <m:dPr>
+                              <m:ctrlPr>
+                                <a:rPr lang="en-US" i="1">
+                                  <a:latin typeface="Cambria Math" panose="02040503050406030204" pitchFamily="18" charset="0"/>
+                                  <a:ea typeface="Cambria Math" panose="02040503050406030204" pitchFamily="18" charset="0"/>
+                                </a:rPr>
+                              </m:ctrlPr>
+                            </m:dPr>
+                            <m:e>
+                              <m:r>
+                                <a:rPr lang="en-US" i="1">
+                                  <a:latin typeface="Cambria Math" panose="02040503050406030204" pitchFamily="18" charset="0"/>
+                                  <a:ea typeface="Cambria Math" panose="02040503050406030204" pitchFamily="18" charset="0"/>
+                                </a:rPr>
+                                <m:t>𝑡</m:t>
+                              </m:r>
+                            </m:e>
+                          </m:d>
+                        </m:num>
+                        <m:den>
+                          <m:r>
+                            <a:rPr lang="en-US" i="1">
+                              <a:latin typeface="Cambria Math" panose="02040503050406030204" pitchFamily="18" charset="0"/>
+                              <a:ea typeface="Cambria Math" panose="02040503050406030204" pitchFamily="18" charset="0"/>
+                            </a:rPr>
+                            <m:t>𝑁</m:t>
+                          </m:r>
+                        </m:den>
+                      </m:f>
+                      <m:r>
+                        <a:rPr lang="en-US" i="1">
+                          <a:latin typeface="Cambria Math" panose="02040503050406030204" pitchFamily="18" charset="0"/>
+                          <a:ea typeface="Cambria Math" panose="02040503050406030204" pitchFamily="18" charset="0"/>
+                        </a:rPr>
+                        <m:t>−</m:t>
+                      </m:r>
+                      <m:r>
+                        <a:rPr lang="en-US" i="1">
+                          <a:latin typeface="Cambria Math" panose="02040503050406030204" pitchFamily="18" charset="0"/>
+                          <a:ea typeface="Cambria Math" panose="02040503050406030204" pitchFamily="18" charset="0"/>
+                        </a:rPr>
+                        <m:t>𝜅</m:t>
+                      </m:r>
+                      <m:r>
+                        <a:rPr lang="en-US" i="1">
+                          <a:latin typeface="Cambria Math" panose="02040503050406030204" pitchFamily="18" charset="0"/>
+                          <a:ea typeface="Cambria Math" panose="02040503050406030204" pitchFamily="18" charset="0"/>
+                        </a:rPr>
+                        <m:t>𝐸</m:t>
+                      </m:r>
+                      <m:d>
+                        <m:dPr>
+                          <m:ctrlPr>
+                            <a:rPr lang="en-US" i="1">
+                              <a:latin typeface="Cambria Math" panose="02040503050406030204" pitchFamily="18" charset="0"/>
+                              <a:ea typeface="Cambria Math" panose="02040503050406030204" pitchFamily="18" charset="0"/>
+                            </a:rPr>
+                          </m:ctrlPr>
+                        </m:dPr>
+                        <m:e>
+                          <m:r>
+                            <a:rPr lang="en-US" i="1">
+                              <a:latin typeface="Cambria Math" panose="02040503050406030204" pitchFamily="18" charset="0"/>
+                              <a:ea typeface="Cambria Math" panose="02040503050406030204" pitchFamily="18" charset="0"/>
+                            </a:rPr>
+                            <m:t>𝑡</m:t>
+                          </m:r>
+                        </m:e>
+                      </m:d>
+                    </m:oMath>
+                  </m:oMathPara>
+                </a14:m>
+                <a:endParaRPr lang="en-US" dirty="0"/>
+              </a:p>
+            </p:txBody>
+          </p:sp>
+        </mc:Choice>
+        <mc:Fallback xmlns="">
+          <p:sp>
+            <p:nvSpPr>
+              <p:cNvPr id="8" name="TextBox 7">
+                <a:extLst>
+                  <a:ext uri="{FF2B5EF4-FFF2-40B4-BE49-F238E27FC236}">
+                    <a16:creationId xmlns:a16="http://schemas.microsoft.com/office/drawing/2014/main" id="{5F365605-C52F-0002-3D4A-8B1235CFDE3E}"/>
+                  </a:ext>
+                </a:extLst>
+              </p:cNvPr>
+              <p:cNvSpPr txBox="1">
+                <a:spLocks noRot="1" noChangeAspect="1" noMove="1" noResize="1" noEditPoints="1" noAdjustHandles="1" noChangeArrowheads="1" noChangeShapeType="1" noTextEdit="1"/>
+              </p:cNvSpPr>
+              <p:nvPr/>
+            </p:nvSpPr>
+            <p:spPr>
+              <a:xfrm>
+                <a:off x="3808820" y="3429000"/>
+                <a:ext cx="2068387" cy="628057"/>
+              </a:xfrm>
+              <a:prstGeom prst="rect">
+                <a:avLst/>
+              </a:prstGeom>
+              <a:blipFill>
+                <a:blip r:embed="rId6"/>
+                <a:stretch>
+                  <a:fillRect/>
+                </a:stretch>
+              </a:blipFill>
+            </p:spPr>
+            <p:txBody>
+              <a:bodyPr/>
+              <a:lstStyle/>
+              <a:p>
+                <a:r>
+                  <a:rPr lang="en-US">
+                    <a:noFill/>
+                  </a:rPr>
+                  <a:t> </a:t>
+                </a:r>
+              </a:p>
+            </p:txBody>
+          </p:sp>
+        </mc:Fallback>
+      </mc:AlternateContent>
+      <mc:AlternateContent xmlns:mc="http://schemas.openxmlformats.org/markup-compatibility/2006" xmlns:a14="http://schemas.microsoft.com/office/drawing/2010/main">
+        <mc:Choice Requires="a14">
+          <p:sp>
+            <p:nvSpPr>
+              <p:cNvPr id="9" name="TextBox 8">
+                <a:extLst>
+                  <a:ext uri="{FF2B5EF4-FFF2-40B4-BE49-F238E27FC236}">
+                    <a16:creationId xmlns:a16="http://schemas.microsoft.com/office/drawing/2014/main" id="{7B30E095-A36F-A9A0-F399-9E198DAB44FA}"/>
+                  </a:ext>
+                </a:extLst>
+              </p:cNvPr>
+              <p:cNvSpPr txBox="1"/>
+              <p:nvPr/>
+            </p:nvSpPr>
+            <p:spPr>
+              <a:xfrm>
+                <a:off x="6609135" y="3558362"/>
+                <a:ext cx="1597360" cy="369332"/>
+              </a:xfrm>
+              <a:prstGeom prst="rect">
+                <a:avLst/>
+              </a:prstGeom>
+              <a:noFill/>
+            </p:spPr>
+            <p:txBody>
+              <a:bodyPr wrap="none" rtlCol="0">
+                <a:spAutoFit/>
+              </a:bodyPr>
+              <a:lstStyle/>
+              <a:p>
+                <a:pPr/>
+                <a14:m>
+                  <m:oMathPara xmlns:m="http://schemas.openxmlformats.org/officeDocument/2006/math">
+                    <m:oMathParaPr>
+                      <m:jc m:val="centerGroup"/>
+                    </m:oMathParaPr>
+                    <m:oMath xmlns:m="http://schemas.openxmlformats.org/officeDocument/2006/math">
+                      <m:r>
+                        <a:rPr lang="en-US" i="1" smtClean="0">
+                          <a:latin typeface="Cambria Math" panose="02040503050406030204" pitchFamily="18" charset="0"/>
+                          <a:ea typeface="Cambria Math" panose="02040503050406030204" pitchFamily="18" charset="0"/>
+                        </a:rPr>
+                        <m:t>𝜅</m:t>
+                      </m:r>
+                      <m:r>
+                        <a:rPr lang="en-US" i="1" smtClean="0">
+                          <a:latin typeface="Cambria Math" panose="02040503050406030204" pitchFamily="18" charset="0"/>
+                          <a:ea typeface="Cambria Math" panose="02040503050406030204" pitchFamily="18" charset="0"/>
+                        </a:rPr>
+                        <m:t>𝐸</m:t>
+                      </m:r>
+                      <m:d>
+                        <m:dPr>
+                          <m:ctrlPr>
+                            <a:rPr lang="en-US" i="1">
+                              <a:latin typeface="Cambria Math" panose="02040503050406030204" pitchFamily="18" charset="0"/>
+                              <a:ea typeface="Cambria Math" panose="02040503050406030204" pitchFamily="18" charset="0"/>
+                            </a:rPr>
+                          </m:ctrlPr>
+                        </m:dPr>
+                        <m:e>
+                          <m:r>
+                            <a:rPr lang="en-US" i="1">
+                              <a:latin typeface="Cambria Math" panose="02040503050406030204" pitchFamily="18" charset="0"/>
+                              <a:ea typeface="Cambria Math" panose="02040503050406030204" pitchFamily="18" charset="0"/>
+                            </a:rPr>
+                            <m:t>𝑡</m:t>
+                          </m:r>
+                        </m:e>
+                      </m:d>
+                      <m:r>
+                        <a:rPr lang="en-US" i="1">
+                          <a:latin typeface="Cambria Math" panose="02040503050406030204" pitchFamily="18" charset="0"/>
+                          <a:ea typeface="Cambria Math" panose="02040503050406030204" pitchFamily="18" charset="0"/>
+                        </a:rPr>
+                        <m:t>−</m:t>
+                      </m:r>
+                      <m:r>
+                        <a:rPr lang="en-US" i="1">
+                          <a:latin typeface="Cambria Math" panose="02040503050406030204" pitchFamily="18" charset="0"/>
+                          <a:ea typeface="Cambria Math" panose="02040503050406030204" pitchFamily="18" charset="0"/>
+                        </a:rPr>
+                        <m:t>𝛾</m:t>
+                      </m:r>
+                      <m:r>
+                        <a:rPr lang="en-US" i="1">
+                          <a:latin typeface="Cambria Math" panose="02040503050406030204" pitchFamily="18" charset="0"/>
+                          <a:ea typeface="Cambria Math" panose="02040503050406030204" pitchFamily="18" charset="0"/>
+                        </a:rPr>
+                        <m:t>𝐼</m:t>
+                      </m:r>
+                      <m:d>
+                        <m:dPr>
+                          <m:ctrlPr>
+                            <a:rPr lang="en-US" i="1">
+                              <a:latin typeface="Cambria Math" panose="02040503050406030204" pitchFamily="18" charset="0"/>
+                              <a:ea typeface="Cambria Math" panose="02040503050406030204" pitchFamily="18" charset="0"/>
+                            </a:rPr>
+                          </m:ctrlPr>
+                        </m:dPr>
+                        <m:e>
+                          <m:r>
+                            <a:rPr lang="en-US" i="1">
+                              <a:latin typeface="Cambria Math" panose="02040503050406030204" pitchFamily="18" charset="0"/>
+                              <a:ea typeface="Cambria Math" panose="02040503050406030204" pitchFamily="18" charset="0"/>
+                            </a:rPr>
+                            <m:t>𝑡</m:t>
+                          </m:r>
+                        </m:e>
+                      </m:d>
+                    </m:oMath>
+                  </m:oMathPara>
+                </a14:m>
+                <a:endParaRPr lang="en-US" dirty="0"/>
+              </a:p>
+            </p:txBody>
+          </p:sp>
+        </mc:Choice>
+        <mc:Fallback xmlns="">
+          <p:sp>
+            <p:nvSpPr>
+              <p:cNvPr id="9" name="TextBox 8">
+                <a:extLst>
+                  <a:ext uri="{FF2B5EF4-FFF2-40B4-BE49-F238E27FC236}">
+                    <a16:creationId xmlns:a16="http://schemas.microsoft.com/office/drawing/2014/main" id="{7B30E095-A36F-A9A0-F399-9E198DAB44FA}"/>
+                  </a:ext>
+                </a:extLst>
+              </p:cNvPr>
+              <p:cNvSpPr txBox="1">
+                <a:spLocks noRot="1" noChangeAspect="1" noMove="1" noResize="1" noEditPoints="1" noAdjustHandles="1" noChangeArrowheads="1" noChangeShapeType="1" noTextEdit="1"/>
+              </p:cNvSpPr>
+              <p:nvPr/>
+            </p:nvSpPr>
+            <p:spPr>
+              <a:xfrm>
+                <a:off x="6609135" y="3558362"/>
+                <a:ext cx="1597360" cy="369332"/>
+              </a:xfrm>
+              <a:prstGeom prst="rect">
+                <a:avLst/>
+              </a:prstGeom>
+              <a:blipFill>
+                <a:blip r:embed="rId7"/>
+                <a:stretch>
+                  <a:fillRect b="-11667"/>
+                </a:stretch>
+              </a:blipFill>
+            </p:spPr>
+            <p:txBody>
+              <a:bodyPr/>
+              <a:lstStyle/>
+              <a:p>
+                <a:r>
+                  <a:rPr lang="en-US">
+                    <a:noFill/>
+                  </a:rPr>
+                  <a:t> </a:t>
+                </a:r>
+              </a:p>
+            </p:txBody>
+          </p:sp>
+        </mc:Fallback>
+      </mc:AlternateContent>
+      <mc:AlternateContent xmlns:mc="http://schemas.openxmlformats.org/markup-compatibility/2006" xmlns:a14="http://schemas.microsoft.com/office/drawing/2010/main">
+        <mc:Choice Requires="a14">
+          <p:sp>
+            <p:nvSpPr>
+              <p:cNvPr id="10" name="TextBox 9">
+                <a:extLst>
+                  <a:ext uri="{FF2B5EF4-FFF2-40B4-BE49-F238E27FC236}">
+                    <a16:creationId xmlns:a16="http://schemas.microsoft.com/office/drawing/2014/main" id="{16D6954C-B6C4-1BCA-5938-9EBF7D18A2DF}"/>
+                  </a:ext>
+                </a:extLst>
+              </p:cNvPr>
+              <p:cNvSpPr txBox="1"/>
+              <p:nvPr/>
+            </p:nvSpPr>
+            <p:spPr>
+              <a:xfrm>
+                <a:off x="9585575" y="3558362"/>
+                <a:ext cx="893135" cy="369332"/>
+              </a:xfrm>
+              <a:prstGeom prst="rect">
+                <a:avLst/>
+              </a:prstGeom>
+              <a:noFill/>
+            </p:spPr>
+            <p:txBody>
+              <a:bodyPr wrap="square">
+                <a:spAutoFit/>
+              </a:bodyPr>
+              <a:lstStyle/>
+              <a:p>
+                <a:pPr/>
+                <a14:m>
+                  <m:oMathPara xmlns:m="http://schemas.openxmlformats.org/officeDocument/2006/math">
+                    <m:oMathParaPr>
+                      <m:jc m:val="centerGroup"/>
+                    </m:oMathParaPr>
+                    <m:oMath xmlns:m="http://schemas.openxmlformats.org/officeDocument/2006/math">
+                      <m:r>
+                        <a:rPr lang="en-US" sz="1800" b="0" i="1" smtClean="0">
+                          <a:latin typeface="Cambria Math" panose="02040503050406030204" pitchFamily="18" charset="0"/>
+                          <a:ea typeface="Cambria Math" panose="02040503050406030204" pitchFamily="18" charset="0"/>
+                        </a:rPr>
+                        <m:t>𝛾</m:t>
+                      </m:r>
+                      <m:r>
+                        <a:rPr lang="en-US" sz="1800" b="0" i="1" smtClean="0">
+                          <a:latin typeface="Cambria Math" panose="02040503050406030204" pitchFamily="18" charset="0"/>
+                          <a:ea typeface="Cambria Math" panose="02040503050406030204" pitchFamily="18" charset="0"/>
+                        </a:rPr>
+                        <m:t>𝐼</m:t>
+                      </m:r>
+                      <m:d>
+                        <m:dPr>
+                          <m:ctrlPr>
+                            <a:rPr lang="en-US" sz="1800" b="0" i="1" smtClean="0">
+                              <a:latin typeface="Cambria Math" panose="02040503050406030204" pitchFamily="18" charset="0"/>
+                              <a:ea typeface="Cambria Math" panose="02040503050406030204" pitchFamily="18" charset="0"/>
+                            </a:rPr>
+                          </m:ctrlPr>
+                        </m:dPr>
+                        <m:e>
+                          <m:r>
+                            <a:rPr lang="en-US" sz="1800" b="0" i="1" smtClean="0">
+                              <a:latin typeface="Cambria Math" panose="02040503050406030204" pitchFamily="18" charset="0"/>
+                              <a:ea typeface="Cambria Math" panose="02040503050406030204" pitchFamily="18" charset="0"/>
+                            </a:rPr>
+                            <m:t>𝑡</m:t>
+                          </m:r>
+                        </m:e>
+                      </m:d>
+                    </m:oMath>
+                  </m:oMathPara>
+                </a14:m>
+                <a:endParaRPr lang="en-US" dirty="0"/>
+              </a:p>
+            </p:txBody>
+          </p:sp>
+        </mc:Choice>
+        <mc:Fallback xmlns="">
+          <p:sp>
+            <p:nvSpPr>
+              <p:cNvPr id="10" name="TextBox 9">
+                <a:extLst>
+                  <a:ext uri="{FF2B5EF4-FFF2-40B4-BE49-F238E27FC236}">
+                    <a16:creationId xmlns:a16="http://schemas.microsoft.com/office/drawing/2014/main" id="{16D6954C-B6C4-1BCA-5938-9EBF7D18A2DF}"/>
+                  </a:ext>
+                </a:extLst>
+              </p:cNvPr>
+              <p:cNvSpPr txBox="1">
+                <a:spLocks noRot="1" noChangeAspect="1" noMove="1" noResize="1" noEditPoints="1" noAdjustHandles="1" noChangeArrowheads="1" noChangeShapeType="1" noTextEdit="1"/>
+              </p:cNvSpPr>
+              <p:nvPr/>
+            </p:nvSpPr>
+            <p:spPr>
+              <a:xfrm>
+                <a:off x="9585575" y="3558362"/>
+                <a:ext cx="893135" cy="369332"/>
+              </a:xfrm>
+              <a:prstGeom prst="rect">
+                <a:avLst/>
+              </a:prstGeom>
+              <a:blipFill>
+                <a:blip r:embed="rId8"/>
+                <a:stretch>
+                  <a:fillRect b="-11667"/>
+                </a:stretch>
+              </a:blipFill>
+            </p:spPr>
+            <p:txBody>
+              <a:bodyPr/>
+              <a:lstStyle/>
+              <a:p>
+                <a:r>
+                  <a:rPr lang="en-US">
+                    <a:noFill/>
+                  </a:rPr>
+                  <a:t> </a:t>
+                </a:r>
+              </a:p>
+            </p:txBody>
+          </p:sp>
+        </mc:Fallback>
+      </mc:AlternateContent>
+      <p:sp>
+        <p:nvSpPr>
+          <p:cNvPr id="11" name="Rectangle 10">
+            <a:extLst>
+              <a:ext uri="{FF2B5EF4-FFF2-40B4-BE49-F238E27FC236}">
+                <a16:creationId xmlns:a16="http://schemas.microsoft.com/office/drawing/2014/main" id="{2BCBEE90-1D99-DA88-3D79-99221832D6BB}"/>
+              </a:ext>
+            </a:extLst>
+          </p:cNvPr>
+          <p:cNvSpPr/>
+          <p:nvPr/>
+        </p:nvSpPr>
+        <p:spPr>
+          <a:xfrm>
+            <a:off x="985138" y="1549189"/>
+            <a:ext cx="2304288" cy="1761946"/>
+          </a:xfrm>
+          <a:prstGeom prst="rect">
+            <a:avLst/>
+          </a:prstGeom>
+          <a:solidFill>
+            <a:schemeClr val="accent1">
+              <a:lumMod val="20000"/>
+              <a:lumOff val="80000"/>
+            </a:schemeClr>
+          </a:solidFill>
+          <a:ln w="38100">
+            <a:solidFill>
+              <a:schemeClr val="tx1"/>
+            </a:solidFill>
+          </a:ln>
+        </p:spPr>
+        <p:style>
+          <a:lnRef idx="2">
+            <a:schemeClr val="accent1">
+              <a:shade val="15000"/>
+            </a:schemeClr>
+          </a:lnRef>
+          <a:fillRef idx="1">
+            <a:schemeClr val="accent1"/>
+          </a:fillRef>
+          <a:effectRef idx="0">
+            <a:schemeClr val="accent1"/>
+          </a:effectRef>
+          <a:fontRef idx="minor">
+            <a:schemeClr val="lt1"/>
+          </a:fontRef>
+        </p:style>
+        <p:txBody>
+          <a:bodyPr rtlCol="0" anchor="ctr"/>
+          <a:lstStyle/>
+          <a:p>
+            <a:pPr algn="ctr"/>
+            <a:r>
+              <a:rPr lang="en-US" sz="3500" b="1" dirty="0">
+                <a:solidFill>
+                  <a:schemeClr val="tx1"/>
+                </a:solidFill>
+                <a:latin typeface="Arial" panose="020B0604020202020204" pitchFamily="34" charset="0"/>
+                <a:cs typeface="Arial" panose="020B0604020202020204" pitchFamily="34" charset="0"/>
+              </a:rPr>
+              <a:t>S</a:t>
+            </a:r>
+          </a:p>
+        </p:txBody>
+      </p:sp>
+      <p:sp>
+        <p:nvSpPr>
+          <p:cNvPr id="12" name="Rectangle 11">
+            <a:extLst>
+              <a:ext uri="{FF2B5EF4-FFF2-40B4-BE49-F238E27FC236}">
+                <a16:creationId xmlns:a16="http://schemas.microsoft.com/office/drawing/2014/main" id="{45F6AE61-909B-21CD-D5BF-547B09F5A038}"/>
+              </a:ext>
+            </a:extLst>
+          </p:cNvPr>
+          <p:cNvSpPr/>
+          <p:nvPr/>
+        </p:nvSpPr>
+        <p:spPr>
+          <a:xfrm>
+            <a:off x="3644279" y="1524413"/>
+            <a:ext cx="2304288" cy="1761946"/>
+          </a:xfrm>
+          <a:prstGeom prst="rect">
+            <a:avLst/>
+          </a:prstGeom>
+          <a:solidFill>
+            <a:schemeClr val="accent5">
+              <a:lumMod val="20000"/>
+              <a:lumOff val="80000"/>
+            </a:schemeClr>
+          </a:solidFill>
+          <a:ln w="38100">
+            <a:solidFill>
+              <a:schemeClr val="tx1"/>
+            </a:solidFill>
+          </a:ln>
+        </p:spPr>
+        <p:style>
+          <a:lnRef idx="2">
+            <a:schemeClr val="accent1">
+              <a:shade val="15000"/>
+            </a:schemeClr>
+          </a:lnRef>
+          <a:fillRef idx="1">
+            <a:schemeClr val="accent1"/>
+          </a:fillRef>
+          <a:effectRef idx="0">
+            <a:schemeClr val="accent1"/>
+          </a:effectRef>
+          <a:fontRef idx="minor">
+            <a:schemeClr val="lt1"/>
+          </a:fontRef>
+        </p:style>
+        <p:txBody>
+          <a:bodyPr rtlCol="0" anchor="ctr"/>
+          <a:lstStyle/>
+          <a:p>
+            <a:pPr algn="ctr"/>
+            <a:r>
+              <a:rPr lang="en-US" sz="3500" b="1" dirty="0">
+                <a:solidFill>
+                  <a:schemeClr val="tx1"/>
+                </a:solidFill>
+                <a:latin typeface="Arial" panose="020B0604020202020204" pitchFamily="34" charset="0"/>
+                <a:cs typeface="Arial" panose="020B0604020202020204" pitchFamily="34" charset="0"/>
+              </a:rPr>
+              <a:t>E</a:t>
+            </a:r>
+          </a:p>
+        </p:txBody>
+      </p:sp>
+      <p:sp>
+        <p:nvSpPr>
+          <p:cNvPr id="13" name="Rectangle 12">
+            <a:extLst>
+              <a:ext uri="{FF2B5EF4-FFF2-40B4-BE49-F238E27FC236}">
+                <a16:creationId xmlns:a16="http://schemas.microsoft.com/office/drawing/2014/main" id="{4D30D1BA-8FF8-B374-1377-8CE9C295B754}"/>
+              </a:ext>
+            </a:extLst>
+          </p:cNvPr>
+          <p:cNvSpPr/>
+          <p:nvPr/>
+        </p:nvSpPr>
+        <p:spPr>
+          <a:xfrm>
+            <a:off x="6255671" y="1524413"/>
+            <a:ext cx="2304288" cy="1761946"/>
+          </a:xfrm>
+          <a:prstGeom prst="rect">
+            <a:avLst/>
+          </a:prstGeom>
+          <a:solidFill>
+            <a:schemeClr val="bg1">
+              <a:lumMod val="95000"/>
+            </a:schemeClr>
+          </a:solidFill>
+          <a:ln w="38100">
+            <a:solidFill>
+              <a:schemeClr val="tx1"/>
+            </a:solidFill>
+          </a:ln>
+        </p:spPr>
+        <p:style>
+          <a:lnRef idx="2">
+            <a:schemeClr val="accent1">
+              <a:shade val="15000"/>
+            </a:schemeClr>
+          </a:lnRef>
+          <a:fillRef idx="1">
+            <a:schemeClr val="accent1"/>
+          </a:fillRef>
+          <a:effectRef idx="0">
+            <a:schemeClr val="accent1"/>
+          </a:effectRef>
+          <a:fontRef idx="minor">
+            <a:schemeClr val="lt1"/>
+          </a:fontRef>
+        </p:style>
+        <p:txBody>
+          <a:bodyPr rtlCol="0" anchor="ctr"/>
+          <a:lstStyle/>
+          <a:p>
+            <a:pPr algn="ctr"/>
+            <a:r>
+              <a:rPr lang="en-US" sz="3500" b="1" dirty="0">
+                <a:solidFill>
+                  <a:schemeClr val="tx1"/>
+                </a:solidFill>
+                <a:latin typeface="Arial" panose="020B0604020202020204" pitchFamily="34" charset="0"/>
+                <a:cs typeface="Arial" panose="020B0604020202020204" pitchFamily="34" charset="0"/>
+              </a:rPr>
+              <a:t>I</a:t>
+            </a:r>
+          </a:p>
+        </p:txBody>
+      </p:sp>
+      <p:sp>
+        <p:nvSpPr>
+          <p:cNvPr id="14" name="Rectangle 13">
+            <a:extLst>
+              <a:ext uri="{FF2B5EF4-FFF2-40B4-BE49-F238E27FC236}">
+                <a16:creationId xmlns:a16="http://schemas.microsoft.com/office/drawing/2014/main" id="{556748A6-2C3C-9E2C-74B1-B57931B0D37E}"/>
+              </a:ext>
+            </a:extLst>
+          </p:cNvPr>
+          <p:cNvSpPr/>
+          <p:nvPr/>
+        </p:nvSpPr>
+        <p:spPr>
+          <a:xfrm>
+            <a:off x="8867063" y="1524413"/>
+            <a:ext cx="2304288" cy="1761946"/>
+          </a:xfrm>
+          <a:prstGeom prst="rect">
+            <a:avLst/>
+          </a:prstGeom>
+          <a:solidFill>
+            <a:schemeClr val="accent6">
+              <a:lumMod val="20000"/>
+              <a:lumOff val="80000"/>
+            </a:schemeClr>
+          </a:solidFill>
+          <a:ln w="38100">
+            <a:solidFill>
+              <a:schemeClr val="tx1"/>
+            </a:solidFill>
+          </a:ln>
+        </p:spPr>
+        <p:style>
+          <a:lnRef idx="2">
+            <a:schemeClr val="accent1">
+              <a:shade val="15000"/>
+            </a:schemeClr>
+          </a:lnRef>
+          <a:fillRef idx="1">
+            <a:schemeClr val="accent1"/>
+          </a:fillRef>
+          <a:effectRef idx="0">
+            <a:schemeClr val="accent1"/>
+          </a:effectRef>
+          <a:fontRef idx="minor">
+            <a:schemeClr val="lt1"/>
+          </a:fontRef>
+        </p:style>
+        <p:txBody>
+          <a:bodyPr rtlCol="0" anchor="ctr"/>
+          <a:lstStyle/>
+          <a:p>
+            <a:pPr algn="ctr"/>
+            <a:r>
+              <a:rPr lang="en-US" sz="3500" b="1" dirty="0">
+                <a:solidFill>
+                  <a:schemeClr val="tx1"/>
+                </a:solidFill>
+                <a:latin typeface="Arial" panose="020B0604020202020204" pitchFamily="34" charset="0"/>
+                <a:cs typeface="Arial" panose="020B0604020202020204" pitchFamily="34" charset="0"/>
+              </a:rPr>
+              <a:t>R</a:t>
+            </a:r>
+          </a:p>
+        </p:txBody>
+      </p:sp>
+      <p:cxnSp>
+        <p:nvCxnSpPr>
+          <p:cNvPr id="15" name="Straight Arrow Connector 14">
+            <a:extLst>
+              <a:ext uri="{FF2B5EF4-FFF2-40B4-BE49-F238E27FC236}">
+                <a16:creationId xmlns:a16="http://schemas.microsoft.com/office/drawing/2014/main" id="{1C53E173-C6BB-17B7-CAAA-61DEA0F5CB5E}"/>
+              </a:ext>
+            </a:extLst>
+          </p:cNvPr>
+          <p:cNvCxnSpPr>
+            <a:stCxn id="11" idx="3"/>
+            <a:endCxn id="12" idx="1"/>
+          </p:cNvCxnSpPr>
+          <p:nvPr/>
+        </p:nvCxnSpPr>
+        <p:spPr>
+          <a:xfrm flipV="1">
+            <a:off x="3289426" y="2405386"/>
+            <a:ext cx="354853" cy="0"/>
+          </a:xfrm>
+          <a:prstGeom prst="straightConnector1">
+            <a:avLst/>
+          </a:prstGeom>
+          <a:ln w="12700">
+            <a:tailEnd type="triangle"/>
+          </a:ln>
+        </p:spPr>
+        <p:style>
+          <a:lnRef idx="1">
+            <a:schemeClr val="dk1"/>
+          </a:lnRef>
+          <a:fillRef idx="0">
+            <a:schemeClr val="dk1"/>
+          </a:fillRef>
+          <a:effectRef idx="0">
+            <a:schemeClr val="dk1"/>
+          </a:effectRef>
+          <a:fontRef idx="minor">
+            <a:schemeClr val="tx1"/>
+          </a:fontRef>
+        </p:style>
+      </p:cxnSp>
+      <p:cxnSp>
+        <p:nvCxnSpPr>
+          <p:cNvPr id="16" name="Straight Arrow Connector 15">
+            <a:extLst>
+              <a:ext uri="{FF2B5EF4-FFF2-40B4-BE49-F238E27FC236}">
+                <a16:creationId xmlns:a16="http://schemas.microsoft.com/office/drawing/2014/main" id="{FBE39C49-46E1-1B78-1A62-A089022C03E5}"/>
+              </a:ext>
+            </a:extLst>
+          </p:cNvPr>
+          <p:cNvCxnSpPr>
+            <a:stCxn id="12" idx="3"/>
+            <a:endCxn id="13" idx="1"/>
+          </p:cNvCxnSpPr>
+          <p:nvPr/>
+        </p:nvCxnSpPr>
+        <p:spPr>
+          <a:xfrm>
+            <a:off x="5948567" y="2405386"/>
+            <a:ext cx="307104" cy="0"/>
+          </a:xfrm>
+          <a:prstGeom prst="straightConnector1">
+            <a:avLst/>
+          </a:prstGeom>
+          <a:ln w="12700">
+            <a:tailEnd type="triangle"/>
+          </a:ln>
+        </p:spPr>
+        <p:style>
+          <a:lnRef idx="1">
+            <a:schemeClr val="dk1"/>
+          </a:lnRef>
+          <a:fillRef idx="0">
+            <a:schemeClr val="dk1"/>
+          </a:fillRef>
+          <a:effectRef idx="0">
+            <a:schemeClr val="dk1"/>
+          </a:effectRef>
+          <a:fontRef idx="minor">
+            <a:schemeClr val="tx1"/>
+          </a:fontRef>
+        </p:style>
+      </p:cxnSp>
+      <p:cxnSp>
+        <p:nvCxnSpPr>
+          <p:cNvPr id="17" name="Straight Arrow Connector 16">
+            <a:extLst>
+              <a:ext uri="{FF2B5EF4-FFF2-40B4-BE49-F238E27FC236}">
+                <a16:creationId xmlns:a16="http://schemas.microsoft.com/office/drawing/2014/main" id="{68B41E0C-6D3F-F8F1-1DD3-AB3E36E82578}"/>
+              </a:ext>
+            </a:extLst>
+          </p:cNvPr>
+          <p:cNvCxnSpPr>
+            <a:stCxn id="13" idx="3"/>
+            <a:endCxn id="14" idx="1"/>
+          </p:cNvCxnSpPr>
+          <p:nvPr/>
+        </p:nvCxnSpPr>
+        <p:spPr>
+          <a:xfrm>
+            <a:off x="8559959" y="2405386"/>
+            <a:ext cx="307104" cy="0"/>
+          </a:xfrm>
+          <a:prstGeom prst="straightConnector1">
+            <a:avLst/>
+          </a:prstGeom>
+          <a:ln w="19050">
+            <a:tailEnd type="triangle"/>
+          </a:ln>
+        </p:spPr>
+        <p:style>
+          <a:lnRef idx="1">
+            <a:schemeClr val="dk1"/>
+          </a:lnRef>
+          <a:fillRef idx="0">
+            <a:schemeClr val="dk1"/>
+          </a:fillRef>
+          <a:effectRef idx="0">
+            <a:schemeClr val="dk1"/>
+          </a:effectRef>
+          <a:fontRef idx="minor">
+            <a:schemeClr val="tx1"/>
+          </a:fontRef>
+        </p:style>
+      </p:cxnSp>
       <p:cxnSp>
         <p:nvCxnSpPr>
           <p:cNvPr id="18" name="Straight Arrow Connector 17">
             <a:extLst>
               <a:ext uri="{FF2B5EF4-FFF2-40B4-BE49-F238E27FC236}">
-                <a16:creationId xmlns:a16="http://schemas.microsoft.com/office/drawing/2014/main" id="{30D98E9F-2A18-B9AD-EBC4-04B30D8D7BE6}"/>
+                <a16:creationId xmlns:a16="http://schemas.microsoft.com/office/drawing/2014/main" id="{594A1214-1AAB-FD35-CCF0-9D56CE5A5C11}"/>
               </a:ext>
             </a:extLst>
           </p:cNvPr>
           <p:cNvCxnSpPr>
-            <a:stCxn id="2" idx="3"/>
-            <a:endCxn id="3" idx="1"/>
+            <a:stCxn id="4" idx="3"/>
+            <a:endCxn id="5" idx="1"/>
           </p:cNvCxnSpPr>
           <p:nvPr/>
         </p:nvCxnSpPr>
         <p:spPr>
-          <a:xfrm flipV="1">
-            <a:off x="4295251" y="4168006"/>
-            <a:ext cx="767504" cy="1"/>
+          <a:xfrm>
+            <a:off x="3230321" y="3744468"/>
+            <a:ext cx="479758" cy="0"/>
           </a:xfrm>
           <a:prstGeom prst="straightConnector1">
             <a:avLst/>
           </a:prstGeom>
-          <a:ln w="28575">
+          <a:ln w="12700">
             <a:tailEnd type="triangle"/>
           </a:ln>
         </p:spPr>
         <p:style>
-          <a:lnRef idx="2">
+          <a:lnRef idx="1">
             <a:schemeClr val="dk1"/>
           </a:lnRef>
           <a:fillRef idx="0">
             <a:schemeClr val="dk1"/>
           </a:fillRef>
-          <a:effectRef idx="1">
+          <a:effectRef idx="0">
             <a:schemeClr val="dk1"/>
           </a:effectRef>
           <a:fontRef idx="minor">
@@ -8498,33 +8275,39 @@
           <p:cNvPr id="19" name="Straight Arrow Connector 18">
             <a:extLst>
               <a:ext uri="{FF2B5EF4-FFF2-40B4-BE49-F238E27FC236}">
-                <a16:creationId xmlns:a16="http://schemas.microsoft.com/office/drawing/2014/main" id="{E2B6105E-4065-7E55-799F-EF0B0CFA6730}"/>
+                <a16:creationId xmlns:a16="http://schemas.microsoft.com/office/drawing/2014/main" id="{E9D5A460-B2E7-ED25-9795-1B1854E29B5C}"/>
               </a:ext>
             </a:extLst>
           </p:cNvPr>
-          <p:cNvCxnSpPr/>
+          <p:cNvCxnSpPr>
+            <a:stCxn id="5" idx="3"/>
+            <a:endCxn id="6" idx="1"/>
+          </p:cNvCxnSpPr>
           <p:nvPr/>
         </p:nvCxnSpPr>
         <p:spPr>
-          <a:xfrm flipV="1">
-            <a:off x="7221843" y="4171181"/>
-            <a:ext cx="767504" cy="1"/>
+          <a:xfrm>
+            <a:off x="5877207" y="3744468"/>
+            <a:ext cx="447044" cy="0"/>
           </a:xfrm>
           <a:prstGeom prst="straightConnector1">
             <a:avLst/>
           </a:prstGeom>
-          <a:ln w="28575">
+          <a:ln>
+            <a:solidFill>
+              <a:schemeClr val="tx1"/>
+            </a:solidFill>
             <a:tailEnd type="triangle"/>
           </a:ln>
         </p:spPr>
         <p:style>
-          <a:lnRef idx="2">
+          <a:lnRef idx="1">
             <a:schemeClr val="dk1"/>
           </a:lnRef>
           <a:fillRef idx="0">
             <a:schemeClr val="dk1"/>
           </a:fillRef>
-          <a:effectRef idx="1">
+          <a:effectRef idx="0">
             <a:schemeClr val="dk1"/>
           </a:effectRef>
           <a:fontRef idx="minor">
@@ -8532,48 +8315,55 @@
           </a:fontRef>
         </p:style>
       </p:cxnSp>
-      <p:sp>
-        <p:nvSpPr>
-          <p:cNvPr id="6" name="Title 1">
+      <p:cxnSp>
+        <p:nvCxnSpPr>
+          <p:cNvPr id="20" name="Straight Arrow Connector 19">
             <a:extLst>
               <a:ext uri="{FF2B5EF4-FFF2-40B4-BE49-F238E27FC236}">
-                <a16:creationId xmlns:a16="http://schemas.microsoft.com/office/drawing/2014/main" id="{6AAB6878-C5F8-ED5D-E0DE-C68A95CA8F51}"/>
+                <a16:creationId xmlns:a16="http://schemas.microsoft.com/office/drawing/2014/main" id="{AFE4D5B6-18D8-F3FF-CC1B-91626F7DD056}"/>
               </a:ext>
             </a:extLst>
           </p:cNvPr>
-          <p:cNvSpPr>
-            <a:spLocks noGrp="1"/>
-          </p:cNvSpPr>
-          <p:nvPr>
-            <p:ph type="title"/>
-          </p:nvPr>
-        </p:nvSpPr>
+          <p:cNvCxnSpPr>
+            <a:stCxn id="6" idx="3"/>
+            <a:endCxn id="7" idx="1"/>
+          </p:cNvCxnSpPr>
+          <p:nvPr/>
+        </p:nvCxnSpPr>
         <p:spPr>
           <a:xfrm>
-            <a:off x="1097280" y="286603"/>
-            <a:ext cx="10058400" cy="1450757"/>
+            <a:off x="8491379" y="3744468"/>
+            <a:ext cx="457200" cy="0"/>
           </a:xfrm>
+          <a:prstGeom prst="straightConnector1">
+            <a:avLst/>
+          </a:prstGeom>
+          <a:ln w="12700">
+            <a:tailEnd type="triangle"/>
+          </a:ln>
         </p:spPr>
-        <p:txBody>
-          <a:bodyPr>
-            <a:normAutofit/>
-          </a:bodyPr>
-          <a:lstStyle/>
-          <a:p>
-            <a:r>
-              <a:rPr lang="en-US" sz="4500" dirty="0">
-                <a:latin typeface="Arial" panose="020B0604020202020204" pitchFamily="34" charset="0"/>
-                <a:cs typeface="Arial" panose="020B0604020202020204" pitchFamily="34" charset="0"/>
-              </a:rPr>
-              <a:t>Our Model: SIR</a:t>
-            </a:r>
-          </a:p>
-        </p:txBody>
-      </p:sp>
+        <p:style>
+          <a:lnRef idx="1">
+            <a:schemeClr val="dk1"/>
+          </a:lnRef>
+          <a:fillRef idx="0">
+            <a:schemeClr val="dk1"/>
+          </a:fillRef>
+          <a:effectRef idx="0">
+            <a:schemeClr val="dk1"/>
+          </a:effectRef>
+          <a:fontRef idx="minor">
+            <a:schemeClr val="tx1"/>
+          </a:fontRef>
+        </p:style>
+      </p:cxnSp>
     </p:spTree>
+    <p:custDataLst>
+      <p:tags r:id="rId1"/>
+    </p:custDataLst>
     <p:extLst>
       <p:ext uri="{BB962C8B-B14F-4D97-AF65-F5344CB8AC3E}">
-        <p14:creationId xmlns:p14="http://schemas.microsoft.com/office/powerpoint/2010/main" val="2540268450"/>
+        <p14:creationId xmlns:p14="http://schemas.microsoft.com/office/powerpoint/2010/main" val="52277580"/>
       </p:ext>
     </p:extLst>
   </p:cSld>
@@ -8616,7 +8406,12 @@
             <p:ph type="title"/>
           </p:nvPr>
         </p:nvSpPr>
-        <p:spPr/>
+        <p:spPr>
+          <a:xfrm>
+            <a:off x="1066800" y="260997"/>
+            <a:ext cx="10058400" cy="1450757"/>
+          </a:xfrm>
+        </p:spPr>
         <p:txBody>
           <a:bodyPr>
             <a:normAutofit/>
@@ -8633,8 +8428,8 @@
           </a:p>
         </p:txBody>
       </p:sp>
-      <mc:AlternateContent xmlns:mc="http://schemas.openxmlformats.org/markup-compatibility/2006" xmlns:a14="http://schemas.microsoft.com/office/drawing/2010/main">
-        <mc:Choice Requires="a14">
+      <mc:AlternateContent xmlns:mc="http://schemas.openxmlformats.org/markup-compatibility/2006">
+        <mc:Choice xmlns:a14="http://schemas.microsoft.com/office/drawing/2010/main" Requires="a14">
           <p:graphicFrame>
             <p:nvGraphicFramePr>
               <p:cNvPr id="4" name="Table 3">
@@ -8647,11 +8442,17 @@
               <p:cNvGraphicFramePr>
                 <a:graphicFrameLocks noGrp="1"/>
               </p:cNvGraphicFramePr>
-              <p:nvPr/>
+              <p:nvPr>
+                <p:extLst>
+                  <p:ext uri="{D42A27DB-BD31-4B8C-83A1-F6EECF244321}">
+                    <p14:modId xmlns:p14="http://schemas.microsoft.com/office/powerpoint/2010/main" val="1026552061"/>
+                  </p:ext>
+                </p:extLst>
+              </p:nvPr>
             </p:nvGraphicFramePr>
             <p:xfrm>
-              <a:off x="815050" y="1876584"/>
-              <a:ext cx="10561900" cy="4321666"/>
+              <a:off x="815050" y="2139038"/>
+              <a:ext cx="10561900" cy="3287471"/>
             </p:xfrm>
             <a:graphic>
               <a:graphicData uri="http://schemas.openxmlformats.org/drawingml/2006/table">
@@ -8859,7 +8660,7 @@
                               <a:latin typeface="Arial" panose="020B0604020202020204" pitchFamily="34" charset="0"/>
                               <a:cs typeface="Arial" panose="020B0604020202020204" pitchFamily="34" charset="0"/>
                             </a:rPr>
-                            <a:t>0.06</a:t>
+                            <a:t>6.59</a:t>
                           </a:r>
                         </a:p>
                       </a:txBody>
@@ -8876,7 +8677,7 @@
                               <a:latin typeface="Arial" panose="020B0604020202020204" pitchFamily="34" charset="0"/>
                               <a:cs typeface="Arial" panose="020B0604020202020204" pitchFamily="34" charset="0"/>
                             </a:rPr>
-                            <a:t>0.01</a:t>
+                            <a:t>0.001</a:t>
                           </a:r>
                         </a:p>
                       </a:txBody>
@@ -9088,6 +8889,112 @@
                               </m:oMathParaPr>
                               <m:oMath xmlns:m="http://schemas.openxmlformats.org/officeDocument/2006/math">
                                 <m:r>
+                                  <a:rPr lang="en-US" sz="2000" i="1" smtClean="0">
+                                    <a:latin typeface="Cambria Math" panose="02040503050406030204" pitchFamily="18" charset="0"/>
+                                    <a:ea typeface="Cambria Math" panose="02040503050406030204" pitchFamily="18" charset="0"/>
+                                    <a:cs typeface="Arial" panose="020B0604020202020204" pitchFamily="34" charset="0"/>
+                                  </a:rPr>
+                                  <m:t>𝜅</m:t>
+                                </m:r>
+                              </m:oMath>
+                            </m:oMathPara>
+                          </a14:m>
+                          <a:endParaRPr lang="en-US" sz="2000" dirty="0">
+                            <a:latin typeface="Arial" panose="020B0604020202020204" pitchFamily="34" charset="0"/>
+                            <a:cs typeface="Arial" panose="020B0604020202020204" pitchFamily="34" charset="0"/>
+                          </a:endParaRPr>
+                        </a:p>
+                      </a:txBody>
+                      <a:tcPr/>
+                    </a:tc>
+                    <a:tc>
+                      <a:txBody>
+                        <a:bodyPr/>
+                        <a:lstStyle/>
+                        <a:p>
+                          <a:pPr algn="ctr"/>
+                          <a:r>
+                            <a:rPr lang="en-US" sz="2000" dirty="0">
+                              <a:latin typeface="Arial" panose="020B0604020202020204" pitchFamily="34" charset="0"/>
+                              <a:cs typeface="Arial" panose="020B0604020202020204" pitchFamily="34" charset="0"/>
+                            </a:rPr>
+                            <a:t>0.526</a:t>
+                          </a:r>
+                        </a:p>
+                      </a:txBody>
+                      <a:tcPr anchor="ctr"/>
+                    </a:tc>
+                    <a:tc>
+                      <a:txBody>
+                        <a:bodyPr/>
+                        <a:lstStyle/>
+                        <a:p>
+                          <a:pPr algn="ctr"/>
+                          <a:r>
+                            <a:rPr lang="en-US" sz="2000" dirty="0">
+                              <a:latin typeface="Arial" panose="020B0604020202020204" pitchFamily="34" charset="0"/>
+                              <a:cs typeface="Arial" panose="020B0604020202020204" pitchFamily="34" charset="0"/>
+                            </a:rPr>
+                            <a:t>0.526</a:t>
+                          </a:r>
+                        </a:p>
+                      </a:txBody>
+                      <a:tcPr anchor="ctr"/>
+                    </a:tc>
+                    <a:tc>
+                      <a:txBody>
+                        <a:bodyPr/>
+                        <a:lstStyle/>
+                        <a:p>
+                          <a:pPr algn="ctr"/>
+                          <a:r>
+                            <a:rPr lang="en-US" sz="2000" dirty="0">
+                              <a:latin typeface="Arial" panose="020B0604020202020204" pitchFamily="34" charset="0"/>
+                              <a:cs typeface="Arial" panose="020B0604020202020204" pitchFamily="34" charset="0"/>
+                            </a:rPr>
+                            <a:t>0.526</a:t>
+                          </a:r>
+                        </a:p>
+                      </a:txBody>
+                      <a:tcPr anchor="ctr"/>
+                    </a:tc>
+                    <a:tc>
+                      <a:txBody>
+                        <a:bodyPr/>
+                        <a:lstStyle/>
+                        <a:p>
+                          <a:pPr algn="ctr"/>
+                          <a:r>
+                            <a:rPr lang="en-US" sz="2000" dirty="0">
+                              <a:latin typeface="Arial" panose="020B0604020202020204" pitchFamily="34" charset="0"/>
+                              <a:cs typeface="Arial" panose="020B0604020202020204" pitchFamily="34" charset="0"/>
+                            </a:rPr>
+                            <a:t>Yes</a:t>
+                          </a:r>
+                        </a:p>
+                      </a:txBody>
+                      <a:tcPr anchor="ctr"/>
+                    </a:tc>
+                    <a:extLst>
+                      <a:ext uri="{0D108BD9-81ED-4DB2-BD59-A6C34878D82A}">
+                        <a16:rowId xmlns:a16="http://schemas.microsoft.com/office/drawing/2014/main" val="3682452341"/>
+                      </a:ext>
+                    </a:extLst>
+                  </a:tr>
+                  <a:tr h="421767">
+                    <a:tc>
+                      <a:txBody>
+                        <a:bodyPr/>
+                        <a:lstStyle/>
+                        <a:p>
+                          <a:pPr/>
+                          <a14:m>
+                            <m:oMathPara xmlns:m="http://schemas.openxmlformats.org/officeDocument/2006/math">
+                              <m:oMathParaPr>
+                                <m:jc m:val="centerGroup"/>
+                              </m:oMathParaPr>
+                              <m:oMath xmlns:m="http://schemas.openxmlformats.org/officeDocument/2006/math">
+                                <m:r>
                                   <a:rPr lang="en-US" sz="2000" smtClean="0">
                                     <a:latin typeface="Cambria Math" panose="02040503050406030204" pitchFamily="18" charset="0"/>
                                   </a:rPr>
@@ -9115,7 +9022,7 @@
                               <a:latin typeface="Arial" panose="020B0604020202020204" pitchFamily="34" charset="0"/>
                               <a:cs typeface="Arial" panose="020B0604020202020204" pitchFamily="34" charset="0"/>
                             </a:rPr>
-                            <a:t>0.2439 (1/4.1)</a:t>
+                            <a:t>0.2439 </a:t>
                           </a:r>
                         </a:p>
                       </a:txBody>
@@ -9132,7 +9039,7 @@
                               <a:latin typeface="Arial" panose="020B0604020202020204" pitchFamily="34" charset="0"/>
                               <a:cs typeface="Arial" panose="020B0604020202020204" pitchFamily="34" charset="0"/>
                             </a:rPr>
-                            <a:t>0.2439 (1/4.1)</a:t>
+                            <a:t>0.2439 </a:t>
                           </a:r>
                         </a:p>
                       </a:txBody>
@@ -9149,7 +9056,7 @@
                               <a:latin typeface="Arial" panose="020B0604020202020204" pitchFamily="34" charset="0"/>
                               <a:cs typeface="Arial" panose="020B0604020202020204" pitchFamily="34" charset="0"/>
                             </a:rPr>
-                            <a:t>0.2439 (1/4.1)</a:t>
+                            <a:t>0.2439 </a:t>
                           </a:r>
                         </a:p>
                       </a:txBody>
@@ -9304,264 +9211,6 @@
                       </a:ext>
                     </a:extLst>
                   </a:tr>
-                  <a:tr h="727981">
-                    <a:tc>
-                      <a:txBody>
-                        <a:bodyPr/>
-                        <a:lstStyle/>
-                        <a:p>
-                          <a:pPr marL="0" marR="0" lvl="0" indent="0" algn="l" defTabSz="914400" rtl="0" eaLnBrk="1" fontAlgn="auto" latinLnBrk="0" hangingPunct="1">
-                            <a:lnSpc>
-                              <a:spcPct val="100000"/>
-                            </a:lnSpc>
-                            <a:spcBef>
-                              <a:spcPts val="0"/>
-                            </a:spcBef>
-                            <a:spcAft>
-                              <a:spcPts val="0"/>
-                            </a:spcAft>
-                            <a:buClrTx/>
-                            <a:buSzTx/>
-                            <a:buFontTx/>
-                            <a:buNone/>
-                            <a:tabLst/>
-                            <a:defRPr/>
-                          </a:pPr>
-                          <a14:m>
-                            <m:oMathPara xmlns:m="http://schemas.openxmlformats.org/officeDocument/2006/math">
-                              <m:oMathParaPr>
-                                <m:jc m:val="centerGroup"/>
-                              </m:oMathParaPr>
-                              <m:oMath xmlns:m="http://schemas.openxmlformats.org/officeDocument/2006/math">
-                                <m:r>
-                                  <a:rPr lang="en-US" sz="2000" b="0" smtClean="0">
-                                    <a:latin typeface="Cambria Math" panose="02040503050406030204" pitchFamily="18" charset="0"/>
-                                  </a:rPr>
-                                  <m:t>𝑎</m:t>
-                                </m:r>
-                              </m:oMath>
-                            </m:oMathPara>
-                          </a14:m>
-                          <a:endParaRPr lang="en-US" sz="2000" dirty="0">
-                            <a:latin typeface="Arial" panose="020B0604020202020204" pitchFamily="34" charset="0"/>
-                            <a:cs typeface="Arial" panose="020B0604020202020204" pitchFamily="34" charset="0"/>
-                          </a:endParaRPr>
-                        </a:p>
-                        <a:p>
-                          <a:endParaRPr lang="en-US" sz="2000" dirty="0">
-                            <a:latin typeface="Arial" panose="020B0604020202020204" pitchFamily="34" charset="0"/>
-                            <a:cs typeface="Arial" panose="020B0604020202020204" pitchFamily="34" charset="0"/>
-                          </a:endParaRPr>
-                        </a:p>
-                      </a:txBody>
-                      <a:tcPr/>
-                    </a:tc>
-                    <a:tc>
-                      <a:txBody>
-                        <a:bodyPr/>
-                        <a:lstStyle/>
-                        <a:p>
-                          <a:pPr algn="ctr"/>
-                          <a:r>
-                            <a:rPr lang="en-US" sz="2000" dirty="0">
-                              <a:latin typeface="Arial" panose="020B0604020202020204" pitchFamily="34" charset="0"/>
-                              <a:cs typeface="Arial" panose="020B0604020202020204" pitchFamily="34" charset="0"/>
-                            </a:rPr>
-                            <a:t>7.2</a:t>
-                          </a:r>
-                        </a:p>
-                      </a:txBody>
-                      <a:tcPr anchor="ctr"/>
-                    </a:tc>
-                    <a:tc>
-                      <a:txBody>
-                        <a:bodyPr/>
-                        <a:lstStyle/>
-                        <a:p>
-                          <a:pPr algn="ctr"/>
-                          <a:r>
-                            <a:rPr lang="en-US" sz="2000" dirty="0">
-                              <a:latin typeface="Arial" panose="020B0604020202020204" pitchFamily="34" charset="0"/>
-                              <a:cs typeface="Arial" panose="020B0604020202020204" pitchFamily="34" charset="0"/>
-                            </a:rPr>
-                            <a:t>0.001</a:t>
-                          </a:r>
-                        </a:p>
-                      </a:txBody>
-                      <a:tcPr anchor="ctr"/>
-                    </a:tc>
-                    <a:tc>
-                      <a:txBody>
-                        <a:bodyPr/>
-                        <a:lstStyle/>
-                        <a:p>
-                          <a:pPr algn="ctr"/>
-                          <a:r>
-                            <a:rPr lang="en-US" sz="2000" dirty="0">
-                              <a:latin typeface="Arial" panose="020B0604020202020204" pitchFamily="34" charset="0"/>
-                              <a:cs typeface="Arial" panose="020B0604020202020204" pitchFamily="34" charset="0"/>
-                            </a:rPr>
-                            <a:t>10</a:t>
-                          </a:r>
-                        </a:p>
-                      </a:txBody>
-                      <a:tcPr anchor="ctr"/>
-                    </a:tc>
-                    <a:tc>
-                      <a:txBody>
-                        <a:bodyPr/>
-                        <a:lstStyle/>
-                        <a:p>
-                          <a:pPr algn="ctr"/>
-                          <a:r>
-                            <a:rPr lang="en-US" sz="2000" dirty="0">
-                              <a:latin typeface="Arial" panose="020B0604020202020204" pitchFamily="34" charset="0"/>
-                              <a:cs typeface="Arial" panose="020B0604020202020204" pitchFamily="34" charset="0"/>
-                            </a:rPr>
-                            <a:t>No</a:t>
-                          </a:r>
-                        </a:p>
-                      </a:txBody>
-                      <a:tcPr anchor="ctr"/>
-                    </a:tc>
-                    <a:extLst>
-                      <a:ext uri="{0D108BD9-81ED-4DB2-BD59-A6C34878D82A}">
-                        <a16:rowId xmlns:a16="http://schemas.microsoft.com/office/drawing/2014/main" val="2208552447"/>
-                      </a:ext>
-                    </a:extLst>
-                  </a:tr>
-                  <a:tr h="727981">
-                    <a:tc>
-                      <a:txBody>
-                        <a:bodyPr/>
-                        <a:lstStyle/>
-                        <a:p>
-                          <a:pPr marL="0" marR="0" lvl="0" indent="0" algn="l" defTabSz="914400" rtl="0" eaLnBrk="1" fontAlgn="auto" latinLnBrk="0" hangingPunct="1">
-                            <a:lnSpc>
-                              <a:spcPct val="100000"/>
-                            </a:lnSpc>
-                            <a:spcBef>
-                              <a:spcPts val="0"/>
-                            </a:spcBef>
-                            <a:spcAft>
-                              <a:spcPts val="0"/>
-                            </a:spcAft>
-                            <a:buClrTx/>
-                            <a:buSzTx/>
-                            <a:buFontTx/>
-                            <a:buNone/>
-                            <a:tabLst/>
-                            <a:defRPr/>
-                          </a:pPr>
-                          <a14:m>
-                            <m:oMathPara xmlns:m="http://schemas.openxmlformats.org/officeDocument/2006/math">
-                              <m:oMathParaPr>
-                                <m:jc m:val="centerGroup"/>
-                              </m:oMathParaPr>
-                              <m:oMath xmlns:m="http://schemas.openxmlformats.org/officeDocument/2006/math">
-                                <m:r>
-                                  <a:rPr lang="en-US" sz="2000" b="0" smtClean="0">
-                                    <a:latin typeface="Cambria Math" panose="02040503050406030204" pitchFamily="18" charset="0"/>
-                                  </a:rPr>
-                                  <m:t>𝐾</m:t>
-                                </m:r>
-                                <m:r>
-                                  <a:rPr lang="en-US" sz="2000" b="0" smtClean="0">
-                                    <a:latin typeface="Cambria Math" panose="02040503050406030204" pitchFamily="18" charset="0"/>
-                                  </a:rPr>
-                                  <m:t>0</m:t>
-                                </m:r>
-                              </m:oMath>
-                            </m:oMathPara>
-                          </a14:m>
-                          <a:endParaRPr lang="en-US" sz="2000" dirty="0">
-                            <a:latin typeface="Arial" panose="020B0604020202020204" pitchFamily="34" charset="0"/>
-                            <a:cs typeface="Arial" panose="020B0604020202020204" pitchFamily="34" charset="0"/>
-                          </a:endParaRPr>
-                        </a:p>
-                        <a:p>
-                          <a:endParaRPr lang="en-US" sz="2000" dirty="0">
-                            <a:latin typeface="Arial" panose="020B0604020202020204" pitchFamily="34" charset="0"/>
-                            <a:cs typeface="Arial" panose="020B0604020202020204" pitchFamily="34" charset="0"/>
-                          </a:endParaRPr>
-                        </a:p>
-                      </a:txBody>
-                      <a:tcPr/>
-                    </a:tc>
-                    <a:tc>
-                      <a:txBody>
-                        <a:bodyPr/>
-                        <a:lstStyle/>
-                        <a:p>
-                          <a:pPr algn="ctr"/>
-                          <a:r>
-                            <a:rPr lang="en-US" sz="2000" dirty="0">
-                              <a:latin typeface="Arial" panose="020B0604020202020204" pitchFamily="34" charset="0"/>
-                              <a:cs typeface="Arial" panose="020B0604020202020204" pitchFamily="34" charset="0"/>
-                            </a:rPr>
-                            <a:t>6000</a:t>
-                          </a:r>
-                        </a:p>
-                      </a:txBody>
-                      <a:tcPr anchor="ctr"/>
-                    </a:tc>
-                    <a:tc>
-                      <a:txBody>
-                        <a:bodyPr/>
-                        <a:lstStyle/>
-                        <a:p>
-                          <a:pPr algn="ctr"/>
-                          <a:r>
-                            <a:rPr lang="en-US" sz="2000" dirty="0">
-                              <a:latin typeface="Arial" panose="020B0604020202020204" pitchFamily="34" charset="0"/>
-                              <a:cs typeface="Arial" panose="020B0604020202020204" pitchFamily="34" charset="0"/>
-                            </a:rPr>
-                            <a:t>0</a:t>
-                          </a:r>
-                        </a:p>
-                      </a:txBody>
-                      <a:tcPr anchor="ctr"/>
-                    </a:tc>
-                    <a:tc>
-                      <a:txBody>
-                        <a:bodyPr/>
-                        <a:lstStyle/>
-                        <a:p>
-                          <a:pPr algn="ctr"/>
-                          <a:r>
-                            <a:rPr lang="en-US" sz="2000" dirty="0">
-                              <a:latin typeface="Arial" panose="020B0604020202020204" pitchFamily="34" charset="0"/>
-                              <a:cs typeface="Arial" panose="020B0604020202020204" pitchFamily="34" charset="0"/>
-                            </a:rPr>
-                            <a:t>10000</a:t>
-                          </a:r>
-                        </a:p>
-                      </a:txBody>
-                      <a:tcPr anchor="ctr"/>
-                    </a:tc>
-                    <a:tc>
-                      <a:txBody>
-                        <a:bodyPr/>
-                        <a:lstStyle/>
-                        <a:p>
-                          <a:pPr algn="ctr"/>
-                          <a:r>
-                            <a:rPr lang="en-US" sz="2000" dirty="0">
-                              <a:latin typeface="Arial" panose="020B0604020202020204" pitchFamily="34" charset="0"/>
-                              <a:cs typeface="Arial" panose="020B0604020202020204" pitchFamily="34" charset="0"/>
-                            </a:rPr>
-                            <a:t>No</a:t>
-                          </a:r>
-                        </a:p>
-                      </a:txBody>
-                      <a:tcPr anchor="ctr"/>
-                    </a:tc>
-                    <a:extLst>
-                      <a:ext uri="{0D108BD9-81ED-4DB2-BD59-A6C34878D82A}">
-                        <a16:rowId xmlns:a16="http://schemas.microsoft.com/office/drawing/2014/main" val="3230924886"/>
-                      </a:ext>
-                    </a:extLst>
-                  </a:tr>
                   <a:tr h="421767">
                     <a:tc>
                       <a:txBody>
@@ -9687,7 +9336,7 @@
             </a:graphic>
           </p:graphicFrame>
         </mc:Choice>
-        <mc:Fallback xmlns="">
+        <mc:Fallback>
           <p:graphicFrame>
             <p:nvGraphicFramePr>
               <p:cNvPr id="4" name="Table 3">
@@ -9703,14 +9352,14 @@
               <p:nvPr>
                 <p:extLst>
                   <p:ext uri="{D42A27DB-BD31-4B8C-83A1-F6EECF244321}">
-                    <p14:modId xmlns:p14="http://schemas.microsoft.com/office/powerpoint/2010/main" val="114439763"/>
+                    <p14:modId xmlns:p14="http://schemas.microsoft.com/office/powerpoint/2010/main" val="1026552061"/>
                   </p:ext>
                 </p:extLst>
               </p:nvPr>
             </p:nvGraphicFramePr>
             <p:xfrm>
-              <a:off x="815050" y="1876584"/>
-              <a:ext cx="10561900" cy="4321666"/>
+              <a:off x="815050" y="2139038"/>
+              <a:ext cx="10561900" cy="3287471"/>
             </p:xfrm>
             <a:graphic>
               <a:graphicData uri="http://schemas.openxmlformats.org/drawingml/2006/table">
@@ -9890,7 +9539,7 @@
                         <a:blipFill>
                           <a:blip r:embed="rId2"/>
                           <a:stretch>
-                            <a:fillRect l="-313" t="-113043" r="-442500" b="-846377"/>
+                            <a:fillRect l="-313" t="-111429" r="-442500" b="-590000"/>
                           </a:stretch>
                         </a:blipFill>
                       </a:tcPr>
@@ -9906,7 +9555,7 @@
                               <a:latin typeface="Arial" panose="020B0604020202020204" pitchFamily="34" charset="0"/>
                               <a:cs typeface="Arial" panose="020B0604020202020204" pitchFamily="34" charset="0"/>
                             </a:rPr>
-                            <a:t>0.06</a:t>
+                            <a:t>6.59</a:t>
                           </a:r>
                         </a:p>
                       </a:txBody>
@@ -9923,7 +9572,7 @@
                               <a:latin typeface="Arial" panose="020B0604020202020204" pitchFamily="34" charset="0"/>
                               <a:cs typeface="Arial" panose="020B0604020202020204" pitchFamily="34" charset="0"/>
                             </a:rPr>
-                            <a:t>0.01</a:t>
+                            <a:t>0.001</a:t>
                           </a:r>
                         </a:p>
                       </a:txBody>
@@ -9982,7 +9631,7 @@
                         <a:blipFill>
                           <a:blip r:embed="rId2"/>
                           <a:stretch>
-                            <a:fillRect l="-313" t="-210000" r="-442500" b="-734286"/>
+                            <a:fillRect l="-313" t="-214493" r="-442500" b="-498551"/>
                           </a:stretch>
                         </a:blipFill>
                       </a:tcPr>
@@ -10106,7 +9755,7 @@
                         <a:blipFill>
                           <a:blip r:embed="rId2"/>
                           <a:stretch>
-                            <a:fillRect l="-313" t="-314493" r="-442500" b="-644928"/>
+                            <a:fillRect l="-313" t="-314493" r="-442500" b="-398551"/>
                           </a:stretch>
                         </a:blipFill>
                       </a:tcPr>
@@ -10122,7 +9771,7 @@
                               <a:latin typeface="Arial" panose="020B0604020202020204" pitchFamily="34" charset="0"/>
                               <a:cs typeface="Arial" panose="020B0604020202020204" pitchFamily="34" charset="0"/>
                             </a:rPr>
-                            <a:t>0.2439 (1/4.1)</a:t>
+                            <a:t>0.526</a:t>
                           </a:r>
                         </a:p>
                       </a:txBody>
@@ -10139,7 +9788,7 @@
                               <a:latin typeface="Arial" panose="020B0604020202020204" pitchFamily="34" charset="0"/>
                               <a:cs typeface="Arial" panose="020B0604020202020204" pitchFamily="34" charset="0"/>
                             </a:rPr>
-                            <a:t>0.2439 (1/4.1)</a:t>
+                            <a:t>0.526</a:t>
                           </a:r>
                         </a:p>
                       </a:txBody>
@@ -10156,7 +9805,99 @@
                               <a:latin typeface="Arial" panose="020B0604020202020204" pitchFamily="34" charset="0"/>
                               <a:cs typeface="Arial" panose="020B0604020202020204" pitchFamily="34" charset="0"/>
                             </a:rPr>
-                            <a:t>0.2439 (1/4.1)</a:t>
+                            <a:t>0.526</a:t>
+                          </a:r>
+                        </a:p>
+                      </a:txBody>
+                      <a:tcPr anchor="ctr"/>
+                    </a:tc>
+                    <a:tc>
+                      <a:txBody>
+                        <a:bodyPr/>
+                        <a:lstStyle/>
+                        <a:p>
+                          <a:pPr algn="ctr"/>
+                          <a:r>
+                            <a:rPr lang="en-US" sz="2000" dirty="0">
+                              <a:latin typeface="Arial" panose="020B0604020202020204" pitchFamily="34" charset="0"/>
+                              <a:cs typeface="Arial" panose="020B0604020202020204" pitchFamily="34" charset="0"/>
+                            </a:rPr>
+                            <a:t>Yes</a:t>
+                          </a:r>
+                        </a:p>
+                      </a:txBody>
+                      <a:tcPr anchor="ctr"/>
+                    </a:tc>
+                    <a:extLst>
+                      <a:ext uri="{0D108BD9-81ED-4DB2-BD59-A6C34878D82A}">
+                        <a16:rowId xmlns:a16="http://schemas.microsoft.com/office/drawing/2014/main" val="3682452341"/>
+                      </a:ext>
+                    </a:extLst>
+                  </a:tr>
+                  <a:tr h="421767">
+                    <a:tc>
+                      <a:txBody>
+                        <a:bodyPr/>
+                        <a:lstStyle/>
+                        <a:p>
+                          <a:endParaRPr lang="en-US"/>
+                        </a:p>
+                      </a:txBody>
+                      <a:tcPr>
+                        <a:blipFill>
+                          <a:blip r:embed="rId2"/>
+                          <a:stretch>
+                            <a:fillRect l="-313" t="-408571" r="-442500" b="-292857"/>
+                          </a:stretch>
+                        </a:blipFill>
+                      </a:tcPr>
+                    </a:tc>
+                    <a:tc>
+                      <a:txBody>
+                        <a:bodyPr/>
+                        <a:lstStyle/>
+                        <a:p>
+                          <a:pPr algn="ctr"/>
+                          <a:r>
+                            <a:rPr lang="en-US" sz="2000" dirty="0">
+                              <a:latin typeface="Arial" panose="020B0604020202020204" pitchFamily="34" charset="0"/>
+                              <a:cs typeface="Arial" panose="020B0604020202020204" pitchFamily="34" charset="0"/>
+                            </a:rPr>
+                            <a:t>0.2439 </a:t>
+                          </a:r>
+                        </a:p>
+                      </a:txBody>
+                      <a:tcPr anchor="ctr"/>
+                    </a:tc>
+                    <a:tc>
+                      <a:txBody>
+                        <a:bodyPr/>
+                        <a:lstStyle/>
+                        <a:p>
+                          <a:pPr algn="ctr"/>
+                          <a:r>
+                            <a:rPr lang="en-US" sz="2000" dirty="0">
+                              <a:latin typeface="Arial" panose="020B0604020202020204" pitchFamily="34" charset="0"/>
+                              <a:cs typeface="Arial" panose="020B0604020202020204" pitchFamily="34" charset="0"/>
+                            </a:rPr>
+                            <a:t>0.2439 </a:t>
+                          </a:r>
+                        </a:p>
+                      </a:txBody>
+                      <a:tcPr anchor="ctr"/>
+                    </a:tc>
+                    <a:tc>
+                      <a:txBody>
+                        <a:bodyPr/>
+                        <a:lstStyle/>
+                        <a:p>
+                          <a:pPr algn="ctr"/>
+                          <a:r>
+                            <a:rPr lang="en-US" sz="2000" dirty="0">
+                              <a:latin typeface="Arial" panose="020B0604020202020204" pitchFamily="34" charset="0"/>
+                              <a:cs typeface="Arial" panose="020B0604020202020204" pitchFamily="34" charset="0"/>
+                            </a:rPr>
+                            <a:t>0.2439 </a:t>
                           </a:r>
                         </a:p>
                       </a:txBody>
@@ -10198,7 +9939,7 @@
                         <a:blipFill>
                           <a:blip r:embed="rId2"/>
                           <a:stretch>
-                            <a:fillRect l="-313" t="-238333" r="-442500" b="-270833"/>
+                            <a:fillRect l="-313" t="-296667" r="-442500" b="-70833"/>
                           </a:stretch>
                         </a:blipFill>
                       </a:tcPr>
@@ -10277,190 +10018,6 @@
                       </a:ext>
                     </a:extLst>
                   </a:tr>
-                  <a:tr h="727981">
-                    <a:tc>
-                      <a:txBody>
-                        <a:bodyPr/>
-                        <a:lstStyle/>
-                        <a:p>
-                          <a:endParaRPr lang="en-US"/>
-                        </a:p>
-                      </a:txBody>
-                      <a:tcPr>
-                        <a:blipFill>
-                          <a:blip r:embed="rId2"/>
-                          <a:stretch>
-                            <a:fillRect l="-313" t="-341176" r="-442500" b="-173109"/>
-                          </a:stretch>
-                        </a:blipFill>
-                      </a:tcPr>
-                    </a:tc>
-                    <a:tc>
-                      <a:txBody>
-                        <a:bodyPr/>
-                        <a:lstStyle/>
-                        <a:p>
-                          <a:pPr algn="ctr"/>
-                          <a:r>
-                            <a:rPr lang="en-US" sz="2000" dirty="0">
-                              <a:latin typeface="Arial" panose="020B0604020202020204" pitchFamily="34" charset="0"/>
-                              <a:cs typeface="Arial" panose="020B0604020202020204" pitchFamily="34" charset="0"/>
-                            </a:rPr>
-                            <a:t>7.2</a:t>
-                          </a:r>
-                        </a:p>
-                      </a:txBody>
-                      <a:tcPr anchor="ctr"/>
-                    </a:tc>
-                    <a:tc>
-                      <a:txBody>
-                        <a:bodyPr/>
-                        <a:lstStyle/>
-                        <a:p>
-                          <a:pPr algn="ctr"/>
-                          <a:r>
-                            <a:rPr lang="en-US" sz="2000" dirty="0">
-                              <a:latin typeface="Arial" panose="020B0604020202020204" pitchFamily="34" charset="0"/>
-                              <a:cs typeface="Arial" panose="020B0604020202020204" pitchFamily="34" charset="0"/>
-                            </a:rPr>
-                            <a:t>0.001</a:t>
-                          </a:r>
-                        </a:p>
-                      </a:txBody>
-                      <a:tcPr anchor="ctr"/>
-                    </a:tc>
-                    <a:tc>
-                      <a:txBody>
-                        <a:bodyPr/>
-                        <a:lstStyle/>
-                        <a:p>
-                          <a:pPr algn="ctr"/>
-                          <a:r>
-                            <a:rPr lang="en-US" sz="2000" dirty="0">
-                              <a:latin typeface="Arial" panose="020B0604020202020204" pitchFamily="34" charset="0"/>
-                              <a:cs typeface="Arial" panose="020B0604020202020204" pitchFamily="34" charset="0"/>
-                            </a:rPr>
-                            <a:t>10</a:t>
-                          </a:r>
-                        </a:p>
-                      </a:txBody>
-                      <a:tcPr anchor="ctr"/>
-                    </a:tc>
-                    <a:tc>
-                      <a:txBody>
-                        <a:bodyPr/>
-                        <a:lstStyle/>
-                        <a:p>
-                          <a:pPr algn="ctr"/>
-                          <a:r>
-                            <a:rPr lang="en-US" sz="2000" dirty="0">
-                              <a:latin typeface="Arial" panose="020B0604020202020204" pitchFamily="34" charset="0"/>
-                              <a:cs typeface="Arial" panose="020B0604020202020204" pitchFamily="34" charset="0"/>
-                            </a:rPr>
-                            <a:t>No</a:t>
-                          </a:r>
-                        </a:p>
-                      </a:txBody>
-                      <a:tcPr anchor="ctr"/>
-                    </a:tc>
-                    <a:extLst>
-                      <a:ext uri="{0D108BD9-81ED-4DB2-BD59-A6C34878D82A}">
-                        <a16:rowId xmlns:a16="http://schemas.microsoft.com/office/drawing/2014/main" val="2208552447"/>
-                      </a:ext>
-                    </a:extLst>
-                  </a:tr>
-                  <a:tr h="727981">
-                    <a:tc>
-                      <a:txBody>
-                        <a:bodyPr/>
-                        <a:lstStyle/>
-                        <a:p>
-                          <a:endParaRPr lang="en-US"/>
-                        </a:p>
-                      </a:txBody>
-                      <a:tcPr>
-                        <a:blipFill>
-                          <a:blip r:embed="rId2"/>
-                          <a:stretch>
-                            <a:fillRect l="-313" t="-437500" r="-442500" b="-71667"/>
-                          </a:stretch>
-                        </a:blipFill>
-                      </a:tcPr>
-                    </a:tc>
-                    <a:tc>
-                      <a:txBody>
-                        <a:bodyPr/>
-                        <a:lstStyle/>
-                        <a:p>
-                          <a:pPr algn="ctr"/>
-                          <a:r>
-                            <a:rPr lang="en-US" sz="2000" dirty="0">
-                              <a:latin typeface="Arial" panose="020B0604020202020204" pitchFamily="34" charset="0"/>
-                              <a:cs typeface="Arial" panose="020B0604020202020204" pitchFamily="34" charset="0"/>
-                            </a:rPr>
-                            <a:t>6000</a:t>
-                          </a:r>
-                        </a:p>
-                      </a:txBody>
-                      <a:tcPr anchor="ctr"/>
-                    </a:tc>
-                    <a:tc>
-                      <a:txBody>
-                        <a:bodyPr/>
-                        <a:lstStyle/>
-                        <a:p>
-                          <a:pPr algn="ctr"/>
-                          <a:r>
-                            <a:rPr lang="en-US" sz="2000" dirty="0">
-                              <a:latin typeface="Arial" panose="020B0604020202020204" pitchFamily="34" charset="0"/>
-                              <a:cs typeface="Arial" panose="020B0604020202020204" pitchFamily="34" charset="0"/>
-                            </a:rPr>
-                            <a:t>0</a:t>
-                          </a:r>
-                        </a:p>
-                      </a:txBody>
-                      <a:tcPr anchor="ctr"/>
-                    </a:tc>
-                    <a:tc>
-                      <a:txBody>
-                        <a:bodyPr/>
-                        <a:lstStyle/>
-                        <a:p>
-                          <a:pPr algn="ctr"/>
-                          <a:r>
-                            <a:rPr lang="en-US" sz="2000" dirty="0">
-                              <a:latin typeface="Arial" panose="020B0604020202020204" pitchFamily="34" charset="0"/>
-                              <a:cs typeface="Arial" panose="020B0604020202020204" pitchFamily="34" charset="0"/>
-                            </a:rPr>
-                            <a:t>10000</a:t>
-                          </a:r>
-                        </a:p>
-                      </a:txBody>
-                      <a:tcPr anchor="ctr"/>
-                    </a:tc>
-                    <a:tc>
-                      <a:txBody>
-                        <a:bodyPr/>
-                        <a:lstStyle/>
-                        <a:p>
-                          <a:pPr algn="ctr"/>
-                          <a:r>
-                            <a:rPr lang="en-US" sz="2000" dirty="0">
-                              <a:latin typeface="Arial" panose="020B0604020202020204" pitchFamily="34" charset="0"/>
-                              <a:cs typeface="Arial" panose="020B0604020202020204" pitchFamily="34" charset="0"/>
-                            </a:rPr>
-                            <a:t>No</a:t>
-                          </a:r>
-                        </a:p>
-                      </a:txBody>
-                      <a:tcPr anchor="ctr"/>
-                    </a:tc>
-                    <a:extLst>
-                      <a:ext uri="{0D108BD9-81ED-4DB2-BD59-A6C34878D82A}">
-                        <a16:rowId xmlns:a16="http://schemas.microsoft.com/office/drawing/2014/main" val="3230924886"/>
-                      </a:ext>
-                    </a:extLst>
-                  </a:tr>
                   <a:tr h="421767">
                     <a:tc>
                       <a:txBody>
@@ -10474,7 +10031,7 @@
                         <a:blipFill>
                           <a:blip r:embed="rId2"/>
                           <a:stretch>
-                            <a:fillRect l="-313" t="-934783" r="-442500" b="-24638"/>
+                            <a:fillRect l="-313" t="-689855" r="-442500" b="-23188"/>
                           </a:stretch>
                         </a:blipFill>
                       </a:tcPr>
@@ -10622,8 +10179,8 @@
           </a:p>
         </p:txBody>
       </p:sp>
-      <mc:AlternateContent xmlns:mc="http://schemas.openxmlformats.org/markup-compatibility/2006" xmlns:a14="http://schemas.microsoft.com/office/drawing/2010/main">
-        <mc:Choice Requires="a14">
+      <mc:AlternateContent xmlns:mc="http://schemas.openxmlformats.org/markup-compatibility/2006">
+        <mc:Choice xmlns:a14="http://schemas.microsoft.com/office/drawing/2010/main" Requires="a14">
           <p:graphicFrame>
             <p:nvGraphicFramePr>
               <p:cNvPr id="4" name="Table 3">
@@ -10636,11 +10193,17 @@
               <p:cNvGraphicFramePr>
                 <a:graphicFrameLocks noGrp="1"/>
               </p:cNvGraphicFramePr>
-              <p:nvPr/>
+              <p:nvPr>
+                <p:extLst>
+                  <p:ext uri="{D42A27DB-BD31-4B8C-83A1-F6EECF244321}">
+                    <p14:modId xmlns:p14="http://schemas.microsoft.com/office/powerpoint/2010/main" val="4239066327"/>
+                  </p:ext>
+                </p:extLst>
+              </p:nvPr>
             </p:nvGraphicFramePr>
             <p:xfrm>
               <a:off x="2266323" y="2380082"/>
-              <a:ext cx="7720314" cy="2645215"/>
+              <a:ext cx="7720314" cy="3193855"/>
             </p:xfrm>
             <a:graphic>
               <a:graphicData uri="http://schemas.openxmlformats.org/drawingml/2006/table">
@@ -10780,7 +10343,7 @@
                               <a:latin typeface="Courier New" panose="02070309020205020404" pitchFamily="49" charset="0"/>
                               <a:cs typeface="Courier New" panose="02070309020205020404" pitchFamily="49" charset="0"/>
                             </a:rPr>
-                            <a:t>(2)-5</a:t>
+                            <a:t>(4)-5</a:t>
                           </a:r>
                         </a:p>
                       </a:txBody>
@@ -10789,6 +10352,90 @@
                     <a:extLst>
                       <a:ext uri="{0D108BD9-81ED-4DB2-BD59-A6C34878D82A}">
                         <a16:rowId xmlns:a16="http://schemas.microsoft.com/office/drawing/2014/main" val="1979610872"/>
+                      </a:ext>
+                    </a:extLst>
+                  </a:tr>
+                  <a:tr h="548640">
+                    <a:tc>
+                      <a:txBody>
+                        <a:bodyPr/>
+                        <a:lstStyle/>
+                        <a:p>
+                          <a:pPr marL="0" marR="0" lvl="0" indent="0" algn="l" defTabSz="914400" rtl="0" eaLnBrk="1" fontAlgn="auto" latinLnBrk="0" hangingPunct="1">
+                            <a:lnSpc>
+                              <a:spcPct val="100000"/>
+                            </a:lnSpc>
+                            <a:spcBef>
+                              <a:spcPts val="0"/>
+                            </a:spcBef>
+                            <a:spcAft>
+                              <a:spcPts val="0"/>
+                            </a:spcAft>
+                            <a:buClrTx/>
+                            <a:buSzTx/>
+                            <a:buFontTx/>
+                            <a:buNone/>
+                            <a:tabLst/>
+                            <a:defRPr/>
+                          </a:pPr>
+                          <a14:m>
+                            <m:oMathPara xmlns:m="http://schemas.openxmlformats.org/officeDocument/2006/math">
+                              <m:oMathParaPr>
+                                <m:jc m:val="centerGroup"/>
+                              </m:oMathParaPr>
+                              <m:oMath xmlns:m="http://schemas.openxmlformats.org/officeDocument/2006/math">
+                                <m:r>
+                                  <a:rPr lang="en-US" b="0" i="1" smtClean="0">
+                                    <a:latin typeface="Cambria Math" panose="02040503050406030204" pitchFamily="18" charset="0"/>
+                                  </a:rPr>
+                                  <m:t>𝐸</m:t>
+                                </m:r>
+                                <m:r>
+                                  <a:rPr lang="en-US" b="0" i="1" smtClean="0">
+                                    <a:latin typeface="Cambria Math" panose="02040503050406030204" pitchFamily="18" charset="0"/>
+                                  </a:rPr>
+                                  <m:t>(</m:t>
+                                </m:r>
+                                <m:r>
+                                  <a:rPr lang="en-US" b="0" i="1" smtClean="0">
+                                    <a:latin typeface="Cambria Math" panose="02040503050406030204" pitchFamily="18" charset="0"/>
+                                  </a:rPr>
+                                  <m:t>𝑡</m:t>
+                                </m:r>
+                                <m:r>
+                                  <a:rPr lang="en-US" b="0" i="1" smtClean="0">
+                                    <a:latin typeface="Cambria Math" panose="02040503050406030204" pitchFamily="18" charset="0"/>
+                                  </a:rPr>
+                                  <m:t>)</m:t>
+                                </m:r>
+                              </m:oMath>
+                            </m:oMathPara>
+                          </a14:m>
+                          <a:endParaRPr lang="en-US" dirty="0"/>
+                        </a:p>
+                      </a:txBody>
+                      <a:tcPr anchor="ctr"/>
+                    </a:tc>
+                    <a:tc>
+                      <a:txBody>
+                        <a:bodyPr/>
+                        <a:lstStyle/>
+                        <a:p>
+                          <a:pPr algn="ctr"/>
+                          <a:r>
+                            <a:rPr lang="en-US" sz="2000" dirty="0">
+                              <a:latin typeface="Arial" panose="020B0604020202020204" pitchFamily="34" charset="0"/>
+                              <a:cs typeface="Arial" panose="020B0604020202020204" pitchFamily="34" charset="0"/>
+                            </a:rPr>
+                            <a:t>0</a:t>
+                          </a:r>
+                        </a:p>
+                      </a:txBody>
+                      <a:tcPr anchor="ctr"/>
+                    </a:tc>
+                    <a:extLst>
+                      <a:ext uri="{0D108BD9-81ED-4DB2-BD59-A6C34878D82A}">
+                        <a16:rowId xmlns:a16="http://schemas.microsoft.com/office/drawing/2014/main" val="30242643"/>
                       </a:ext>
                     </a:extLst>
                   </a:tr>
@@ -11033,7 +10680,7 @@
             </a:graphic>
           </p:graphicFrame>
         </mc:Choice>
-        <mc:Fallback xmlns="">
+        <mc:Fallback>
           <p:graphicFrame>
             <p:nvGraphicFramePr>
               <p:cNvPr id="4" name="Table 3">
@@ -11049,14 +10696,14 @@
               <p:nvPr>
                 <p:extLst>
                   <p:ext uri="{D42A27DB-BD31-4B8C-83A1-F6EECF244321}">
-                    <p14:modId xmlns:p14="http://schemas.microsoft.com/office/powerpoint/2010/main" val="1844439411"/>
+                    <p14:modId xmlns:p14="http://schemas.microsoft.com/office/powerpoint/2010/main" val="4239066327"/>
                   </p:ext>
                 </p:extLst>
               </p:nvPr>
             </p:nvGraphicFramePr>
             <p:xfrm>
               <a:off x="2266323" y="2380082"/>
-              <a:ext cx="7720314" cy="2645215"/>
+              <a:ext cx="7720314" cy="3193855"/>
             </p:xfrm>
             <a:graphic>
               <a:graphicData uri="http://schemas.openxmlformats.org/drawingml/2006/table">
@@ -11146,7 +10793,7 @@
                         <a:blipFill>
                           <a:blip r:embed="rId2"/>
                           <a:stretch>
-                            <a:fillRect l="-163" t="-86667" r="-107516" b="-307778"/>
+                            <a:fillRect l="-163" t="-86667" r="-107516" b="-407778"/>
                           </a:stretch>
                         </a:blipFill>
                       </a:tcPr>
@@ -11169,7 +10816,7 @@
                               <a:latin typeface="Courier New" panose="02070309020205020404" pitchFamily="49" charset="0"/>
                               <a:cs typeface="Courier New" panose="02070309020205020404" pitchFamily="49" charset="0"/>
                             </a:rPr>
-                            <a:t>(2)-5</a:t>
+                            <a:t>(4)-5</a:t>
                           </a:r>
                         </a:p>
                       </a:txBody>
@@ -11194,7 +10841,48 @@
                         <a:blipFill>
                           <a:blip r:embed="rId2"/>
                           <a:stretch>
-                            <a:fillRect l="-163" t="-184615" r="-107516" b="-204396"/>
+                            <a:fillRect l="-163" t="-186667" r="-107516" b="-307778"/>
+                          </a:stretch>
+                        </a:blipFill>
+                      </a:tcPr>
+                    </a:tc>
+                    <a:tc>
+                      <a:txBody>
+                        <a:bodyPr/>
+                        <a:lstStyle/>
+                        <a:p>
+                          <a:pPr algn="ctr"/>
+                          <a:r>
+                            <a:rPr lang="en-US" sz="2000" dirty="0">
+                              <a:latin typeface="Arial" panose="020B0604020202020204" pitchFamily="34" charset="0"/>
+                              <a:cs typeface="Arial" panose="020B0604020202020204" pitchFamily="34" charset="0"/>
+                            </a:rPr>
+                            <a:t>0</a:t>
+                          </a:r>
+                        </a:p>
+                      </a:txBody>
+                      <a:tcPr anchor="ctr"/>
+                    </a:tc>
+                    <a:extLst>
+                      <a:ext uri="{0D108BD9-81ED-4DB2-BD59-A6C34878D82A}">
+                        <a16:rowId xmlns:a16="http://schemas.microsoft.com/office/drawing/2014/main" val="30242643"/>
+                      </a:ext>
+                    </a:extLst>
+                  </a:tr>
+                  <a:tr h="548640">
+                    <a:tc>
+                      <a:txBody>
+                        <a:bodyPr/>
+                        <a:lstStyle/>
+                        <a:p>
+                          <a:endParaRPr lang="en-US"/>
+                        </a:p>
+                      </a:txBody>
+                      <a:tcPr anchor="ctr">
+                        <a:blipFill>
+                          <a:blip r:embed="rId2"/>
+                          <a:stretch>
+                            <a:fillRect l="-163" t="-283516" r="-107516" b="-204396"/>
                           </a:stretch>
                         </a:blipFill>
                       </a:tcPr>
@@ -11235,7 +10923,7 @@
                         <a:blipFill>
                           <a:blip r:embed="rId2"/>
                           <a:stretch>
-                            <a:fillRect l="-163" t="-287778" r="-107516" b="-106667"/>
+                            <a:fillRect l="-163" t="-387778" r="-107516" b="-106667"/>
                           </a:stretch>
                         </a:blipFill>
                       </a:tcPr>
@@ -11276,7 +10964,7 @@
                         <a:blipFill>
                           <a:blip r:embed="rId2"/>
                           <a:stretch>
-                            <a:fillRect l="-163" t="-387778" r="-107516" b="-6667"/>
+                            <a:fillRect l="-163" t="-487778" r="-107516" b="-6667"/>
                           </a:stretch>
                         </a:blipFill>
                       </a:tcPr>
@@ -11391,13 +11079,13 @@
         </p:nvSpPr>
         <p:spPr>
           <a:xfrm>
-            <a:off x="1097280" y="1845733"/>
-            <a:ext cx="10058400" cy="4445107"/>
+            <a:off x="1097280" y="1913692"/>
+            <a:ext cx="10058400" cy="4635380"/>
           </a:xfrm>
         </p:spPr>
         <p:txBody>
           <a:bodyPr>
-            <a:normAutofit/>
+            <a:normAutofit fontScale="92500" lnSpcReduction="10000"/>
           </a:bodyPr>
           <a:lstStyle/>
           <a:p>
@@ -11413,14 +11101,14 @@
               <a:buChar char="•"/>
             </a:pPr>
             <a:r>
-              <a:rPr lang="en-US" sz="2000" b="1" dirty="0">
+              <a:rPr lang="en-US" sz="1900" b="1" dirty="0">
                 <a:latin typeface="Arial" panose="020B0604020202020204" pitchFamily="34" charset="0"/>
                 <a:cs typeface="Arial" panose="020B0604020202020204" pitchFamily="34" charset="0"/>
               </a:rPr>
               <a:t>Model:</a:t>
             </a:r>
             <a:r>
-              <a:rPr lang="en-US" sz="2000" dirty="0">
+              <a:rPr lang="en-US" sz="1900" dirty="0">
                 <a:latin typeface="Arial" panose="020B0604020202020204" pitchFamily="34" charset="0"/>
                 <a:cs typeface="Arial" panose="020B0604020202020204" pitchFamily="34" charset="0"/>
               </a:rPr>
@@ -11443,18 +11131,81 @@
               <a:buChar char="•"/>
             </a:pPr>
             <a:r>
-              <a:rPr lang="en-US" sz="2000" b="1" dirty="0">
+              <a:rPr lang="en-US" sz="1900" b="1" dirty="0">
                 <a:latin typeface="Arial" panose="020B0604020202020204" pitchFamily="34" charset="0"/>
                 <a:cs typeface="Arial" panose="020B0604020202020204" pitchFamily="34" charset="0"/>
               </a:rPr>
               <a:t>Comparison Models:</a:t>
             </a:r>
             <a:r>
-              <a:rPr lang="en-US" sz="2000" dirty="0">
+              <a:rPr lang="en-US" sz="1900" dirty="0">
                 <a:latin typeface="Arial" panose="020B0604020202020204" pitchFamily="34" charset="0"/>
                 <a:cs typeface="Arial" panose="020B0604020202020204" pitchFamily="34" charset="0"/>
               </a:rPr>
-              <a:t> Exponential (EXP), Generalized Growth Model (GGM), Richard Model (RICH)</a:t>
+              <a:t> Generalized Growth Model (GGM)</a:t>
+            </a:r>
+          </a:p>
+          <a:p>
+            <a:pPr lvl="1">
+              <a:lnSpc>
+                <a:spcPct val="120000"/>
+              </a:lnSpc>
+              <a:spcBef>
+                <a:spcPts val="600"/>
+              </a:spcBef>
+              <a:spcAft>
+                <a:spcPts val="600"/>
+              </a:spcAft>
+              <a:buClrTx/>
+              <a:buFont typeface="Arial" panose="020B0604020202020204" pitchFamily="34" charset="0"/>
+              <a:buChar char="•"/>
+            </a:pPr>
+            <a:r>
+              <a:rPr lang="en-US" sz="1900" b="1" dirty="0">
+                <a:latin typeface="Arial" panose="020B0604020202020204" pitchFamily="34" charset="0"/>
+                <a:cs typeface="Arial" panose="020B0604020202020204" pitchFamily="34" charset="0"/>
+              </a:rPr>
+              <a:t>Forecasting Dates: </a:t>
+            </a:r>
+          </a:p>
+          <a:p>
+            <a:pPr lvl="2">
+              <a:spcBef>
+                <a:spcPts val="600"/>
+              </a:spcBef>
+              <a:spcAft>
+                <a:spcPts val="600"/>
+              </a:spcAft>
+              <a:buClrTx/>
+              <a:buFont typeface="Arial" panose="020B0604020202020204" pitchFamily="34" charset="0"/>
+              <a:buChar char="•"/>
+            </a:pPr>
+            <a:r>
+              <a:rPr lang="en-US" sz="1900" dirty="0">
+                <a:latin typeface="Arial" panose="020B0604020202020204" pitchFamily="34" charset="0"/>
+                <a:cs typeface="Arial" panose="020B0604020202020204" pitchFamily="34" charset="0"/>
+              </a:rPr>
+              <a:t>2022-07-14 (Use 11-weeks calibration period) </a:t>
+            </a:r>
+          </a:p>
+          <a:p>
+            <a:pPr lvl="2">
+              <a:spcBef>
+                <a:spcPts val="600"/>
+              </a:spcBef>
+              <a:spcAft>
+                <a:spcPts val="600"/>
+              </a:spcAft>
+              <a:buClrTx/>
+              <a:buFont typeface="Arial" panose="020B0604020202020204" pitchFamily="34" charset="0"/>
+              <a:buChar char="•"/>
+            </a:pPr>
+            <a:r>
+              <a:rPr lang="en-US" sz="1900" dirty="0">
+                <a:latin typeface="Arial" panose="020B0604020202020204" pitchFamily="34" charset="0"/>
+                <a:cs typeface="Arial" panose="020B0604020202020204" pitchFamily="34" charset="0"/>
+              </a:rPr>
+              <a:t>2023-02-23 (Use all data for calibration)</a:t>
             </a:r>
           </a:p>
           <a:p>
@@ -11470,11 +11221,38 @@
               <a:buChar char="•"/>
             </a:pPr>
             <a:r>
-              <a:rPr lang="en-US" sz="2000" b="1" dirty="0">
+              <a:rPr lang="en-US" sz="1900" b="1" dirty="0">
                 <a:latin typeface="Arial" panose="020B0604020202020204" pitchFamily="34" charset="0"/>
                 <a:cs typeface="Arial" panose="020B0604020202020204" pitchFamily="34" charset="0"/>
               </a:rPr>
-              <a:t>Forecasting Dates: </a:t>
+              <a:t>Forecasting Horizon:</a:t>
+            </a:r>
+            <a:r>
+              <a:rPr lang="en-US" sz="1900" dirty="0">
+                <a:latin typeface="Arial" panose="020B0604020202020204" pitchFamily="34" charset="0"/>
+                <a:cs typeface="Arial" panose="020B0604020202020204" pitchFamily="34" charset="0"/>
+              </a:rPr>
+              <a:t> 4-weeks </a:t>
+            </a:r>
+          </a:p>
+          <a:p>
+            <a:pPr lvl="1">
+              <a:spcBef>
+                <a:spcPts val="600"/>
+              </a:spcBef>
+              <a:spcAft>
+                <a:spcPts val="600"/>
+              </a:spcAft>
+              <a:buClrTx/>
+              <a:buFont typeface="Arial" panose="020B0604020202020204" pitchFamily="34" charset="0"/>
+              <a:buChar char="•"/>
+            </a:pPr>
+            <a:r>
+              <a:rPr lang="en-US" sz="1900" b="1" dirty="0">
+                <a:latin typeface="Arial" panose="020B0604020202020204" pitchFamily="34" charset="0"/>
+                <a:cs typeface="Arial" panose="020B0604020202020204" pitchFamily="34" charset="0"/>
+              </a:rPr>
+              <a:t>Calibration period length:</a:t>
             </a:r>
           </a:p>
           <a:p>
@@ -11490,31 +11268,25 @@
               <a:buChar char="•"/>
             </a:pPr>
             <a:r>
-              <a:rPr lang="en-US" sz="2000" dirty="0">
+              <a:rPr lang="en-US" sz="1900" u="sng" dirty="0">
                 <a:latin typeface="Arial" panose="020B0604020202020204" pitchFamily="34" charset="0"/>
                 <a:cs typeface="Arial" panose="020B0604020202020204" pitchFamily="34" charset="0"/>
               </a:rPr>
-              <a:t>2022-07-21 (Use 11-weeks calibration period) </a:t>
+              <a:t>Weekly:</a:t>
             </a:r>
-          </a:p>
-          <a:p>
-            <a:pPr lvl="2">
-              <a:spcBef>
-                <a:spcPts val="600"/>
-              </a:spcBef>
-              <a:spcAft>
-                <a:spcPts val="600"/>
-              </a:spcAft>
-              <a:buClrTx/>
-              <a:buFont typeface="Arial" panose="020B0604020202020204" pitchFamily="34" charset="0"/>
-              <a:buChar char="•"/>
-            </a:pPr>
             <a:r>
-              <a:rPr lang="en-US" sz="2000" dirty="0">
+              <a:rPr lang="en-US" sz="1900" b="1" dirty="0">
                 <a:latin typeface="Arial" panose="020B0604020202020204" pitchFamily="34" charset="0"/>
                 <a:cs typeface="Arial" panose="020B0604020202020204" pitchFamily="34" charset="0"/>
               </a:rPr>
-              <a:t>2023-02-23 (Use all data for calibration)</a:t>
+              <a:t> </a:t>
+            </a:r>
+            <a:r>
+              <a:rPr lang="en-US" sz="1900" dirty="0">
+                <a:latin typeface="Arial" panose="020B0604020202020204" pitchFamily="34" charset="0"/>
+                <a:cs typeface="Arial" panose="020B0604020202020204" pitchFamily="34" charset="0"/>
+              </a:rPr>
+              <a:t>11-weeks and All data</a:t>
             </a:r>
           </a:p>
           <a:p>
@@ -11530,18 +11302,18 @@
               <a:buChar char="•"/>
             </a:pPr>
             <a:r>
-              <a:rPr lang="en-US" sz="2000" b="1" dirty="0">
+              <a:rPr lang="en-US" sz="1900" b="1" dirty="0">
                 <a:latin typeface="Arial" panose="020B0604020202020204" pitchFamily="34" charset="0"/>
                 <a:cs typeface="Arial" panose="020B0604020202020204" pitchFamily="34" charset="0"/>
               </a:rPr>
-              <a:t>Forecasting Horizon:</a:t>
+              <a:t>Bootstrapping: </a:t>
             </a:r>
             <a:r>
-              <a:rPr lang="en-US" sz="2000" dirty="0">
+              <a:rPr lang="en-US" sz="1900" dirty="0">
                 <a:latin typeface="Arial" panose="020B0604020202020204" pitchFamily="34" charset="0"/>
                 <a:cs typeface="Arial" panose="020B0604020202020204" pitchFamily="34" charset="0"/>
               </a:rPr>
-              <a:t> 4-weeks </a:t>
+              <a:t>Use between 100-300 samples, set start points to 10</a:t>
             </a:r>
           </a:p>
           <a:p>
@@ -11556,16 +11328,13 @@
               <a:buFont typeface="Arial" panose="020B0604020202020204" pitchFamily="34" charset="0"/>
               <a:buChar char="•"/>
             </a:pPr>
-            <a:r>
-              <a:rPr lang="en-US" sz="2000" b="1" dirty="0">
-                <a:latin typeface="Arial" panose="020B0604020202020204" pitchFamily="34" charset="0"/>
-                <a:cs typeface="Arial" panose="020B0604020202020204" pitchFamily="34" charset="0"/>
-              </a:rPr>
-              <a:t>Calibration period length:</a:t>
-            </a:r>
-          </a:p>
-          <a:p>
-            <a:pPr lvl="2">
+            <a:endParaRPr lang="en-US" sz="2200" dirty="0">
+              <a:latin typeface="Arial" panose="020B0604020202020204" pitchFamily="34" charset="0"/>
+              <a:cs typeface="Arial" panose="020B0604020202020204" pitchFamily="34" charset="0"/>
+            </a:endParaRPr>
+          </a:p>
+          <a:p>
+            <a:pPr marL="201168" lvl="1" indent="0" algn="ctr">
               <a:spcBef>
                 <a:spcPts val="600"/>
               </a:spcBef>
@@ -11573,29 +11342,28 @@
                 <a:spcPts val="600"/>
               </a:spcAft>
               <a:buClrTx/>
-              <a:buFont typeface="Arial" panose="020B0604020202020204" pitchFamily="34" charset="0"/>
-              <a:buChar char="•"/>
+              <a:buNone/>
             </a:pPr>
             <a:r>
-              <a:rPr lang="en-US" sz="2000" u="sng" dirty="0">
+              <a:rPr lang="en-US" sz="2200" dirty="0">
                 <a:latin typeface="Arial" panose="020B0604020202020204" pitchFamily="34" charset="0"/>
                 <a:cs typeface="Arial" panose="020B0604020202020204" pitchFamily="34" charset="0"/>
               </a:rPr>
-              <a:t>Weekly:</a:t>
+              <a:t>Using this information, and the parameters provided on other slides, prepare the </a:t>
             </a:r>
             <a:r>
-              <a:rPr lang="en-US" sz="2000" b="1" dirty="0">
+              <a:rPr lang="en-US" sz="2200" dirty="0" err="1">
+                <a:latin typeface="Courier New" panose="02070309020205020404" pitchFamily="49" charset="0"/>
+                <a:cs typeface="Courier New" panose="02070309020205020404" pitchFamily="49" charset="0"/>
+              </a:rPr>
+              <a:t>options_fit.m</a:t>
+            </a:r>
+            <a:r>
+              <a:rPr lang="en-US" sz="2200" dirty="0">
                 <a:latin typeface="Arial" panose="020B0604020202020204" pitchFamily="34" charset="0"/>
                 <a:cs typeface="Arial" panose="020B0604020202020204" pitchFamily="34" charset="0"/>
               </a:rPr>
-              <a:t> </a:t>
-            </a:r>
-            <a:r>
-              <a:rPr lang="en-US" sz="2000" dirty="0">
-                <a:latin typeface="Arial" panose="020B0604020202020204" pitchFamily="34" charset="0"/>
-                <a:cs typeface="Arial" panose="020B0604020202020204" pitchFamily="34" charset="0"/>
-              </a:rPr>
-              <a:t>11-weeks and All data</a:t>
+              <a:t> files and conduct a model comparison analysis. </a:t>
             </a:r>
           </a:p>
           <a:p>
@@ -12607,7 +12375,14 @@
 
 <file path=ppt/tags/tag1.xml><?xml version="1.0" encoding="utf-8"?>
 <p:tagLst xmlns:a="http://schemas.openxmlformats.org/drawingml/2006/main" xmlns:r="http://schemas.openxmlformats.org/officeDocument/2006/relationships" xmlns:p="http://schemas.openxmlformats.org/presentationml/2006/main">
-  <p:tag name="PRESGUID" val="f609ce4f-1cba-481c-b333-1b71d56577d5"/>
+  <p:tag name="PRESGUID" val="02a7409c-359e-4fa0-a939-46bf52d116c5"/>
+</p:tagLst>
+</file>
+
+<file path=ppt/tags/tag2.xml><?xml version="1.0" encoding="utf-8"?>
+<p:tagLst xmlns:a="http://schemas.openxmlformats.org/drawingml/2006/main" xmlns:r="http://schemas.openxmlformats.org/officeDocument/2006/relationships" xmlns:p="http://schemas.openxmlformats.org/presentationml/2006/main">
+  <p:tag name="NOPREFERENCE" val="False"/>
+  <p:tag name="DELIMITERS" val="3.1"/>
 </p:tagLst>
 </file>
 
